--- a/powerpoint/6_RNAseq_DE.pptx
+++ b/powerpoint/6_RNAseq_DE.pptx
@@ -18,15 +18,14 @@
     <p:sldId id="271" r:id="rId12"/>
     <p:sldId id="304" r:id="rId13"/>
     <p:sldId id="303" r:id="rId14"/>
-    <p:sldId id="327" r:id="rId15"/>
-    <p:sldId id="321" r:id="rId16"/>
-    <p:sldId id="332" r:id="rId17"/>
-    <p:sldId id="342" r:id="rId18"/>
-    <p:sldId id="329" r:id="rId19"/>
-    <p:sldId id="335" r:id="rId20"/>
-    <p:sldId id="338" r:id="rId21"/>
-    <p:sldId id="340" r:id="rId22"/>
-    <p:sldId id="341" r:id="rId23"/>
+    <p:sldId id="321" r:id="rId15"/>
+    <p:sldId id="332" r:id="rId16"/>
+    <p:sldId id="342" r:id="rId17"/>
+    <p:sldId id="329" r:id="rId18"/>
+    <p:sldId id="335" r:id="rId19"/>
+    <p:sldId id="338" r:id="rId20"/>
+    <p:sldId id="340" r:id="rId21"/>
+    <p:sldId id="341" r:id="rId22"/>
   </p:sldIdLst>
   <p:sldSz cx="12192000" cy="6858000"/>
   <p:notesSz cx="6858000" cy="9144000"/>
@@ -282,7 +281,7 @@
           <a:p>
             <a:fld id="{D5B3EF36-47C2-4AA3-A387-F39AC0889363}" type="datetimeFigureOut">
               <a:rPr lang="en-GB" smtClean="0"/>
-              <a:t>09/10/2020</a:t>
+              <a:t>13/10/2020</a:t>
             </a:fld>
             <a:endParaRPr lang="en-GB"/>
           </a:p>
@@ -482,7 +481,7 @@
           <a:p>
             <a:fld id="{D5B3EF36-47C2-4AA3-A387-F39AC0889363}" type="datetimeFigureOut">
               <a:rPr lang="en-GB" smtClean="0"/>
-              <a:t>09/10/2020</a:t>
+              <a:t>13/10/2020</a:t>
             </a:fld>
             <a:endParaRPr lang="en-GB"/>
           </a:p>
@@ -692,7 +691,7 @@
           <a:p>
             <a:fld id="{D5B3EF36-47C2-4AA3-A387-F39AC0889363}" type="datetimeFigureOut">
               <a:rPr lang="en-GB" smtClean="0"/>
-              <a:t>09/10/2020</a:t>
+              <a:t>13/10/2020</a:t>
             </a:fld>
             <a:endParaRPr lang="en-GB"/>
           </a:p>
@@ -892,7 +891,7 @@
           <a:p>
             <a:fld id="{D5B3EF36-47C2-4AA3-A387-F39AC0889363}" type="datetimeFigureOut">
               <a:rPr lang="en-GB" smtClean="0"/>
-              <a:t>09/10/2020</a:t>
+              <a:t>13/10/2020</a:t>
             </a:fld>
             <a:endParaRPr lang="en-GB"/>
           </a:p>
@@ -1168,7 +1167,7 @@
           <a:p>
             <a:fld id="{D5B3EF36-47C2-4AA3-A387-F39AC0889363}" type="datetimeFigureOut">
               <a:rPr lang="en-GB" smtClean="0"/>
-              <a:t>09/10/2020</a:t>
+              <a:t>13/10/2020</a:t>
             </a:fld>
             <a:endParaRPr lang="en-GB"/>
           </a:p>
@@ -1436,7 +1435,7 @@
           <a:p>
             <a:fld id="{D5B3EF36-47C2-4AA3-A387-F39AC0889363}" type="datetimeFigureOut">
               <a:rPr lang="en-GB" smtClean="0"/>
-              <a:t>09/10/2020</a:t>
+              <a:t>13/10/2020</a:t>
             </a:fld>
             <a:endParaRPr lang="en-GB"/>
           </a:p>
@@ -1851,7 +1850,7 @@
           <a:p>
             <a:fld id="{D5B3EF36-47C2-4AA3-A387-F39AC0889363}" type="datetimeFigureOut">
               <a:rPr lang="en-GB" smtClean="0"/>
-              <a:t>09/10/2020</a:t>
+              <a:t>13/10/2020</a:t>
             </a:fld>
             <a:endParaRPr lang="en-GB"/>
           </a:p>
@@ -1993,7 +1992,7 @@
           <a:p>
             <a:fld id="{D5B3EF36-47C2-4AA3-A387-F39AC0889363}" type="datetimeFigureOut">
               <a:rPr lang="en-GB" smtClean="0"/>
-              <a:t>09/10/2020</a:t>
+              <a:t>13/10/2020</a:t>
             </a:fld>
             <a:endParaRPr lang="en-GB"/>
           </a:p>
@@ -2106,7 +2105,7 @@
           <a:p>
             <a:fld id="{D5B3EF36-47C2-4AA3-A387-F39AC0889363}" type="datetimeFigureOut">
               <a:rPr lang="en-GB" smtClean="0"/>
-              <a:t>09/10/2020</a:t>
+              <a:t>13/10/2020</a:t>
             </a:fld>
             <a:endParaRPr lang="en-GB"/>
           </a:p>
@@ -2419,7 +2418,7 @@
           <a:p>
             <a:fld id="{D5B3EF36-47C2-4AA3-A387-F39AC0889363}" type="datetimeFigureOut">
               <a:rPr lang="en-GB" smtClean="0"/>
-              <a:t>09/10/2020</a:t>
+              <a:t>13/10/2020</a:t>
             </a:fld>
             <a:endParaRPr lang="en-GB"/>
           </a:p>
@@ -2708,7 +2707,7 @@
           <a:p>
             <a:fld id="{D5B3EF36-47C2-4AA3-A387-F39AC0889363}" type="datetimeFigureOut">
               <a:rPr lang="en-GB" smtClean="0"/>
-              <a:t>09/10/2020</a:t>
+              <a:t>13/10/2020</a:t>
             </a:fld>
             <a:endParaRPr lang="en-GB"/>
           </a:p>
@@ -2951,7 +2950,7 @@
           <a:p>
             <a:fld id="{D5B3EF36-47C2-4AA3-A387-F39AC0889363}" type="datetimeFigureOut">
               <a:rPr lang="en-GB" smtClean="0"/>
-              <a:t>09/10/2020</a:t>
+              <a:t>13/10/2020</a:t>
             </a:fld>
             <a:endParaRPr lang="en-GB"/>
           </a:p>
@@ -4642,7 +4641,7 @@
           <p:cNvPr id="2" name="Title 1">
             <a:extLst>
               <a:ext uri="{FF2B5EF4-FFF2-40B4-BE49-F238E27FC236}">
-                <a16:creationId xmlns:a16="http://schemas.microsoft.com/office/drawing/2014/main" id="{55F02461-1881-43C2-B364-66B918668015}"/>
+                <a16:creationId xmlns:a16="http://schemas.microsoft.com/office/drawing/2014/main" id="{2C43B3AF-2DAB-4789-AAC2-055BF22D4786}"/>
               </a:ext>
             </a:extLst>
           </p:cNvPr>
@@ -4653,7 +4652,12 @@
             <p:ph type="title"/>
           </p:nvPr>
         </p:nvSpPr>
-        <p:spPr/>
+        <p:spPr>
+          <a:xfrm>
+            <a:off x="188422" y="165619"/>
+            <a:ext cx="12003578" cy="1325563"/>
+          </a:xfrm>
+        </p:spPr>
         <p:txBody>
           <a:bodyPr/>
           <a:lstStyle/>
@@ -4664,7 +4668,7 @@
                   <a:srgbClr val="7030A0"/>
                 </a:solidFill>
               </a:rPr>
-              <a:t>Pause the assembly training for something cool</a:t>
+              <a:t>6) assembly: Predict the genes from our assembly.</a:t>
             </a:r>
           </a:p>
         </p:txBody>
@@ -4674,7 +4678,7 @@
           <p:cNvPr id="3" name="Content Placeholder 2">
             <a:extLst>
               <a:ext uri="{FF2B5EF4-FFF2-40B4-BE49-F238E27FC236}">
-                <a16:creationId xmlns:a16="http://schemas.microsoft.com/office/drawing/2014/main" id="{7C3DF6A3-8066-4E75-85FB-09F47BE9F87B}"/>
+                <a16:creationId xmlns:a16="http://schemas.microsoft.com/office/drawing/2014/main" id="{044C95C6-B6B0-4522-A3AD-F62B0463C045}"/>
               </a:ext>
             </a:extLst>
           </p:cNvPr>
@@ -4685,52 +4689,153 @@
             <p:ph idx="1"/>
           </p:nvPr>
         </p:nvSpPr>
-        <p:spPr/>
-        <p:txBody>
-          <a:bodyPr/>
-          <a:lstStyle/>
-          <a:p>
-            <a:r>
-              <a:rPr lang="en-GB" dirty="0"/>
-              <a:t>Conda</a:t>
-            </a:r>
-          </a:p>
-          <a:p>
-            <a:r>
-              <a:rPr lang="en-GB" dirty="0"/>
-              <a:t>Open the </a:t>
-            </a:r>
-            <a:r>
-              <a:rPr lang="en-GB" dirty="0" err="1"/>
-              <a:t>conda</a:t>
-            </a:r>
-            <a:r>
-              <a:rPr lang="en-GB" dirty="0"/>
-              <a:t> PowerPoint (</a:t>
+        <p:spPr>
+          <a:xfrm>
+            <a:off x="232611" y="1825625"/>
+            <a:ext cx="11662610" cy="4351338"/>
+          </a:xfrm>
+        </p:spPr>
+        <p:txBody>
+          <a:bodyPr>
+            <a:normAutofit/>
+          </a:bodyPr>
+          <a:lstStyle/>
+          <a:p>
+            <a:pPr marL="0" indent="0">
+              <a:buNone/>
+            </a:pPr>
+            <a:r>
+              <a:rPr lang="it-IT" dirty="0"/>
+              <a:t>Lets install Prokka to predict the bacterial genes:</a:t>
+            </a:r>
+          </a:p>
+          <a:p>
+            <a:pPr marL="0" indent="0">
+              <a:buNone/>
+            </a:pPr>
+            <a:r>
+              <a:rPr lang="it-IT" dirty="0"/>
+              <a:t>Create an env with prokka installed</a:t>
+            </a:r>
+          </a:p>
+          <a:p>
+            <a:pPr marL="0" indent="0">
+              <a:buNone/>
+            </a:pPr>
+            <a:r>
+              <a:rPr lang="it-IT" dirty="0">
+                <a:solidFill>
+                  <a:srgbClr val="0070C0"/>
+                </a:solidFill>
+              </a:rPr>
+              <a:t>        conda create -n prokkaENV prokka</a:t>
+            </a:r>
+          </a:p>
+          <a:p>
+            <a:pPr marL="0" indent="0">
+              <a:buNone/>
+            </a:pPr>
+            <a:r>
+              <a:rPr lang="it-IT" dirty="0">
+                <a:solidFill>
+                  <a:srgbClr val="0070C0"/>
+                </a:solidFill>
+              </a:rPr>
+              <a:t>        conda activate prokkaENV</a:t>
+            </a:r>
+          </a:p>
+          <a:p>
+            <a:pPr marL="0" indent="0">
+              <a:buNone/>
+            </a:pPr>
+            <a:endParaRPr lang="it-IT" dirty="0">
+              <a:solidFill>
+                <a:srgbClr val="0070C0"/>
+              </a:solidFill>
+            </a:endParaRPr>
+          </a:p>
+          <a:p>
+            <a:pPr marL="0" indent="0">
+              <a:buNone/>
+            </a:pPr>
+            <a:r>
+              <a:rPr lang="en-GB" dirty="0" err="1">
+                <a:solidFill>
+                  <a:srgbClr val="0070C0"/>
+                </a:solidFill>
+              </a:rPr>
+              <a:t>qsub</a:t>
             </a:r>
             <a:r>
               <a:rPr lang="en-GB" dirty="0">
                 <a:solidFill>
+                  <a:srgbClr val="0070C0"/>
+                </a:solidFill>
+              </a:rPr>
+              <a:t> predict_genes.sh</a:t>
+            </a:r>
+            <a:endParaRPr lang="it-IT" dirty="0">
+              <a:solidFill>
+                <a:srgbClr val="0070C0"/>
+              </a:solidFill>
+            </a:endParaRPr>
+          </a:p>
+        </p:txBody>
+      </p:sp>
+      <p:sp>
+        <p:nvSpPr>
+          <p:cNvPr id="4" name="TextBox 3">
+            <a:extLst>
+              <a:ext uri="{FF2B5EF4-FFF2-40B4-BE49-F238E27FC236}">
+                <a16:creationId xmlns:a16="http://schemas.microsoft.com/office/drawing/2014/main" id="{71306B38-5A8D-4473-A896-C39C2C9E9844}"/>
+              </a:ext>
+            </a:extLst>
+          </p:cNvPr>
+          <p:cNvSpPr txBox="1"/>
+          <p:nvPr/>
+        </p:nvSpPr>
+        <p:spPr>
+          <a:xfrm>
+            <a:off x="10350500" y="0"/>
+            <a:ext cx="1841500" cy="584775"/>
+          </a:xfrm>
+          <a:prstGeom prst="rect">
+            <a:avLst/>
+          </a:prstGeom>
+          <a:noFill/>
+        </p:spPr>
+        <p:txBody>
+          <a:bodyPr wrap="square" rtlCol="0">
+            <a:spAutoFit/>
+          </a:bodyPr>
+          <a:lstStyle/>
+          <a:p>
+            <a:r>
+              <a:rPr lang="en-GB" sz="3200" dirty="0">
+                <a:solidFill>
                   <a:srgbClr val="FF0000"/>
                 </a:solidFill>
-              </a:rPr>
-              <a:t>7_Conda.pptx</a:t>
-            </a:r>
-            <a:r>
-              <a:rPr lang="en-GB" dirty="0"/>
-              <a:t>) ( </a:t>
-            </a:r>
-            <a:r>
-              <a:rPr lang="en-GB" b="1" dirty="0"/>
-              <a:t>we wont do this, but feel free to read at a later point!!)</a:t>
-            </a:r>
+                <a:highlight>
+                  <a:srgbClr val="FFFF00"/>
+                </a:highlight>
+              </a:rPr>
+              <a:t>ACTIVITY</a:t>
+            </a:r>
+            <a:endParaRPr lang="en-GB" sz="2800" dirty="0">
+              <a:solidFill>
+                <a:srgbClr val="FF0000"/>
+              </a:solidFill>
+              <a:highlight>
+                <a:srgbClr val="FFFF00"/>
+              </a:highlight>
+            </a:endParaRPr>
           </a:p>
         </p:txBody>
       </p:sp>
     </p:spTree>
     <p:extLst>
       <p:ext uri="{BB962C8B-B14F-4D97-AF65-F5344CB8AC3E}">
-        <p14:creationId xmlns:p14="http://schemas.microsoft.com/office/powerpoint/2010/main" val="1007012389"/>
+        <p14:creationId xmlns:p14="http://schemas.microsoft.com/office/powerpoint/2010/main" val="929082678"/>
       </p:ext>
     </p:extLst>
   </p:cSld>
@@ -4762,7 +4867,7 @@
           <p:cNvPr id="2" name="Title 1">
             <a:extLst>
               <a:ext uri="{FF2B5EF4-FFF2-40B4-BE49-F238E27FC236}">
-                <a16:creationId xmlns:a16="http://schemas.microsoft.com/office/drawing/2014/main" id="{2C43B3AF-2DAB-4789-AAC2-055BF22D4786}"/>
+                <a16:creationId xmlns:a16="http://schemas.microsoft.com/office/drawing/2014/main" id="{4E1FC0BE-F14F-41BB-AA79-8A2D40C17783}"/>
               </a:ext>
             </a:extLst>
           </p:cNvPr>
@@ -4775,8 +4880,8 @@
         </p:nvSpPr>
         <p:spPr>
           <a:xfrm>
-            <a:off x="188422" y="165619"/>
-            <a:ext cx="12003578" cy="1325563"/>
+            <a:off x="289560" y="157306"/>
+            <a:ext cx="10515600" cy="1325563"/>
           </a:xfrm>
         </p:spPr>
         <p:txBody>
@@ -4784,12 +4889,20 @@
           <a:lstStyle/>
           <a:p>
             <a:r>
+              <a:rPr lang="en-GB" dirty="0" err="1">
+                <a:solidFill>
+                  <a:srgbClr val="7030A0"/>
+                </a:solidFill>
+              </a:rPr>
+              <a:t>Prokka</a:t>
+            </a:r>
+            <a:r>
               <a:rPr lang="en-GB" dirty="0">
                 <a:solidFill>
                   <a:srgbClr val="7030A0"/>
                 </a:solidFill>
               </a:rPr>
-              <a:t>6) assembly: Predict the genes from our assembly.</a:t>
+              <a:t> output</a:t>
             </a:r>
           </a:p>
         </p:txBody>
@@ -4799,7 +4912,7 @@
           <p:cNvPr id="3" name="Content Placeholder 2">
             <a:extLst>
               <a:ext uri="{FF2B5EF4-FFF2-40B4-BE49-F238E27FC236}">
-                <a16:creationId xmlns:a16="http://schemas.microsoft.com/office/drawing/2014/main" id="{044C95C6-B6B0-4522-A3AD-F62B0463C045}"/>
+                <a16:creationId xmlns:a16="http://schemas.microsoft.com/office/drawing/2014/main" id="{C9010BB6-15F2-45E5-80F4-B73AC9439517}"/>
               </a:ext>
             </a:extLst>
           </p:cNvPr>
@@ -4812,151 +4925,60 @@
         </p:nvSpPr>
         <p:spPr>
           <a:xfrm>
-            <a:off x="232611" y="1825625"/>
-            <a:ext cx="11662610" cy="4351338"/>
-          </a:xfrm>
-        </p:spPr>
-        <p:txBody>
-          <a:bodyPr>
-            <a:normAutofit/>
-          </a:bodyPr>
-          <a:lstStyle/>
-          <a:p>
-            <a:pPr marL="0" indent="0">
-              <a:buNone/>
-            </a:pPr>
-            <a:r>
-              <a:rPr lang="it-IT" dirty="0"/>
-              <a:t>Lets install Prokka to predict the bacterial genes:</a:t>
-            </a:r>
-          </a:p>
-          <a:p>
-            <a:pPr marL="0" indent="0">
-              <a:buNone/>
-            </a:pPr>
-            <a:r>
-              <a:rPr lang="it-IT" dirty="0"/>
-              <a:t>Create an env with prokka installed</a:t>
-            </a:r>
-          </a:p>
-          <a:p>
-            <a:pPr marL="0" indent="0">
-              <a:buNone/>
-            </a:pPr>
-            <a:r>
-              <a:rPr lang="it-IT" dirty="0">
-                <a:solidFill>
-                  <a:srgbClr val="0070C0"/>
-                </a:solidFill>
-              </a:rPr>
-              <a:t>        conda create -n prokkaENV prokka</a:t>
-            </a:r>
-          </a:p>
-          <a:p>
-            <a:pPr marL="0" indent="0">
-              <a:buNone/>
-            </a:pPr>
-            <a:r>
-              <a:rPr lang="it-IT" dirty="0">
-                <a:solidFill>
-                  <a:srgbClr val="0070C0"/>
-                </a:solidFill>
-              </a:rPr>
-              <a:t>        conda activate prokkaENV</a:t>
-            </a:r>
-          </a:p>
-          <a:p>
-            <a:pPr marL="0" indent="0">
-              <a:buNone/>
-            </a:pPr>
-            <a:endParaRPr lang="it-IT" dirty="0">
-              <a:solidFill>
-                <a:srgbClr val="0070C0"/>
-              </a:solidFill>
-            </a:endParaRPr>
-          </a:p>
-          <a:p>
-            <a:pPr marL="0" indent="0">
-              <a:buNone/>
-            </a:pPr>
-            <a:r>
-              <a:rPr lang="en-GB" dirty="0" err="1">
-                <a:solidFill>
-                  <a:srgbClr val="0070C0"/>
-                </a:solidFill>
-              </a:rPr>
-              <a:t>qsub</a:t>
+            <a:off x="164869" y="1351799"/>
+            <a:ext cx="10515600" cy="4351338"/>
+          </a:xfrm>
+        </p:spPr>
+        <p:txBody>
+          <a:bodyPr/>
+          <a:lstStyle/>
+          <a:p>
+            <a:r>
+              <a:rPr lang="en-GB" dirty="0"/>
+              <a:t>PROKKA_11122018.err  PROKKA_11122018.ffn  PROKKA_11122018.fsa  </a:t>
             </a:r>
             <a:r>
               <a:rPr lang="en-GB" dirty="0">
-                <a:solidFill>
-                  <a:srgbClr val="0070C0"/>
-                </a:solidFill>
-              </a:rPr>
-              <a:t> predict_genes.sh</a:t>
-            </a:r>
-            <a:endParaRPr lang="it-IT" dirty="0">
-              <a:solidFill>
-                <a:srgbClr val="0070C0"/>
-              </a:solidFill>
-            </a:endParaRPr>
-          </a:p>
-        </p:txBody>
-      </p:sp>
-      <p:sp>
-        <p:nvSpPr>
-          <p:cNvPr id="4" name="TextBox 3">
-            <a:extLst>
-              <a:ext uri="{FF2B5EF4-FFF2-40B4-BE49-F238E27FC236}">
-                <a16:creationId xmlns:a16="http://schemas.microsoft.com/office/drawing/2014/main" id="{71306B38-5A8D-4473-A896-C39C2C9E9844}"/>
-              </a:ext>
-            </a:extLst>
-          </p:cNvPr>
-          <p:cNvSpPr txBox="1"/>
-          <p:nvPr/>
-        </p:nvSpPr>
-        <p:spPr>
-          <a:xfrm>
-            <a:off x="10350500" y="0"/>
-            <a:ext cx="1841500" cy="584775"/>
-          </a:xfrm>
-          <a:prstGeom prst="rect">
-            <a:avLst/>
-          </a:prstGeom>
-          <a:noFill/>
-        </p:spPr>
-        <p:txBody>
-          <a:bodyPr wrap="square" rtlCol="0">
-            <a:spAutoFit/>
-          </a:bodyPr>
-          <a:lstStyle/>
-          <a:p>
-            <a:r>
-              <a:rPr lang="en-GB" sz="3200" dirty="0">
-                <a:solidFill>
-                  <a:srgbClr val="FF0000"/>
-                </a:solidFill>
                 <a:highlight>
                   <a:srgbClr val="FFFF00"/>
                 </a:highlight>
               </a:rPr>
-              <a:t>ACTIVITY</a:t>
-            </a:r>
-            <a:endParaRPr lang="en-GB" sz="2800" dirty="0">
-              <a:solidFill>
-                <a:srgbClr val="FF0000"/>
-              </a:solidFill>
-              <a:highlight>
-                <a:srgbClr val="FFFF00"/>
-              </a:highlight>
-            </a:endParaRPr>
+              <a:t>PROKKA_11122018.gff  </a:t>
+            </a:r>
+            <a:r>
+              <a:rPr lang="en-GB" dirty="0"/>
+              <a:t>PROKKA_11122018.sqn  PROKKA_11122018.tsv</a:t>
+            </a:r>
+          </a:p>
+          <a:p>
+            <a:r>
+              <a:rPr lang="en-GB" dirty="0">
+                <a:highlight>
+                  <a:srgbClr val="FFFF00"/>
+                </a:highlight>
+              </a:rPr>
+              <a:t>PROKKA_11122018.faa  PROKKA_11122018.fna  </a:t>
+            </a:r>
+            <a:r>
+              <a:rPr lang="en-GB" dirty="0"/>
+              <a:t>PROKKA_11122018.gbk  PROKKA_11122018.log  PROKKA_11122018.tbl  PROKKA_11122018.txt</a:t>
+            </a:r>
+          </a:p>
+          <a:p>
+            <a:r>
+              <a:rPr lang="en-GB" dirty="0"/>
+              <a:t>…….</a:t>
+            </a:r>
+          </a:p>
+          <a:p>
+            <a:endParaRPr lang="en-GB" dirty="0"/>
           </a:p>
         </p:txBody>
       </p:sp>
     </p:spTree>
     <p:extLst>
       <p:ext uri="{BB962C8B-B14F-4D97-AF65-F5344CB8AC3E}">
-        <p14:creationId xmlns:p14="http://schemas.microsoft.com/office/powerpoint/2010/main" val="929082678"/>
+        <p14:creationId xmlns:p14="http://schemas.microsoft.com/office/powerpoint/2010/main" val="1471244480"/>
       </p:ext>
     </p:extLst>
   </p:cSld>
@@ -5023,7 +5045,7 @@
                   <a:srgbClr val="7030A0"/>
                 </a:solidFill>
               </a:rPr>
-              <a:t> output</a:t>
+              <a:t> output: Draw it!!</a:t>
             </a:r>
           </a:p>
         </p:txBody>
@@ -5046,8 +5068,8 @@
         </p:nvSpPr>
         <p:spPr>
           <a:xfrm>
-            <a:off x="164869" y="1351799"/>
-            <a:ext cx="10515600" cy="4351338"/>
+            <a:off x="164868" y="1351799"/>
+            <a:ext cx="11244811" cy="4351338"/>
           </a:xfrm>
         </p:spPr>
         <p:txBody>
@@ -5056,42 +5078,149 @@
           <a:p>
             <a:r>
               <a:rPr lang="en-GB" dirty="0"/>
-              <a:t>PROKKA_11122018.err  PROKKA_11122018.ffn  PROKKA_11122018.fsa  </a:t>
-            </a:r>
+              <a:t>cd $HOME/</a:t>
+            </a:r>
+            <a:r>
+              <a:rPr lang="en-GB" dirty="0" err="1"/>
+              <a:t>genome_assembly_workshop</a:t>
+            </a:r>
+            <a:r>
+              <a:rPr lang="en-GB" dirty="0"/>
+              <a:t>/</a:t>
+            </a:r>
+            <a:r>
+              <a:rPr lang="en-GB" dirty="0" err="1"/>
+              <a:t>unicycler_prerun</a:t>
+            </a:r>
+            <a:endParaRPr lang="en-GB" dirty="0"/>
+          </a:p>
+          <a:p>
+            <a:pPr marL="0" indent="0">
+              <a:buNone/>
+            </a:pPr>
+            <a:r>
+              <a:rPr lang="en-GB" sz="2400" dirty="0">
+                <a:solidFill>
+                  <a:srgbClr val="FF0000"/>
+                </a:solidFill>
+              </a:rPr>
+              <a:t> 	</a:t>
+            </a:r>
+            <a:r>
+              <a:rPr lang="en-GB" sz="2400" dirty="0" err="1">
+                <a:solidFill>
+                  <a:srgbClr val="FF0000"/>
+                </a:solidFill>
+              </a:rPr>
+              <a:t>conda</a:t>
+            </a:r>
+            <a:r>
+              <a:rPr lang="en-GB" sz="2400" dirty="0">
+                <a:solidFill>
+                  <a:srgbClr val="FF0000"/>
+                </a:solidFill>
+              </a:rPr>
+              <a:t> activate python36</a:t>
+            </a:r>
+          </a:p>
+          <a:p>
+            <a:pPr marL="0" indent="0">
+              <a:buNone/>
+            </a:pPr>
+            <a:r>
+              <a:rPr lang="en-GB" sz="2400" dirty="0">
+                <a:solidFill>
+                  <a:srgbClr val="FF0000"/>
+                </a:solidFill>
+              </a:rPr>
+              <a:t> 	 /shelf/apps/pjt6/</a:t>
+            </a:r>
+            <a:r>
+              <a:rPr lang="en-GB" sz="2400" dirty="0" err="1">
+                <a:solidFill>
+                  <a:srgbClr val="FF0000"/>
+                </a:solidFill>
+              </a:rPr>
+              <a:t>conda</a:t>
+            </a:r>
+            <a:r>
+              <a:rPr lang="en-GB" sz="2400" dirty="0">
+                <a:solidFill>
+                  <a:srgbClr val="FF0000"/>
+                </a:solidFill>
+              </a:rPr>
+              <a:t>/</a:t>
+            </a:r>
+            <a:r>
+              <a:rPr lang="en-GB" sz="2400" dirty="0" err="1">
+                <a:solidFill>
+                  <a:srgbClr val="FF0000"/>
+                </a:solidFill>
+              </a:rPr>
+              <a:t>envs</a:t>
+            </a:r>
+            <a:r>
+              <a:rPr lang="en-GB" sz="2400" dirty="0">
+                <a:solidFill>
+                  <a:srgbClr val="FF0000"/>
+                </a:solidFill>
+              </a:rPr>
+              <a:t>/python36/bin/python Genome_diagram.py</a:t>
+            </a:r>
+          </a:p>
+          <a:p>
+            <a:pPr marL="0" indent="0">
+              <a:buNone/>
+            </a:pPr>
             <a:r>
               <a:rPr lang="en-GB" dirty="0">
-                <a:highlight>
-                  <a:srgbClr val="FFFF00"/>
-                </a:highlight>
-              </a:rPr>
-              <a:t>PROKKA_11122018.gff  </a:t>
-            </a:r>
+                <a:solidFill>
+                  <a:srgbClr val="FF0000"/>
+                </a:solidFill>
+              </a:rPr>
+              <a:t>	</a:t>
+            </a:r>
+            <a:r>
+              <a:rPr lang="en-GB" dirty="0" err="1">
+                <a:solidFill>
+                  <a:srgbClr val="FF0000"/>
+                </a:solidFill>
+              </a:rPr>
+              <a:t>conda</a:t>
+            </a:r>
+            <a:r>
+              <a:rPr lang="en-GB" dirty="0">
+                <a:solidFill>
+                  <a:srgbClr val="FF0000"/>
+                </a:solidFill>
+              </a:rPr>
+              <a:t> deactivate</a:t>
+            </a:r>
+          </a:p>
+          <a:p>
+            <a:pPr marL="0" indent="0">
+              <a:buNone/>
+            </a:pPr>
+            <a:endParaRPr lang="en-GB" dirty="0">
+              <a:solidFill>
+                <a:srgbClr val="FF0000"/>
+              </a:solidFill>
+            </a:endParaRPr>
+          </a:p>
+          <a:p>
+            <a:pPr marL="0" indent="0">
+              <a:buNone/>
+            </a:pPr>
             <a:r>
               <a:rPr lang="en-GB" dirty="0"/>
-              <a:t>PROKKA_11122018.sqn  PROKKA_11122018.tsv</a:t>
-            </a:r>
-          </a:p>
-          <a:p>
+              <a:t>Download and look at the pdf files. Lovely right </a:t>
+            </a:r>
             <a:r>
               <a:rPr lang="en-GB" dirty="0">
-                <a:highlight>
-                  <a:srgbClr val="FFFF00"/>
-                </a:highlight>
-              </a:rPr>
-              <a:t>PROKKA_11122018.faa  PROKKA_11122018.fna  </a:t>
-            </a:r>
-            <a:r>
-              <a:rPr lang="en-GB" dirty="0"/>
-              <a:t>PROKKA_11122018.gbk  PROKKA_11122018.log  PROKKA_11122018.tbl  PROKKA_11122018.txt</a:t>
-            </a:r>
-          </a:p>
-          <a:p>
-            <a:r>
-              <a:rPr lang="en-GB" dirty="0"/>
-              <a:t>…….</a:t>
-            </a:r>
-          </a:p>
-          <a:p>
+                <a:sym typeface="Wingdings" panose="05000000000000000000" pitchFamily="2" charset="2"/>
+              </a:rPr>
+              <a:t> </a:t>
+            </a:r>
             <a:endParaRPr lang="en-GB" dirty="0"/>
           </a:p>
         </p:txBody>
@@ -5099,7 +5228,7 @@
     </p:spTree>
     <p:extLst>
       <p:ext uri="{BB962C8B-B14F-4D97-AF65-F5344CB8AC3E}">
-        <p14:creationId xmlns:p14="http://schemas.microsoft.com/office/powerpoint/2010/main" val="1471244480"/>
+        <p14:creationId xmlns:p14="http://schemas.microsoft.com/office/powerpoint/2010/main" val="1311091168"/>
       </p:ext>
     </p:extLst>
   </p:cSld>
@@ -5131,7 +5260,7 @@
           <p:cNvPr id="2" name="Title 1">
             <a:extLst>
               <a:ext uri="{FF2B5EF4-FFF2-40B4-BE49-F238E27FC236}">
-                <a16:creationId xmlns:a16="http://schemas.microsoft.com/office/drawing/2014/main" id="{4E1FC0BE-F14F-41BB-AA79-8A2D40C17783}"/>
+                <a16:creationId xmlns:a16="http://schemas.microsoft.com/office/drawing/2014/main" id="{9DB186D9-2728-4E1B-A6BF-B9A55B0B1C7C}"/>
               </a:ext>
             </a:extLst>
           </p:cNvPr>
@@ -5144,8 +5273,8 @@
         </p:nvSpPr>
         <p:spPr>
           <a:xfrm>
-            <a:off x="289560" y="157306"/>
-            <a:ext cx="10515600" cy="1325563"/>
+            <a:off x="-25173" y="15324"/>
+            <a:ext cx="11811000" cy="1325563"/>
           </a:xfrm>
         </p:spPr>
         <p:txBody>
@@ -5153,12 +5282,20 @@
           <a:lstStyle/>
           <a:p>
             <a:r>
+              <a:rPr lang="en-GB" dirty="0">
+                <a:solidFill>
+                  <a:srgbClr val="7030A0"/>
+                </a:solidFill>
+              </a:rPr>
+              <a:t>6) assembly: BLAST a </a:t>
+            </a:r>
+            <a:r>
               <a:rPr lang="en-GB" dirty="0" err="1">
                 <a:solidFill>
                   <a:srgbClr val="7030A0"/>
                 </a:solidFill>
               </a:rPr>
-              <a:t>Prokka</a:t>
+              <a:t>seq</a:t>
             </a:r>
             <a:r>
               <a:rPr lang="en-GB" dirty="0">
@@ -5166,8 +5303,21 @@
                   <a:srgbClr val="7030A0"/>
                 </a:solidFill>
               </a:rPr>
-              <a:t> output: Draw it!!</a:t>
-            </a:r>
+              <a:t> against GenBank </a:t>
+            </a:r>
+            <a:r>
+              <a:rPr lang="en-GB" dirty="0" err="1">
+                <a:solidFill>
+                  <a:srgbClr val="7030A0"/>
+                </a:solidFill>
+              </a:rPr>
+              <a:t>nt</a:t>
+            </a:r>
+            <a:endParaRPr lang="en-GB" dirty="0">
+              <a:solidFill>
+                <a:srgbClr val="7030A0"/>
+              </a:solidFill>
+            </a:endParaRPr>
           </a:p>
         </p:txBody>
       </p:sp>
@@ -5176,7 +5326,7 @@
           <p:cNvPr id="3" name="Content Placeholder 2">
             <a:extLst>
               <a:ext uri="{FF2B5EF4-FFF2-40B4-BE49-F238E27FC236}">
-                <a16:creationId xmlns:a16="http://schemas.microsoft.com/office/drawing/2014/main" id="{C9010BB6-15F2-45E5-80F4-B73AC9439517}"/>
+                <a16:creationId xmlns:a16="http://schemas.microsoft.com/office/drawing/2014/main" id="{E04E7D57-5675-4CE3-BA47-A46D07926F10}"/>
               </a:ext>
             </a:extLst>
           </p:cNvPr>
@@ -5189,30 +5339,46 @@
         </p:nvSpPr>
         <p:spPr>
           <a:xfrm>
-            <a:off x="164868" y="1351799"/>
-            <a:ext cx="11244811" cy="4351338"/>
-          </a:xfrm>
-        </p:spPr>
-        <p:txBody>
-          <a:bodyPr/>
-          <a:lstStyle/>
-          <a:p>
+            <a:off x="152400" y="1253331"/>
+            <a:ext cx="10515600" cy="4351338"/>
+          </a:xfrm>
+        </p:spPr>
+        <p:txBody>
+          <a:bodyPr>
+            <a:normAutofit/>
+          </a:bodyPr>
+          <a:lstStyle/>
+          <a:p>
+            <a:r>
+              <a:rPr lang="en-GB" dirty="0" err="1"/>
+              <a:t>Blastn</a:t>
+            </a:r>
             <a:r>
               <a:rPr lang="en-GB" dirty="0"/>
-              <a:t>cd $HOME/</a:t>
+              <a:t>  - nucleotide versus </a:t>
             </a:r>
             <a:r>
               <a:rPr lang="en-GB" dirty="0" err="1"/>
-              <a:t>genome_assembly_workshop</a:t>
-            </a:r>
+              <a:t>nt</a:t>
+            </a:r>
+            <a:endParaRPr lang="en-GB" dirty="0"/>
+          </a:p>
+          <a:p>
+            <a:r>
+              <a:rPr lang="en-GB" dirty="0">
+                <a:hlinkClick r:id="rId2"/>
+              </a:rPr>
+              <a:t>https://blast.ncbi.nlm.nih.gov/Blast.cgi</a:t>
+            </a:r>
+            <a:endParaRPr lang="en-GB" dirty="0"/>
+          </a:p>
+          <a:p>
             <a:r>
               <a:rPr lang="en-GB" dirty="0"/>
-              <a:t>/</a:t>
-            </a:r>
-            <a:r>
-              <a:rPr lang="en-GB" dirty="0" err="1"/>
-              <a:t>unicycler_prerun</a:t>
-            </a:r>
+              <a:t>Look at this website for different BLAST tools. And output formats</a:t>
+            </a:r>
+          </a:p>
+          <a:p>
             <a:endParaRPr lang="en-GB" dirty="0"/>
           </a:p>
           <a:p>
@@ -5220,102 +5386,20 @@
               <a:buNone/>
             </a:pPr>
             <a:r>
-              <a:rPr lang="en-GB" sz="2400" dirty="0">
-                <a:solidFill>
-                  <a:srgbClr val="FF0000"/>
-                </a:solidFill>
-              </a:rPr>
-              <a:t> 	</a:t>
-            </a:r>
-            <a:r>
-              <a:rPr lang="en-GB" sz="2400" dirty="0" err="1">
-                <a:solidFill>
-                  <a:srgbClr val="FF0000"/>
-                </a:solidFill>
-              </a:rPr>
-              <a:t>conda</a:t>
-            </a:r>
-            <a:r>
-              <a:rPr lang="en-GB" sz="2400" dirty="0">
-                <a:solidFill>
-                  <a:srgbClr val="FF0000"/>
-                </a:solidFill>
-              </a:rPr>
-              <a:t> activate python36</a:t>
-            </a:r>
-          </a:p>
-          <a:p>
-            <a:pPr marL="0" indent="0">
-              <a:buNone/>
-            </a:pPr>
-            <a:r>
-              <a:rPr lang="en-GB" sz="2400" dirty="0">
-                <a:solidFill>
-                  <a:srgbClr val="FF0000"/>
-                </a:solidFill>
-              </a:rPr>
-              <a:t> 	 /shelf/apps/pjt6/</a:t>
-            </a:r>
-            <a:r>
-              <a:rPr lang="en-GB" sz="2400" dirty="0" err="1">
-                <a:solidFill>
-                  <a:srgbClr val="FF0000"/>
-                </a:solidFill>
-              </a:rPr>
-              <a:t>conda</a:t>
-            </a:r>
-            <a:r>
-              <a:rPr lang="en-GB" sz="2400" dirty="0">
-                <a:solidFill>
-                  <a:srgbClr val="FF0000"/>
-                </a:solidFill>
-              </a:rPr>
-              <a:t>/</a:t>
-            </a:r>
-            <a:r>
-              <a:rPr lang="en-GB" sz="2400" dirty="0" err="1">
-                <a:solidFill>
-                  <a:srgbClr val="FF0000"/>
-                </a:solidFill>
-              </a:rPr>
-              <a:t>envs</a:t>
-            </a:r>
-            <a:r>
-              <a:rPr lang="en-GB" sz="2400" dirty="0">
-                <a:solidFill>
-                  <a:srgbClr val="FF0000"/>
-                </a:solidFill>
-              </a:rPr>
-              <a:t>/python36/bin/python Genome_diagram.py</a:t>
-            </a:r>
-          </a:p>
-          <a:p>
-            <a:pPr marL="0" indent="0">
-              <a:buNone/>
-            </a:pPr>
+              <a:rPr lang="en-GB" dirty="0" err="1">
+                <a:solidFill>
+                  <a:srgbClr val="0070C0"/>
+                </a:solidFill>
+              </a:rPr>
+              <a:t>blastn</a:t>
+            </a:r>
             <a:r>
               <a:rPr lang="en-GB" dirty="0">
                 <a:solidFill>
-                  <a:srgbClr val="FF0000"/>
-                </a:solidFill>
-              </a:rPr>
-              <a:t>	</a:t>
-            </a:r>
-            <a:r>
-              <a:rPr lang="en-GB" dirty="0" err="1">
-                <a:solidFill>
-                  <a:srgbClr val="FF0000"/>
-                </a:solidFill>
-              </a:rPr>
-              <a:t>conda</a:t>
-            </a:r>
-            <a:r>
-              <a:rPr lang="en-GB" dirty="0">
-                <a:solidFill>
-                  <a:srgbClr val="FF0000"/>
-                </a:solidFill>
-              </a:rPr>
-              <a:t> deactivate</a:t>
+                  <a:srgbClr val="0070C0"/>
+                </a:solidFill>
+              </a:rPr>
+              <a:t> -help</a:t>
             </a:r>
           </a:p>
           <a:p>
@@ -5324,32 +5408,150 @@
             </a:pPr>
             <a:endParaRPr lang="en-GB" dirty="0">
               <a:solidFill>
+                <a:srgbClr val="002060"/>
+              </a:solidFill>
+            </a:endParaRPr>
+          </a:p>
+          <a:p>
+            <a:pPr marL="0" indent="0">
+              <a:buNone/>
+            </a:pPr>
+            <a:r>
+              <a:rPr lang="en-GB" dirty="0">
+                <a:solidFill>
+                  <a:srgbClr val="002060"/>
+                </a:solidFill>
+              </a:rPr>
+              <a:t>If you search against a Protein database: </a:t>
+            </a:r>
+            <a:r>
+              <a:rPr lang="en-GB" dirty="0">
+                <a:solidFill>
+                  <a:srgbClr val="0070C0"/>
+                </a:solidFill>
+              </a:rPr>
+              <a:t>diamond-blast</a:t>
+            </a:r>
+            <a:r>
+              <a:rPr lang="en-GB" dirty="0">
+                <a:solidFill>
+                  <a:srgbClr val="002060"/>
+                </a:solidFill>
+              </a:rPr>
+              <a:t> is the king. ~30,000 X faster than </a:t>
+            </a:r>
+            <a:r>
+              <a:rPr lang="en-GB" dirty="0" err="1">
+                <a:solidFill>
+                  <a:srgbClr val="002060"/>
+                </a:solidFill>
+              </a:rPr>
+              <a:t>BLASTp</a:t>
+            </a:r>
+            <a:r>
+              <a:rPr lang="en-GB" dirty="0">
+                <a:solidFill>
+                  <a:srgbClr val="002060"/>
+                </a:solidFill>
+              </a:rPr>
+              <a:t> You can install this through </a:t>
+            </a:r>
+            <a:r>
+              <a:rPr lang="en-GB" dirty="0" err="1">
+                <a:solidFill>
+                  <a:srgbClr val="002060"/>
+                </a:solidFill>
+              </a:rPr>
+              <a:t>conda</a:t>
+            </a:r>
+            <a:r>
+              <a:rPr lang="en-GB" dirty="0">
+                <a:solidFill>
+                  <a:srgbClr val="002060"/>
+                </a:solidFill>
+              </a:rPr>
+              <a:t>. (</a:t>
+            </a:r>
+            <a:r>
+              <a:rPr lang="en-GB" dirty="0">
+                <a:solidFill>
+                  <a:srgbClr val="002060"/>
+                </a:solidFill>
+                <a:hlinkClick r:id="rId3"/>
+              </a:rPr>
+              <a:t>https://github.com/bbuchfink/diamond</a:t>
+            </a:r>
+            <a:r>
+              <a:rPr lang="en-GB" dirty="0">
+                <a:solidFill>
+                  <a:srgbClr val="002060"/>
+                </a:solidFill>
+              </a:rPr>
+              <a:t>)  </a:t>
+            </a:r>
+          </a:p>
+          <a:p>
+            <a:endParaRPr lang="en-GB" dirty="0"/>
+          </a:p>
+          <a:p>
+            <a:endParaRPr lang="en-GB" dirty="0"/>
+          </a:p>
+        </p:txBody>
+      </p:sp>
+      <p:sp>
+        <p:nvSpPr>
+          <p:cNvPr id="4" name="TextBox 3">
+            <a:extLst>
+              <a:ext uri="{FF2B5EF4-FFF2-40B4-BE49-F238E27FC236}">
+                <a16:creationId xmlns:a16="http://schemas.microsoft.com/office/drawing/2014/main" id="{12873710-8CC5-4FDE-90CD-8B505186C670}"/>
+              </a:ext>
+            </a:extLst>
+          </p:cNvPr>
+          <p:cNvSpPr txBox="1"/>
+          <p:nvPr/>
+        </p:nvSpPr>
+        <p:spPr>
+          <a:xfrm>
+            <a:off x="10350500" y="0"/>
+            <a:ext cx="1841500" cy="584775"/>
+          </a:xfrm>
+          <a:prstGeom prst="rect">
+            <a:avLst/>
+          </a:prstGeom>
+          <a:noFill/>
+        </p:spPr>
+        <p:txBody>
+          <a:bodyPr wrap="square" rtlCol="0">
+            <a:spAutoFit/>
+          </a:bodyPr>
+          <a:lstStyle/>
+          <a:p>
+            <a:r>
+              <a:rPr lang="en-GB" sz="3200" dirty="0">
+                <a:solidFill>
+                  <a:srgbClr val="FF0000"/>
+                </a:solidFill>
+                <a:highlight>
+                  <a:srgbClr val="FFFF00"/>
+                </a:highlight>
+              </a:rPr>
+              <a:t>ACTIVITY</a:t>
+            </a:r>
+            <a:endParaRPr lang="en-GB" sz="2800" dirty="0">
+              <a:solidFill>
                 <a:srgbClr val="FF0000"/>
               </a:solidFill>
+              <a:highlight>
+                <a:srgbClr val="FFFF00"/>
+              </a:highlight>
             </a:endParaRPr>
-          </a:p>
-          <a:p>
-            <a:pPr marL="0" indent="0">
-              <a:buNone/>
-            </a:pPr>
-            <a:r>
-              <a:rPr lang="en-GB" dirty="0"/>
-              <a:t>Download and look at the pdf files. Lovely right </a:t>
-            </a:r>
-            <a:r>
-              <a:rPr lang="en-GB" dirty="0">
-                <a:sym typeface="Wingdings" panose="05000000000000000000" pitchFamily="2" charset="2"/>
-              </a:rPr>
-              <a:t> </a:t>
-            </a:r>
-            <a:endParaRPr lang="en-GB" dirty="0"/>
           </a:p>
         </p:txBody>
       </p:sp>
     </p:spTree>
     <p:extLst>
       <p:ext uri="{BB962C8B-B14F-4D97-AF65-F5344CB8AC3E}">
-        <p14:creationId xmlns:p14="http://schemas.microsoft.com/office/powerpoint/2010/main" val="1311091168"/>
+        <p14:creationId xmlns:p14="http://schemas.microsoft.com/office/powerpoint/2010/main" val="3101719156"/>
       </p:ext>
     </p:extLst>
   </p:cSld>
@@ -5460,15 +5662,19 @@
         </p:nvSpPr>
         <p:spPr>
           <a:xfrm>
-            <a:off x="152400" y="1253331"/>
+            <a:off x="77586" y="1246849"/>
             <a:ext cx="10515600" cy="4351338"/>
           </a:xfrm>
         </p:spPr>
         <p:txBody>
-          <a:bodyPr>
-            <a:normAutofit/>
-          </a:bodyPr>
-          <a:lstStyle/>
+          <a:bodyPr/>
+          <a:lstStyle/>
+          <a:p>
+            <a:r>
+              <a:rPr lang="en-GB" dirty="0"/>
+              <a:t>Blast is not fast.</a:t>
+            </a:r>
+          </a:p>
           <a:p>
             <a:r>
               <a:rPr lang="en-GB" dirty="0" err="1"/>
@@ -5486,133 +5692,37 @@
           </a:p>
           <a:p>
             <a:r>
+              <a:rPr lang="en-GB" sz="1800" dirty="0">
+                <a:hlinkClick r:id="rId2"/>
+              </a:rPr>
+              <a:t>https://blast.ncbi.nlm.nih.gov/Blast.cgi</a:t>
+            </a:r>
+            <a:endParaRPr lang="en-GB" sz="1800" dirty="0"/>
+          </a:p>
+          <a:p>
+            <a:pPr marL="0" indent="0">
+              <a:buNone/>
+            </a:pPr>
+            <a:r>
+              <a:rPr lang="en-GB" dirty="0"/>
+              <a:t>       </a:t>
+            </a:r>
+            <a:r>
+              <a:rPr lang="en-GB" dirty="0" err="1">
+                <a:solidFill>
+                  <a:srgbClr val="0070C0"/>
+                </a:solidFill>
+              </a:rPr>
+              <a:t>nano</a:t>
+            </a:r>
+            <a:r>
               <a:rPr lang="en-GB" dirty="0">
-                <a:hlinkClick r:id="rId2"/>
-              </a:rPr>
-              <a:t>https://blast.ncbi.nlm.nih.gov/Blast.cgi</a:t>
-            </a:r>
-            <a:endParaRPr lang="en-GB" dirty="0"/>
-          </a:p>
-          <a:p>
-            <a:r>
-              <a:rPr lang="en-GB" dirty="0"/>
-              <a:t>Look at this website for different BLAST tools. And output formats</a:t>
-            </a:r>
-          </a:p>
-          <a:p>
-            <a:endParaRPr lang="en-GB" dirty="0"/>
-          </a:p>
-          <a:p>
-            <a:pPr marL="0" indent="0">
-              <a:buNone/>
-            </a:pPr>
-            <a:r>
-              <a:rPr lang="en-GB" dirty="0" err="1">
                 <a:solidFill>
                   <a:srgbClr val="0070C0"/>
                 </a:solidFill>
               </a:rPr>
-              <a:t>blastn</a:t>
-            </a:r>
-            <a:r>
-              <a:rPr lang="en-GB" dirty="0">
-                <a:solidFill>
-                  <a:srgbClr val="0070C0"/>
-                </a:solidFill>
-              </a:rPr>
-              <a:t> -help</a:t>
-            </a:r>
-          </a:p>
-          <a:p>
-            <a:pPr marL="0" indent="0">
-              <a:buNone/>
-            </a:pPr>
-            <a:endParaRPr lang="en-GB" dirty="0">
-              <a:solidFill>
-                <a:srgbClr val="002060"/>
-              </a:solidFill>
-            </a:endParaRPr>
-          </a:p>
-          <a:p>
-            <a:pPr marL="0" indent="0">
-              <a:buNone/>
-            </a:pPr>
-            <a:r>
-              <a:rPr lang="en-GB" dirty="0">
-                <a:solidFill>
-                  <a:srgbClr val="002060"/>
-                </a:solidFill>
-              </a:rPr>
-              <a:t>If you search against a Protein database: </a:t>
-            </a:r>
-            <a:r>
-              <a:rPr lang="en-GB" dirty="0">
-                <a:solidFill>
-                  <a:srgbClr val="0070C0"/>
-                </a:solidFill>
-              </a:rPr>
-              <a:t>diamond-blast</a:t>
-            </a:r>
-            <a:r>
-              <a:rPr lang="en-GB" dirty="0">
-                <a:solidFill>
-                  <a:srgbClr val="002060"/>
-                </a:solidFill>
-              </a:rPr>
-              <a:t> is the king. ~30,000 X faster than </a:t>
-            </a:r>
-            <a:r>
-              <a:rPr lang="en-GB" dirty="0" err="1">
-                <a:solidFill>
-                  <a:srgbClr val="002060"/>
-                </a:solidFill>
-              </a:rPr>
-              <a:t>BLASTp</a:t>
-            </a:r>
-            <a:r>
-              <a:rPr lang="en-GB" dirty="0">
-                <a:solidFill>
-                  <a:srgbClr val="002060"/>
-                </a:solidFill>
-              </a:rPr>
-              <a:t> You can install this through </a:t>
-            </a:r>
-            <a:r>
-              <a:rPr lang="en-GB" dirty="0" err="1">
-                <a:solidFill>
-                  <a:srgbClr val="002060"/>
-                </a:solidFill>
-              </a:rPr>
-              <a:t>conda</a:t>
-            </a:r>
-            <a:r>
-              <a:rPr lang="en-GB" dirty="0">
-                <a:solidFill>
-                  <a:srgbClr val="002060"/>
-                </a:solidFill>
-              </a:rPr>
-              <a:t>. (</a:t>
-            </a:r>
-            <a:r>
-              <a:rPr lang="en-GB" dirty="0">
-                <a:solidFill>
-                  <a:srgbClr val="002060"/>
-                </a:solidFill>
-                <a:hlinkClick r:id="rId3"/>
-              </a:rPr>
-              <a:t>https://github.com/bbuchfink/diamond</a:t>
-            </a:r>
-            <a:r>
-              <a:rPr lang="en-GB" dirty="0">
-                <a:solidFill>
-                  <a:srgbClr val="002060"/>
-                </a:solidFill>
-              </a:rPr>
-              <a:t>)  </a:t>
-            </a:r>
-          </a:p>
-          <a:p>
-            <a:endParaRPr lang="en-GB" dirty="0"/>
+              <a:t> ./shell_scripts/blast.sh</a:t>
+            </a:r>
           </a:p>
           <a:p>
             <a:endParaRPr lang="en-GB" dirty="0"/>
@@ -5669,10 +5779,155 @@
           </a:p>
         </p:txBody>
       </p:sp>
+      <p:pic>
+        <p:nvPicPr>
+          <p:cNvPr id="5" name="Picture 4">
+            <a:extLst>
+              <a:ext uri="{FF2B5EF4-FFF2-40B4-BE49-F238E27FC236}">
+                <a16:creationId xmlns:a16="http://schemas.microsoft.com/office/drawing/2014/main" id="{FE8E2186-C7EE-4ED1-98DE-FB925DC072F0}"/>
+              </a:ext>
+            </a:extLst>
+          </p:cNvPr>
+          <p:cNvPicPr>
+            <a:picLocks noChangeAspect="1"/>
+          </p:cNvPicPr>
+          <p:nvPr/>
+        </p:nvPicPr>
+        <p:blipFill rotWithShape="1">
+          <a:blip r:embed="rId3">
+            <a:extLst>
+              <a:ext uri="{28A0092B-C50C-407E-A947-70E740481C1C}">
+                <a14:useLocalDpi xmlns:a14="http://schemas.microsoft.com/office/drawing/2010/main" val="0"/>
+              </a:ext>
+            </a:extLst>
+          </a:blip>
+          <a:srcRect/>
+          <a:stretch/>
+        </p:blipFill>
+        <p:spPr>
+          <a:xfrm>
+            <a:off x="6096000" y="2677999"/>
+            <a:ext cx="6096000" cy="4164677"/>
+          </a:xfrm>
+          <a:prstGeom prst="rect">
+            <a:avLst/>
+          </a:prstGeom>
+        </p:spPr>
+      </p:pic>
+      <p:sp>
+        <p:nvSpPr>
+          <p:cNvPr id="6" name="TextBox 5">
+            <a:extLst>
+              <a:ext uri="{FF2B5EF4-FFF2-40B4-BE49-F238E27FC236}">
+                <a16:creationId xmlns:a16="http://schemas.microsoft.com/office/drawing/2014/main" id="{F3A36EDA-EFDE-4826-9A5C-563B5EBD103E}"/>
+              </a:ext>
+            </a:extLst>
+          </p:cNvPr>
+          <p:cNvSpPr txBox="1"/>
+          <p:nvPr/>
+        </p:nvSpPr>
+        <p:spPr>
+          <a:xfrm>
+            <a:off x="252298" y="3387622"/>
+            <a:ext cx="3982818" cy="1569660"/>
+          </a:xfrm>
+          <a:prstGeom prst="rect">
+            <a:avLst/>
+          </a:prstGeom>
+          <a:noFill/>
+        </p:spPr>
+        <p:txBody>
+          <a:bodyPr wrap="square" rtlCol="0">
+            <a:spAutoFit/>
+          </a:bodyPr>
+          <a:lstStyle/>
+          <a:p>
+            <a:r>
+              <a:rPr lang="en-GB" sz="2400" b="1" dirty="0"/>
+              <a:t>Blast database location</a:t>
+            </a:r>
+          </a:p>
+          <a:p>
+            <a:r>
+              <a:rPr lang="en-GB" sz="2400" dirty="0" err="1"/>
+              <a:t>GeneBank</a:t>
+            </a:r>
+            <a:r>
+              <a:rPr lang="en-GB" sz="2400" dirty="0"/>
+              <a:t>: </a:t>
+            </a:r>
+            <a:r>
+              <a:rPr lang="en-GB" sz="2400" dirty="0" err="1"/>
+              <a:t>nr</a:t>
+            </a:r>
+            <a:r>
+              <a:rPr lang="en-GB" sz="2400" dirty="0"/>
+              <a:t>, </a:t>
+            </a:r>
+            <a:r>
+              <a:rPr lang="en-GB" sz="2400" dirty="0" err="1"/>
+              <a:t>nt</a:t>
+            </a:r>
+            <a:r>
+              <a:rPr lang="en-GB" sz="2400" dirty="0"/>
+              <a:t>, </a:t>
+            </a:r>
+            <a:r>
+              <a:rPr lang="en-GB" sz="2400" dirty="0" err="1"/>
+              <a:t>swissprot</a:t>
+            </a:r>
+            <a:r>
+              <a:rPr lang="en-GB" sz="2400" dirty="0"/>
+              <a:t>, human and these as Diamond databases</a:t>
+            </a:r>
+          </a:p>
+        </p:txBody>
+      </p:sp>
+      <p:cxnSp>
+        <p:nvCxnSpPr>
+          <p:cNvPr id="8" name="Straight Arrow Connector 7">
+            <a:extLst>
+              <a:ext uri="{FF2B5EF4-FFF2-40B4-BE49-F238E27FC236}">
+                <a16:creationId xmlns:a16="http://schemas.microsoft.com/office/drawing/2014/main" id="{DAB0A647-C22B-426F-85EE-1D73191E28E5}"/>
+              </a:ext>
+            </a:extLst>
+          </p:cNvPr>
+          <p:cNvCxnSpPr>
+            <a:cxnSpLocks/>
+          </p:cNvCxnSpPr>
+          <p:nvPr/>
+        </p:nvCxnSpPr>
+        <p:spPr>
+          <a:xfrm>
+            <a:off x="3388376" y="3719652"/>
+            <a:ext cx="2627413" cy="1301527"/>
+          </a:xfrm>
+          <a:prstGeom prst="straightConnector1">
+            <a:avLst/>
+          </a:prstGeom>
+          <a:ln>
+            <a:tailEnd type="triangle"/>
+          </a:ln>
+        </p:spPr>
+        <p:style>
+          <a:lnRef idx="1">
+            <a:schemeClr val="accent1"/>
+          </a:lnRef>
+          <a:fillRef idx="0">
+            <a:schemeClr val="accent1"/>
+          </a:fillRef>
+          <a:effectRef idx="0">
+            <a:schemeClr val="accent1"/>
+          </a:effectRef>
+          <a:fontRef idx="minor">
+            <a:schemeClr val="tx1"/>
+          </a:fontRef>
+        </p:style>
+      </p:cxnSp>
     </p:spTree>
     <p:extLst>
       <p:ext uri="{BB962C8B-B14F-4D97-AF65-F5344CB8AC3E}">
-        <p14:creationId xmlns:p14="http://schemas.microsoft.com/office/powerpoint/2010/main" val="3101719156"/>
+        <p14:creationId xmlns:p14="http://schemas.microsoft.com/office/powerpoint/2010/main" val="2767308826"/>
       </p:ext>
     </p:extLst>
   </p:cSld>
@@ -5813,37 +6068,12 @@
           </a:p>
           <a:p>
             <a:r>
-              <a:rPr lang="en-GB" sz="1800" dirty="0">
+              <a:rPr lang="en-GB" dirty="0">
                 <a:hlinkClick r:id="rId2"/>
               </a:rPr>
               <a:t>https://blast.ncbi.nlm.nih.gov/Blast.cgi</a:t>
             </a:r>
-            <a:endParaRPr lang="en-GB" sz="1800" dirty="0"/>
-          </a:p>
-          <a:p>
-            <a:pPr marL="0" indent="0">
-              <a:buNone/>
-            </a:pPr>
-            <a:r>
-              <a:rPr lang="en-GB" dirty="0"/>
-              <a:t>       </a:t>
-            </a:r>
-            <a:r>
-              <a:rPr lang="en-GB" dirty="0" err="1">
-                <a:solidFill>
-                  <a:srgbClr val="0070C0"/>
-                </a:solidFill>
-              </a:rPr>
-              <a:t>nano</a:t>
-            </a:r>
-            <a:r>
-              <a:rPr lang="en-GB" dirty="0">
-                <a:solidFill>
-                  <a:srgbClr val="0070C0"/>
-                </a:solidFill>
-              </a:rPr>
-              <a:t> ./shell_scripts/blast.sh</a:t>
-            </a:r>
+            <a:endParaRPr lang="en-GB" dirty="0"/>
           </a:p>
           <a:p>
             <a:endParaRPr lang="en-GB" dirty="0"/>
@@ -5949,8 +6179,8 @@
         </p:nvSpPr>
         <p:spPr>
           <a:xfrm>
-            <a:off x="252298" y="3387622"/>
-            <a:ext cx="3982818" cy="1569660"/>
+            <a:off x="1246909" y="4178630"/>
+            <a:ext cx="3333404" cy="1938992"/>
           </a:xfrm>
           <a:prstGeom prst="rect">
             <a:avLst/>
@@ -5964,42 +6194,30 @@
           <a:lstStyle/>
           <a:p>
             <a:r>
-              <a:rPr lang="en-GB" sz="2400" b="1" dirty="0"/>
+              <a:rPr lang="en-GB" sz="2400" dirty="0"/>
               <a:t>Blast database location</a:t>
             </a:r>
           </a:p>
           <a:p>
             <a:r>
+              <a:rPr lang="en-GB" sz="2400" dirty="0"/>
+              <a:t>Blast software</a:t>
+            </a:r>
+          </a:p>
+          <a:p>
+            <a:r>
+              <a:rPr lang="en-GB" sz="2400" dirty="0"/>
+              <a:t>Get a snippet from the assembly</a:t>
+            </a:r>
+          </a:p>
+          <a:p>
+            <a:r>
               <a:rPr lang="en-GB" sz="2400" dirty="0" err="1"/>
-              <a:t>GeneBank</a:t>
+              <a:t>Blastn</a:t>
             </a:r>
             <a:r>
               <a:rPr lang="en-GB" sz="2400" dirty="0"/>
-              <a:t>: </a:t>
-            </a:r>
-            <a:r>
-              <a:rPr lang="en-GB" sz="2400" dirty="0" err="1"/>
-              <a:t>nr</a:t>
-            </a:r>
-            <a:r>
-              <a:rPr lang="en-GB" sz="2400" dirty="0"/>
-              <a:t>, </a:t>
-            </a:r>
-            <a:r>
-              <a:rPr lang="en-GB" sz="2400" dirty="0" err="1"/>
-              <a:t>nt</a:t>
-            </a:r>
-            <a:r>
-              <a:rPr lang="en-GB" sz="2400" dirty="0"/>
-              <a:t>, </a:t>
-            </a:r>
-            <a:r>
-              <a:rPr lang="en-GB" sz="2400" dirty="0" err="1"/>
-              <a:t>swissprot</a:t>
-            </a:r>
-            <a:r>
-              <a:rPr lang="en-GB" sz="2400" dirty="0"/>
-              <a:t>, human and these as Diamond databases</a:t>
+              <a:t> command</a:t>
             </a:r>
           </a:p>
         </p:txBody>
@@ -6013,15 +6231,130 @@
               </a:ext>
             </a:extLst>
           </p:cNvPr>
-          <p:cNvCxnSpPr>
-            <a:cxnSpLocks/>
-          </p:cNvCxnSpPr>
+          <p:cNvCxnSpPr/>
           <p:nvPr/>
         </p:nvCxnSpPr>
         <p:spPr>
           <a:xfrm>
-            <a:off x="3388376" y="3719652"/>
-            <a:ext cx="2627413" cy="1301527"/>
+            <a:off x="4289367" y="4405745"/>
+            <a:ext cx="1806633" cy="590204"/>
+          </a:xfrm>
+          <a:prstGeom prst="straightConnector1">
+            <a:avLst/>
+          </a:prstGeom>
+          <a:ln>
+            <a:tailEnd type="triangle"/>
+          </a:ln>
+        </p:spPr>
+        <p:style>
+          <a:lnRef idx="1">
+            <a:schemeClr val="accent1"/>
+          </a:lnRef>
+          <a:fillRef idx="0">
+            <a:schemeClr val="accent1"/>
+          </a:fillRef>
+          <a:effectRef idx="0">
+            <a:schemeClr val="accent1"/>
+          </a:effectRef>
+          <a:fontRef idx="minor">
+            <a:schemeClr val="tx1"/>
+          </a:fontRef>
+        </p:style>
+      </p:cxnSp>
+      <p:cxnSp>
+        <p:nvCxnSpPr>
+          <p:cNvPr id="10" name="Straight Arrow Connector 9">
+            <a:extLst>
+              <a:ext uri="{FF2B5EF4-FFF2-40B4-BE49-F238E27FC236}">
+                <a16:creationId xmlns:a16="http://schemas.microsoft.com/office/drawing/2014/main" id="{32A734DC-4875-404B-8FFB-EA0C42615733}"/>
+              </a:ext>
+            </a:extLst>
+          </p:cNvPr>
+          <p:cNvCxnSpPr/>
+          <p:nvPr/>
+        </p:nvCxnSpPr>
+        <p:spPr>
+          <a:xfrm>
+            <a:off x="3283527" y="4760337"/>
+            <a:ext cx="2812473" cy="726063"/>
+          </a:xfrm>
+          <a:prstGeom prst="straightConnector1">
+            <a:avLst/>
+          </a:prstGeom>
+          <a:ln>
+            <a:tailEnd type="triangle"/>
+          </a:ln>
+        </p:spPr>
+        <p:style>
+          <a:lnRef idx="1">
+            <a:schemeClr val="accent1"/>
+          </a:lnRef>
+          <a:fillRef idx="0">
+            <a:schemeClr val="accent1"/>
+          </a:fillRef>
+          <a:effectRef idx="0">
+            <a:schemeClr val="accent1"/>
+          </a:effectRef>
+          <a:fontRef idx="minor">
+            <a:schemeClr val="tx1"/>
+          </a:fontRef>
+        </p:style>
+      </p:cxnSp>
+      <p:cxnSp>
+        <p:nvCxnSpPr>
+          <p:cNvPr id="12" name="Straight Arrow Connector 11">
+            <a:extLst>
+              <a:ext uri="{FF2B5EF4-FFF2-40B4-BE49-F238E27FC236}">
+                <a16:creationId xmlns:a16="http://schemas.microsoft.com/office/drawing/2014/main" id="{A6A540D3-47B4-4C40-B781-ED344F363DE7}"/>
+              </a:ext>
+            </a:extLst>
+          </p:cNvPr>
+          <p:cNvCxnSpPr/>
+          <p:nvPr/>
+        </p:nvCxnSpPr>
+        <p:spPr>
+          <a:xfrm>
+            <a:off x="3208713" y="5394960"/>
+            <a:ext cx="2887287" cy="462440"/>
+          </a:xfrm>
+          <a:prstGeom prst="straightConnector1">
+            <a:avLst/>
+          </a:prstGeom>
+          <a:ln>
+            <a:tailEnd type="triangle"/>
+          </a:ln>
+        </p:spPr>
+        <p:style>
+          <a:lnRef idx="1">
+            <a:schemeClr val="accent1"/>
+          </a:lnRef>
+          <a:fillRef idx="0">
+            <a:schemeClr val="accent1"/>
+          </a:fillRef>
+          <a:effectRef idx="0">
+            <a:schemeClr val="accent1"/>
+          </a:effectRef>
+          <a:fontRef idx="minor">
+            <a:schemeClr val="tx1"/>
+          </a:fontRef>
+        </p:style>
+      </p:cxnSp>
+      <p:cxnSp>
+        <p:nvCxnSpPr>
+          <p:cNvPr id="14" name="Straight Arrow Connector 13">
+            <a:extLst>
+              <a:ext uri="{FF2B5EF4-FFF2-40B4-BE49-F238E27FC236}">
+                <a16:creationId xmlns:a16="http://schemas.microsoft.com/office/drawing/2014/main" id="{D9440617-9B50-480B-88E0-092B2107A3A1}"/>
+              </a:ext>
+            </a:extLst>
+          </p:cNvPr>
+          <p:cNvCxnSpPr/>
+          <p:nvPr/>
+        </p:nvCxnSpPr>
+        <p:spPr>
+          <a:xfrm>
+            <a:off x="3516284" y="5857400"/>
+            <a:ext cx="2468880" cy="443647"/>
           </a:xfrm>
           <a:prstGeom prst="straightConnector1">
             <a:avLst/>
@@ -6048,7 +6381,7 @@
     </p:spTree>
     <p:extLst>
       <p:ext uri="{BB962C8B-B14F-4D97-AF65-F5344CB8AC3E}">
-        <p14:creationId xmlns:p14="http://schemas.microsoft.com/office/powerpoint/2010/main" val="2767308826"/>
+        <p14:creationId xmlns:p14="http://schemas.microsoft.com/office/powerpoint/2010/main" val="555515881"/>
       </p:ext>
     </p:extLst>
   </p:cSld>
@@ -6505,460 +6838,6 @@
         </p:nvSpPr>
         <p:spPr>
           <a:xfrm>
-            <a:off x="77586" y="1246849"/>
-            <a:ext cx="10515600" cy="4351338"/>
-          </a:xfrm>
-        </p:spPr>
-        <p:txBody>
-          <a:bodyPr/>
-          <a:lstStyle/>
-          <a:p>
-            <a:r>
-              <a:rPr lang="en-GB" dirty="0"/>
-              <a:t>Blast is not fast.</a:t>
-            </a:r>
-          </a:p>
-          <a:p>
-            <a:r>
-              <a:rPr lang="en-GB" dirty="0" err="1"/>
-              <a:t>Blastn</a:t>
-            </a:r>
-            <a:r>
-              <a:rPr lang="en-GB" dirty="0"/>
-              <a:t>  - nucleotide versus </a:t>
-            </a:r>
-            <a:r>
-              <a:rPr lang="en-GB" dirty="0" err="1"/>
-              <a:t>nt</a:t>
-            </a:r>
-            <a:endParaRPr lang="en-GB" dirty="0"/>
-          </a:p>
-          <a:p>
-            <a:r>
-              <a:rPr lang="en-GB" dirty="0">
-                <a:hlinkClick r:id="rId2"/>
-              </a:rPr>
-              <a:t>https://blast.ncbi.nlm.nih.gov/Blast.cgi</a:t>
-            </a:r>
-            <a:endParaRPr lang="en-GB" dirty="0"/>
-          </a:p>
-          <a:p>
-            <a:endParaRPr lang="en-GB" dirty="0"/>
-          </a:p>
-        </p:txBody>
-      </p:sp>
-      <p:sp>
-        <p:nvSpPr>
-          <p:cNvPr id="4" name="TextBox 3">
-            <a:extLst>
-              <a:ext uri="{FF2B5EF4-FFF2-40B4-BE49-F238E27FC236}">
-                <a16:creationId xmlns:a16="http://schemas.microsoft.com/office/drawing/2014/main" id="{12873710-8CC5-4FDE-90CD-8B505186C670}"/>
-              </a:ext>
-            </a:extLst>
-          </p:cNvPr>
-          <p:cNvSpPr txBox="1"/>
-          <p:nvPr/>
-        </p:nvSpPr>
-        <p:spPr>
-          <a:xfrm>
-            <a:off x="10350500" y="0"/>
-            <a:ext cx="1841500" cy="584775"/>
-          </a:xfrm>
-          <a:prstGeom prst="rect">
-            <a:avLst/>
-          </a:prstGeom>
-          <a:noFill/>
-        </p:spPr>
-        <p:txBody>
-          <a:bodyPr wrap="square" rtlCol="0">
-            <a:spAutoFit/>
-          </a:bodyPr>
-          <a:lstStyle/>
-          <a:p>
-            <a:r>
-              <a:rPr lang="en-GB" sz="3200" dirty="0">
-                <a:solidFill>
-                  <a:srgbClr val="FF0000"/>
-                </a:solidFill>
-                <a:highlight>
-                  <a:srgbClr val="FFFF00"/>
-                </a:highlight>
-              </a:rPr>
-              <a:t>ACTIVITY</a:t>
-            </a:r>
-            <a:endParaRPr lang="en-GB" sz="2800" dirty="0">
-              <a:solidFill>
-                <a:srgbClr val="FF0000"/>
-              </a:solidFill>
-              <a:highlight>
-                <a:srgbClr val="FFFF00"/>
-              </a:highlight>
-            </a:endParaRPr>
-          </a:p>
-        </p:txBody>
-      </p:sp>
-      <p:pic>
-        <p:nvPicPr>
-          <p:cNvPr id="5" name="Picture 4">
-            <a:extLst>
-              <a:ext uri="{FF2B5EF4-FFF2-40B4-BE49-F238E27FC236}">
-                <a16:creationId xmlns:a16="http://schemas.microsoft.com/office/drawing/2014/main" id="{FE8E2186-C7EE-4ED1-98DE-FB925DC072F0}"/>
-              </a:ext>
-            </a:extLst>
-          </p:cNvPr>
-          <p:cNvPicPr>
-            <a:picLocks noChangeAspect="1"/>
-          </p:cNvPicPr>
-          <p:nvPr/>
-        </p:nvPicPr>
-        <p:blipFill rotWithShape="1">
-          <a:blip r:embed="rId3">
-            <a:extLst>
-              <a:ext uri="{28A0092B-C50C-407E-A947-70E740481C1C}">
-                <a14:useLocalDpi xmlns:a14="http://schemas.microsoft.com/office/drawing/2010/main" val="0"/>
-              </a:ext>
-            </a:extLst>
-          </a:blip>
-          <a:srcRect/>
-          <a:stretch/>
-        </p:blipFill>
-        <p:spPr>
-          <a:xfrm>
-            <a:off x="6096000" y="2677999"/>
-            <a:ext cx="6096000" cy="4164677"/>
-          </a:xfrm>
-          <a:prstGeom prst="rect">
-            <a:avLst/>
-          </a:prstGeom>
-        </p:spPr>
-      </p:pic>
-      <p:sp>
-        <p:nvSpPr>
-          <p:cNvPr id="6" name="TextBox 5">
-            <a:extLst>
-              <a:ext uri="{FF2B5EF4-FFF2-40B4-BE49-F238E27FC236}">
-                <a16:creationId xmlns:a16="http://schemas.microsoft.com/office/drawing/2014/main" id="{F3A36EDA-EFDE-4826-9A5C-563B5EBD103E}"/>
-              </a:ext>
-            </a:extLst>
-          </p:cNvPr>
-          <p:cNvSpPr txBox="1"/>
-          <p:nvPr/>
-        </p:nvSpPr>
-        <p:spPr>
-          <a:xfrm>
-            <a:off x="1246909" y="4178630"/>
-            <a:ext cx="3333404" cy="1938992"/>
-          </a:xfrm>
-          <a:prstGeom prst="rect">
-            <a:avLst/>
-          </a:prstGeom>
-          <a:noFill/>
-        </p:spPr>
-        <p:txBody>
-          <a:bodyPr wrap="square" rtlCol="0">
-            <a:spAutoFit/>
-          </a:bodyPr>
-          <a:lstStyle/>
-          <a:p>
-            <a:r>
-              <a:rPr lang="en-GB" sz="2400" dirty="0"/>
-              <a:t>Blast database location</a:t>
-            </a:r>
-          </a:p>
-          <a:p>
-            <a:r>
-              <a:rPr lang="en-GB" sz="2400" dirty="0"/>
-              <a:t>Blast software</a:t>
-            </a:r>
-          </a:p>
-          <a:p>
-            <a:r>
-              <a:rPr lang="en-GB" sz="2400" dirty="0"/>
-              <a:t>Get a snippet from the assembly</a:t>
-            </a:r>
-          </a:p>
-          <a:p>
-            <a:r>
-              <a:rPr lang="en-GB" sz="2400" dirty="0" err="1"/>
-              <a:t>Blastn</a:t>
-            </a:r>
-            <a:r>
-              <a:rPr lang="en-GB" sz="2400" dirty="0"/>
-              <a:t> command</a:t>
-            </a:r>
-          </a:p>
-        </p:txBody>
-      </p:sp>
-      <p:cxnSp>
-        <p:nvCxnSpPr>
-          <p:cNvPr id="8" name="Straight Arrow Connector 7">
-            <a:extLst>
-              <a:ext uri="{FF2B5EF4-FFF2-40B4-BE49-F238E27FC236}">
-                <a16:creationId xmlns:a16="http://schemas.microsoft.com/office/drawing/2014/main" id="{DAB0A647-C22B-426F-85EE-1D73191E28E5}"/>
-              </a:ext>
-            </a:extLst>
-          </p:cNvPr>
-          <p:cNvCxnSpPr/>
-          <p:nvPr/>
-        </p:nvCxnSpPr>
-        <p:spPr>
-          <a:xfrm>
-            <a:off x="4289367" y="4405745"/>
-            <a:ext cx="1806633" cy="590204"/>
-          </a:xfrm>
-          <a:prstGeom prst="straightConnector1">
-            <a:avLst/>
-          </a:prstGeom>
-          <a:ln>
-            <a:tailEnd type="triangle"/>
-          </a:ln>
-        </p:spPr>
-        <p:style>
-          <a:lnRef idx="1">
-            <a:schemeClr val="accent1"/>
-          </a:lnRef>
-          <a:fillRef idx="0">
-            <a:schemeClr val="accent1"/>
-          </a:fillRef>
-          <a:effectRef idx="0">
-            <a:schemeClr val="accent1"/>
-          </a:effectRef>
-          <a:fontRef idx="minor">
-            <a:schemeClr val="tx1"/>
-          </a:fontRef>
-        </p:style>
-      </p:cxnSp>
-      <p:cxnSp>
-        <p:nvCxnSpPr>
-          <p:cNvPr id="10" name="Straight Arrow Connector 9">
-            <a:extLst>
-              <a:ext uri="{FF2B5EF4-FFF2-40B4-BE49-F238E27FC236}">
-                <a16:creationId xmlns:a16="http://schemas.microsoft.com/office/drawing/2014/main" id="{32A734DC-4875-404B-8FFB-EA0C42615733}"/>
-              </a:ext>
-            </a:extLst>
-          </p:cNvPr>
-          <p:cNvCxnSpPr/>
-          <p:nvPr/>
-        </p:nvCxnSpPr>
-        <p:spPr>
-          <a:xfrm>
-            <a:off x="3283527" y="4760337"/>
-            <a:ext cx="2812473" cy="726063"/>
-          </a:xfrm>
-          <a:prstGeom prst="straightConnector1">
-            <a:avLst/>
-          </a:prstGeom>
-          <a:ln>
-            <a:tailEnd type="triangle"/>
-          </a:ln>
-        </p:spPr>
-        <p:style>
-          <a:lnRef idx="1">
-            <a:schemeClr val="accent1"/>
-          </a:lnRef>
-          <a:fillRef idx="0">
-            <a:schemeClr val="accent1"/>
-          </a:fillRef>
-          <a:effectRef idx="0">
-            <a:schemeClr val="accent1"/>
-          </a:effectRef>
-          <a:fontRef idx="minor">
-            <a:schemeClr val="tx1"/>
-          </a:fontRef>
-        </p:style>
-      </p:cxnSp>
-      <p:cxnSp>
-        <p:nvCxnSpPr>
-          <p:cNvPr id="12" name="Straight Arrow Connector 11">
-            <a:extLst>
-              <a:ext uri="{FF2B5EF4-FFF2-40B4-BE49-F238E27FC236}">
-                <a16:creationId xmlns:a16="http://schemas.microsoft.com/office/drawing/2014/main" id="{A6A540D3-47B4-4C40-B781-ED344F363DE7}"/>
-              </a:ext>
-            </a:extLst>
-          </p:cNvPr>
-          <p:cNvCxnSpPr/>
-          <p:nvPr/>
-        </p:nvCxnSpPr>
-        <p:spPr>
-          <a:xfrm>
-            <a:off x="3208713" y="5394960"/>
-            <a:ext cx="2887287" cy="462440"/>
-          </a:xfrm>
-          <a:prstGeom prst="straightConnector1">
-            <a:avLst/>
-          </a:prstGeom>
-          <a:ln>
-            <a:tailEnd type="triangle"/>
-          </a:ln>
-        </p:spPr>
-        <p:style>
-          <a:lnRef idx="1">
-            <a:schemeClr val="accent1"/>
-          </a:lnRef>
-          <a:fillRef idx="0">
-            <a:schemeClr val="accent1"/>
-          </a:fillRef>
-          <a:effectRef idx="0">
-            <a:schemeClr val="accent1"/>
-          </a:effectRef>
-          <a:fontRef idx="minor">
-            <a:schemeClr val="tx1"/>
-          </a:fontRef>
-        </p:style>
-      </p:cxnSp>
-      <p:cxnSp>
-        <p:nvCxnSpPr>
-          <p:cNvPr id="14" name="Straight Arrow Connector 13">
-            <a:extLst>
-              <a:ext uri="{FF2B5EF4-FFF2-40B4-BE49-F238E27FC236}">
-                <a16:creationId xmlns:a16="http://schemas.microsoft.com/office/drawing/2014/main" id="{D9440617-9B50-480B-88E0-092B2107A3A1}"/>
-              </a:ext>
-            </a:extLst>
-          </p:cNvPr>
-          <p:cNvCxnSpPr/>
-          <p:nvPr/>
-        </p:nvCxnSpPr>
-        <p:spPr>
-          <a:xfrm>
-            <a:off x="3516284" y="5857400"/>
-            <a:ext cx="2468880" cy="443647"/>
-          </a:xfrm>
-          <a:prstGeom prst="straightConnector1">
-            <a:avLst/>
-          </a:prstGeom>
-          <a:ln>
-            <a:tailEnd type="triangle"/>
-          </a:ln>
-        </p:spPr>
-        <p:style>
-          <a:lnRef idx="1">
-            <a:schemeClr val="accent1"/>
-          </a:lnRef>
-          <a:fillRef idx="0">
-            <a:schemeClr val="accent1"/>
-          </a:fillRef>
-          <a:effectRef idx="0">
-            <a:schemeClr val="accent1"/>
-          </a:effectRef>
-          <a:fontRef idx="minor">
-            <a:schemeClr val="tx1"/>
-          </a:fontRef>
-        </p:style>
-      </p:cxnSp>
-    </p:spTree>
-    <p:extLst>
-      <p:ext uri="{BB962C8B-B14F-4D97-AF65-F5344CB8AC3E}">
-        <p14:creationId xmlns:p14="http://schemas.microsoft.com/office/powerpoint/2010/main" val="555515881"/>
-      </p:ext>
-    </p:extLst>
-  </p:cSld>
-  <p:clrMapOvr>
-    <a:masterClrMapping/>
-  </p:clrMapOvr>
-</p:sld>
-</file>
-
-<file path=ppt/slides/slide21.xml><?xml version="1.0" encoding="utf-8"?>
-<p:sld xmlns:a="http://schemas.openxmlformats.org/drawingml/2006/main" xmlns:r="http://schemas.openxmlformats.org/officeDocument/2006/relationships" xmlns:p="http://schemas.openxmlformats.org/presentationml/2006/main">
-  <p:cSld>
-    <p:spTree>
-      <p:nvGrpSpPr>
-        <p:cNvPr id="1" name=""/>
-        <p:cNvGrpSpPr/>
-        <p:nvPr/>
-      </p:nvGrpSpPr>
-      <p:grpSpPr>
-        <a:xfrm>
-          <a:off x="0" y="0"/>
-          <a:ext cx="0" cy="0"/>
-          <a:chOff x="0" y="0"/>
-          <a:chExt cx="0" cy="0"/>
-        </a:xfrm>
-      </p:grpSpPr>
-      <p:sp>
-        <p:nvSpPr>
-          <p:cNvPr id="2" name="Title 1">
-            <a:extLst>
-              <a:ext uri="{FF2B5EF4-FFF2-40B4-BE49-F238E27FC236}">
-                <a16:creationId xmlns:a16="http://schemas.microsoft.com/office/drawing/2014/main" id="{9DB186D9-2728-4E1B-A6BF-B9A55B0B1C7C}"/>
-              </a:ext>
-            </a:extLst>
-          </p:cNvPr>
-          <p:cNvSpPr>
-            <a:spLocks noGrp="1"/>
-          </p:cNvSpPr>
-          <p:nvPr>
-            <p:ph type="title"/>
-          </p:nvPr>
-        </p:nvSpPr>
-        <p:spPr>
-          <a:xfrm>
-            <a:off x="-25173" y="15324"/>
-            <a:ext cx="11811000" cy="1325563"/>
-          </a:xfrm>
-        </p:spPr>
-        <p:txBody>
-          <a:bodyPr/>
-          <a:lstStyle/>
-          <a:p>
-            <a:r>
-              <a:rPr lang="en-GB" dirty="0">
-                <a:solidFill>
-                  <a:srgbClr val="7030A0"/>
-                </a:solidFill>
-              </a:rPr>
-              <a:t>6) assembly: BLAST a </a:t>
-            </a:r>
-            <a:r>
-              <a:rPr lang="en-GB" dirty="0" err="1">
-                <a:solidFill>
-                  <a:srgbClr val="7030A0"/>
-                </a:solidFill>
-              </a:rPr>
-              <a:t>seq</a:t>
-            </a:r>
-            <a:r>
-              <a:rPr lang="en-GB" dirty="0">
-                <a:solidFill>
-                  <a:srgbClr val="7030A0"/>
-                </a:solidFill>
-              </a:rPr>
-              <a:t> against GenBank </a:t>
-            </a:r>
-            <a:r>
-              <a:rPr lang="en-GB" dirty="0" err="1">
-                <a:solidFill>
-                  <a:srgbClr val="7030A0"/>
-                </a:solidFill>
-              </a:rPr>
-              <a:t>nt</a:t>
-            </a:r>
-            <a:endParaRPr lang="en-GB" dirty="0">
-              <a:solidFill>
-                <a:srgbClr val="7030A0"/>
-              </a:solidFill>
-            </a:endParaRPr>
-          </a:p>
-        </p:txBody>
-      </p:sp>
-      <p:sp>
-        <p:nvSpPr>
-          <p:cNvPr id="3" name="Content Placeholder 2">
-            <a:extLst>
-              <a:ext uri="{FF2B5EF4-FFF2-40B4-BE49-F238E27FC236}">
-                <a16:creationId xmlns:a16="http://schemas.microsoft.com/office/drawing/2014/main" id="{E04E7D57-5675-4CE3-BA47-A46D07926F10}"/>
-              </a:ext>
-            </a:extLst>
-          </p:cNvPr>
-          <p:cNvSpPr>
-            <a:spLocks noGrp="1"/>
-          </p:cNvSpPr>
-          <p:nvPr>
-            <p:ph idx="1"/>
-          </p:nvPr>
-        </p:nvSpPr>
-        <p:spPr>
-          <a:xfrm>
             <a:off x="12700" y="1132549"/>
             <a:ext cx="12166600" cy="4351338"/>
           </a:xfrm>
@@ -7178,7 +7057,7 @@
 </p:sld>
 </file>
 
-<file path=ppt/slides/slide22.xml><?xml version="1.0" encoding="utf-8"?>
+<file path=ppt/slides/slide21.xml><?xml version="1.0" encoding="utf-8"?>
 <p:sld xmlns:a="http://schemas.openxmlformats.org/drawingml/2006/main" xmlns:r="http://schemas.openxmlformats.org/officeDocument/2006/relationships" xmlns:p="http://schemas.openxmlformats.org/presentationml/2006/main">
   <p:cSld>
     <p:spTree>

--- a/powerpoint/6_RNAseq_DE.pptx
+++ b/powerpoint/6_RNAseq_DE.pptx
@@ -5403,9 +5403,43 @@
           <a:lstStyle/>
           <a:p>
             <a:r>
-              <a:rPr lang="en-GB" sz="2400" dirty="0"/>
-              <a:t>How cool is that!!!</a:t>
-            </a:r>
+              <a:rPr lang="en-GB" sz="2400" dirty="0">
+                <a:highlight>
+                  <a:srgbClr val="FFFF00"/>
+                </a:highlight>
+              </a:rPr>
+              <a:t>How </a:t>
+            </a:r>
+            <a:r>
+              <a:rPr lang="en-GB" sz="2400" b="1" u="sng" dirty="0">
+                <a:highlight>
+                  <a:srgbClr val="FFFF00"/>
+                </a:highlight>
+              </a:rPr>
+              <a:t>cool</a:t>
+            </a:r>
+            <a:r>
+              <a:rPr lang="en-GB" sz="2400" dirty="0">
+                <a:highlight>
+                  <a:srgbClr val="FFFF00"/>
+                </a:highlight>
+              </a:rPr>
+              <a:t> is that!!! </a:t>
+            </a:r>
+            <a:r>
+              <a:rPr lang="en-GB" sz="2400" dirty="0">
+                <a:highlight>
+                  <a:srgbClr val="FFFF00"/>
+                </a:highlight>
+                <a:sym typeface="Wingdings" panose="05000000000000000000" pitchFamily="2" charset="2"/>
+              </a:rPr>
+              <a:t></a:t>
+            </a:r>
+            <a:endParaRPr lang="en-GB" sz="2400" dirty="0">
+              <a:highlight>
+                <a:srgbClr val="FFFF00"/>
+              </a:highlight>
+            </a:endParaRPr>
           </a:p>
         </p:txBody>
       </p:sp>
@@ -6504,7 +6538,7 @@
                   <a:srgbClr val="FF0000"/>
                 </a:solidFill>
               </a:rPr>
-              <a:t>cp -</a:t>
+              <a:t>#cp -</a:t>
             </a:r>
             <a:r>
               <a:rPr lang="en-GB" dirty="0" err="1">
@@ -6743,8 +6777,24 @@
               <a:t>Go into the “</a:t>
             </a:r>
             <a:r>
-              <a:rPr lang="en-GB" sz="2400" dirty="0" err="1"/>
+              <a:rPr lang="en-GB" sz="2400" dirty="0" err="1">
+                <a:solidFill>
+                  <a:srgbClr val="FF0000"/>
+                </a:solidFill>
+              </a:rPr>
               <a:t>DE_gene</a:t>
+            </a:r>
+            <a:r>
+              <a:rPr lang="en-GB" sz="2400" dirty="0"/>
+              <a:t>” folder, then go into “</a:t>
+            </a:r>
+            <a:r>
+              <a:rPr lang="en-GB" sz="2400" dirty="0" err="1">
+                <a:solidFill>
+                  <a:srgbClr val="FF0000"/>
+                </a:solidFill>
+              </a:rPr>
+              <a:t>simple_example</a:t>
             </a:r>
             <a:r>
               <a:rPr lang="en-GB" sz="2400" dirty="0"/>
@@ -6754,127 +6804,25 @@
           <a:p>
             <a:r>
               <a:rPr lang="en-GB" sz="2400" dirty="0"/>
-              <a:t>Decompress all the files: Linux terminal:    </a:t>
-            </a:r>
-            <a:r>
-              <a:rPr lang="en-GB" sz="2400" dirty="0" err="1">
+              <a:t>Open the file </a:t>
+            </a:r>
+            <a:r>
+              <a:rPr lang="en-GB" sz="2400" dirty="0">
                 <a:solidFill>
-                  <a:srgbClr val="0070C0"/>
+                  <a:srgbClr val="FF0000"/>
                 </a:solidFill>
               </a:rPr>
-              <a:t>gunzip</a:t>
-            </a:r>
-            <a:r>
-              <a:rPr lang="en-GB" sz="2400" dirty="0">
-                <a:solidFill>
-                  <a:srgbClr val="0070C0"/>
-                </a:solidFill>
-              </a:rPr>
-              <a:t> *.</a:t>
-            </a:r>
-            <a:r>
-              <a:rPr lang="en-GB" sz="2400" dirty="0" err="1">
-                <a:solidFill>
-                  <a:srgbClr val="0070C0"/>
-                </a:solidFill>
-              </a:rPr>
-              <a:t>gz</a:t>
-            </a:r>
-            <a:r>
-              <a:rPr lang="en-GB" sz="2400" dirty="0">
-                <a:solidFill>
-                  <a:srgbClr val="0070C0"/>
-                </a:solidFill>
-              </a:rPr>
-              <a:t> </a:t>
-            </a:r>
-          </a:p>
-          <a:p>
+              <a:t>DE_gene_R_commands.sh   </a:t>
+            </a:r>
             <a:r>
               <a:rPr lang="en-GB" sz="2400" dirty="0"/>
-              <a:t># further reading: </a:t>
-            </a:r>
-            <a:r>
-              <a:rPr lang="en-GB" sz="2000" dirty="0">
-                <a:hlinkClick r:id="rId3"/>
-              </a:rPr>
-              <a:t>https://bioconductor.org/packages/release/bioc/vignettes/DEXSeq/inst/doc/DEXSeq.html</a:t>
-            </a:r>
-            <a:endParaRPr lang="en-GB" sz="2000" dirty="0"/>
-          </a:p>
-          <a:p>
-            <a:r>
-              <a:rPr lang="en-GB" sz="2000" dirty="0"/>
-              <a:t>Open R studio</a:t>
-            </a:r>
-          </a:p>
-          <a:p>
-            <a:r>
-              <a:rPr lang="en-GB" sz="2400" dirty="0"/>
-              <a:t>#to install the DEXSEQ package:</a:t>
-            </a:r>
-          </a:p>
-          <a:p>
-            <a:r>
-              <a:rPr lang="en-GB" sz="2400" dirty="0"/>
-              <a:t>if (!</a:t>
-            </a:r>
-            <a:r>
-              <a:rPr lang="en-GB" sz="2400" dirty="0" err="1"/>
-              <a:t>requireNamespace</a:t>
-            </a:r>
-            <a:r>
-              <a:rPr lang="en-GB" sz="2400" dirty="0"/>
-              <a:t>("</a:t>
-            </a:r>
-            <a:r>
-              <a:rPr lang="en-GB" sz="2400" dirty="0" err="1"/>
-              <a:t>BiocManager</a:t>
-            </a:r>
-            <a:r>
-              <a:rPr lang="en-GB" sz="2400" dirty="0"/>
-              <a:t>", quietly = TRUE))   </a:t>
-            </a:r>
-          </a:p>
-          <a:p>
-            <a:r>
-              <a:rPr lang="en-GB" sz="2400" dirty="0"/>
-              <a:t> </a:t>
-            </a:r>
-            <a:r>
-              <a:rPr lang="en-GB" sz="2400" dirty="0" err="1"/>
-              <a:t>install.packages</a:t>
-            </a:r>
-            <a:r>
-              <a:rPr lang="en-GB" sz="2400" dirty="0"/>
-              <a:t>("</a:t>
-            </a:r>
-            <a:r>
-              <a:rPr lang="en-GB" sz="2400" dirty="0" err="1"/>
-              <a:t>BiocManager</a:t>
-            </a:r>
-            <a:r>
-              <a:rPr lang="en-GB" sz="2400" dirty="0"/>
-              <a:t>")</a:t>
-            </a:r>
-          </a:p>
-          <a:p>
-            <a:r>
-              <a:rPr lang="en-GB" sz="2400" dirty="0" err="1"/>
-              <a:t>BiocManager</a:t>
-            </a:r>
-            <a:r>
-              <a:rPr lang="en-GB" sz="2400" dirty="0"/>
-              <a:t>::install("</a:t>
-            </a:r>
-            <a:r>
-              <a:rPr lang="en-GB" sz="2400" dirty="0" err="1"/>
-              <a:t>DEXSeq</a:t>
-            </a:r>
-            <a:r>
-              <a:rPr lang="en-GB" sz="2400" dirty="0"/>
-              <a:t>")</a:t>
-            </a:r>
+              <a:t>- again this is not a shell script. I just like </a:t>
+            </a:r>
+            <a:r>
+              <a:rPr lang="en-GB" sz="2400"/>
+              <a:t>the colours</a:t>
+            </a:r>
+            <a:endParaRPr lang="en-GB" sz="2400" dirty="0"/>
           </a:p>
           <a:p>
             <a:pPr marL="0" indent="0">

--- a/powerpoint/6_RNAseq_DE.pptx
+++ b/powerpoint/6_RNAseq_DE.pptx
@@ -10,12 +10,12 @@
     <p:sldId id="333" r:id="rId4"/>
     <p:sldId id="352" r:id="rId5"/>
     <p:sldId id="355" r:id="rId6"/>
-    <p:sldId id="354" r:id="rId7"/>
-    <p:sldId id="353" r:id="rId8"/>
-    <p:sldId id="356" r:id="rId9"/>
-    <p:sldId id="357" r:id="rId10"/>
-    <p:sldId id="358" r:id="rId11"/>
-    <p:sldId id="359" r:id="rId12"/>
+    <p:sldId id="353" r:id="rId7"/>
+    <p:sldId id="356" r:id="rId8"/>
+    <p:sldId id="357" r:id="rId9"/>
+    <p:sldId id="358" r:id="rId10"/>
+    <p:sldId id="359" r:id="rId11"/>
+    <p:sldId id="370" r:id="rId12"/>
     <p:sldId id="360" r:id="rId13"/>
     <p:sldId id="362" r:id="rId14"/>
     <p:sldId id="364" r:id="rId15"/>
@@ -280,7 +280,7 @@
           <a:p>
             <a:fld id="{D5B3EF36-47C2-4AA3-A387-F39AC0889363}" type="datetimeFigureOut">
               <a:rPr lang="en-GB" smtClean="0"/>
-              <a:t>14/10/2020</a:t>
+              <a:t>15/10/2020</a:t>
             </a:fld>
             <a:endParaRPr lang="en-GB"/>
           </a:p>
@@ -480,7 +480,7 @@
           <a:p>
             <a:fld id="{D5B3EF36-47C2-4AA3-A387-F39AC0889363}" type="datetimeFigureOut">
               <a:rPr lang="en-GB" smtClean="0"/>
-              <a:t>14/10/2020</a:t>
+              <a:t>15/10/2020</a:t>
             </a:fld>
             <a:endParaRPr lang="en-GB"/>
           </a:p>
@@ -690,7 +690,7 @@
           <a:p>
             <a:fld id="{D5B3EF36-47C2-4AA3-A387-F39AC0889363}" type="datetimeFigureOut">
               <a:rPr lang="en-GB" smtClean="0"/>
-              <a:t>14/10/2020</a:t>
+              <a:t>15/10/2020</a:t>
             </a:fld>
             <a:endParaRPr lang="en-GB"/>
           </a:p>
@@ -890,7 +890,7 @@
           <a:p>
             <a:fld id="{D5B3EF36-47C2-4AA3-A387-F39AC0889363}" type="datetimeFigureOut">
               <a:rPr lang="en-GB" smtClean="0"/>
-              <a:t>14/10/2020</a:t>
+              <a:t>15/10/2020</a:t>
             </a:fld>
             <a:endParaRPr lang="en-GB"/>
           </a:p>
@@ -1166,7 +1166,7 @@
           <a:p>
             <a:fld id="{D5B3EF36-47C2-4AA3-A387-F39AC0889363}" type="datetimeFigureOut">
               <a:rPr lang="en-GB" smtClean="0"/>
-              <a:t>14/10/2020</a:t>
+              <a:t>15/10/2020</a:t>
             </a:fld>
             <a:endParaRPr lang="en-GB"/>
           </a:p>
@@ -1434,7 +1434,7 @@
           <a:p>
             <a:fld id="{D5B3EF36-47C2-4AA3-A387-F39AC0889363}" type="datetimeFigureOut">
               <a:rPr lang="en-GB" smtClean="0"/>
-              <a:t>14/10/2020</a:t>
+              <a:t>15/10/2020</a:t>
             </a:fld>
             <a:endParaRPr lang="en-GB"/>
           </a:p>
@@ -1849,7 +1849,7 @@
           <a:p>
             <a:fld id="{D5B3EF36-47C2-4AA3-A387-F39AC0889363}" type="datetimeFigureOut">
               <a:rPr lang="en-GB" smtClean="0"/>
-              <a:t>14/10/2020</a:t>
+              <a:t>15/10/2020</a:t>
             </a:fld>
             <a:endParaRPr lang="en-GB"/>
           </a:p>
@@ -1991,7 +1991,7 @@
           <a:p>
             <a:fld id="{D5B3EF36-47C2-4AA3-A387-F39AC0889363}" type="datetimeFigureOut">
               <a:rPr lang="en-GB" smtClean="0"/>
-              <a:t>14/10/2020</a:t>
+              <a:t>15/10/2020</a:t>
             </a:fld>
             <a:endParaRPr lang="en-GB"/>
           </a:p>
@@ -2104,7 +2104,7 @@
           <a:p>
             <a:fld id="{D5B3EF36-47C2-4AA3-A387-F39AC0889363}" type="datetimeFigureOut">
               <a:rPr lang="en-GB" smtClean="0"/>
-              <a:t>14/10/2020</a:t>
+              <a:t>15/10/2020</a:t>
             </a:fld>
             <a:endParaRPr lang="en-GB"/>
           </a:p>
@@ -2417,7 +2417,7 @@
           <a:p>
             <a:fld id="{D5B3EF36-47C2-4AA3-A387-F39AC0889363}" type="datetimeFigureOut">
               <a:rPr lang="en-GB" smtClean="0"/>
-              <a:t>14/10/2020</a:t>
+              <a:t>15/10/2020</a:t>
             </a:fld>
             <a:endParaRPr lang="en-GB"/>
           </a:p>
@@ -2706,7 +2706,7 @@
           <a:p>
             <a:fld id="{D5B3EF36-47C2-4AA3-A387-F39AC0889363}" type="datetimeFigureOut">
               <a:rPr lang="en-GB" smtClean="0"/>
-              <a:t>14/10/2020</a:t>
+              <a:t>15/10/2020</a:t>
             </a:fld>
             <a:endParaRPr lang="en-GB"/>
           </a:p>
@@ -2949,7 +2949,7 @@
           <a:p>
             <a:fld id="{D5B3EF36-47C2-4AA3-A387-F39AC0889363}" type="datetimeFigureOut">
               <a:rPr lang="en-GB" smtClean="0"/>
-              <a:t>14/10/2020</a:t>
+              <a:t>15/10/2020</a:t>
             </a:fld>
             <a:endParaRPr lang="en-GB"/>
           </a:p>
@@ -3503,41 +3503,16 @@
           <a:lstStyle/>
           <a:p>
             <a:r>
-              <a:rPr lang="en-GB" sz="2400" b="1" dirty="0"/>
-              <a:t>Why is this cool? </a:t>
-            </a:r>
-            <a:r>
               <a:rPr lang="en-GB" sz="2400" dirty="0"/>
-              <a:t>– well in a DE </a:t>
-            </a:r>
-            <a:r>
-              <a:rPr lang="en-GB" sz="2400" u="sng" dirty="0"/>
-              <a:t>gene</a:t>
-            </a:r>
+              <a:t>This example clearly show some exons which are condition specific. (In fact in this example exon 2 has an alternative start codon, thus the genes do not always have to start at exon 1)</a:t>
+            </a:r>
+          </a:p>
+          <a:p>
             <a:r>
               <a:rPr lang="en-GB" sz="2400" dirty="0"/>
-              <a:t> analysis, the counts (number of reads mapping to) across the whole gene is taken as a single value. E.g. gene1 has 200 reads mapping to it. </a:t>
-            </a:r>
-          </a:p>
-          <a:p>
-            <a:r>
-              <a:rPr lang="en-GB" sz="2400" dirty="0"/>
-              <a:t>Therefore, any exons spiced out/ in or transcript, or isoform changes, are missed These may not alter the “value” assigned to the gene (gene1 could still be 200) – and therefore this gene will be ignored (not significantly changed) in any DE </a:t>
-            </a:r>
-            <a:r>
-              <a:rPr lang="en-GB" sz="2400" u="sng" dirty="0"/>
-              <a:t>gene</a:t>
-            </a:r>
-            <a:r>
-              <a:rPr lang="en-GB" sz="2400" dirty="0"/>
-              <a:t> analysis. </a:t>
-            </a:r>
-          </a:p>
-          <a:p>
-            <a:r>
-              <a:rPr lang="en-GB" sz="2400" dirty="0"/>
-              <a:t>Consider the following:</a:t>
-            </a:r>
+              <a:t>Lets look at some real data (Aphids reared on three different plants) -  this is cool. There are going to be loads of graphical output to look at</a:t>
+            </a:r>
+            <a:endParaRPr lang="en-GB" dirty="0"/>
           </a:p>
           <a:p>
             <a:pPr marL="0" indent="0">
@@ -3545,20 +3520,14 @@
             </a:pPr>
             <a:endParaRPr lang="en-GB" dirty="0"/>
           </a:p>
-          <a:p>
-            <a:pPr marL="0" indent="0">
-              <a:buNone/>
-            </a:pPr>
-            <a:endParaRPr lang="en-GB" dirty="0"/>
-          </a:p>
         </p:txBody>
       </p:sp>
       <p:pic>
         <p:nvPicPr>
-          <p:cNvPr id="36" name="Picture 35">
-            <a:extLst>
-              <a:ext uri="{FF2B5EF4-FFF2-40B4-BE49-F238E27FC236}">
-                <a16:creationId xmlns:a16="http://schemas.microsoft.com/office/drawing/2014/main" id="{D962C17B-EDB1-482D-9A68-E866F10E38E6}"/>
+          <p:cNvPr id="6" name="Picture 5">
+            <a:extLst>
+              <a:ext uri="{FF2B5EF4-FFF2-40B4-BE49-F238E27FC236}">
+                <a16:creationId xmlns:a16="http://schemas.microsoft.com/office/drawing/2014/main" id="{F6A525BD-7AAE-45DF-A628-332F712021A5}"/>
               </a:ext>
             </a:extLst>
           </p:cNvPr>
@@ -3580,7 +3549,7 @@
         </p:blipFill>
         <p:spPr>
           <a:xfrm>
-            <a:off x="2978133" y="4127500"/>
+            <a:off x="3249982" y="3163668"/>
             <a:ext cx="4306446" cy="317500"/>
           </a:xfrm>
           <a:prstGeom prst="rect">
@@ -3590,10 +3559,10 @@
       </p:pic>
       <p:sp>
         <p:nvSpPr>
-          <p:cNvPr id="4" name="TextBox 3">
-            <a:extLst>
-              <a:ext uri="{FF2B5EF4-FFF2-40B4-BE49-F238E27FC236}">
-                <a16:creationId xmlns:a16="http://schemas.microsoft.com/office/drawing/2014/main" id="{FE3A26A7-CB7A-44E7-BD24-E4979F7298D3}"/>
+          <p:cNvPr id="7" name="TextBox 6">
+            <a:extLst>
+              <a:ext uri="{FF2B5EF4-FFF2-40B4-BE49-F238E27FC236}">
+                <a16:creationId xmlns:a16="http://schemas.microsoft.com/office/drawing/2014/main" id="{65086FFE-5CC4-4CC2-9353-55EC94751AA5}"/>
               </a:ext>
             </a:extLst>
           </p:cNvPr>
@@ -3602,8 +3571,8 @@
         </p:nvSpPr>
         <p:spPr>
           <a:xfrm>
-            <a:off x="1476374" y="4445000"/>
-            <a:ext cx="8086726" cy="646331"/>
+            <a:off x="1748223" y="3481168"/>
+            <a:ext cx="8086726" cy="1200329"/>
           </a:xfrm>
           <a:prstGeom prst="rect">
             <a:avLst/>
@@ -3618,21 +3587,273 @@
           <a:p>
             <a:r>
               <a:rPr lang="en-GB" dirty="0"/>
-              <a:t>Condition A       0    100   100 		  0                           0        TOTAL = 200</a:t>
-            </a:r>
-          </a:p>
-          <a:p>
+              <a:t>Condition A       0    </a:t>
+            </a:r>
+            <a:r>
+              <a:rPr lang="en-GB" dirty="0">
+                <a:highlight>
+                  <a:srgbClr val="FFFF00"/>
+                </a:highlight>
+              </a:rPr>
+              <a:t>100   100 </a:t>
+            </a:r>
             <a:r>
               <a:rPr lang="en-GB" dirty="0"/>
-              <a:t>Condition B       40	40     40		  40	             40       TOTAL = 200</a:t>
-            </a:r>
-          </a:p>
-        </p:txBody>
-      </p:sp>
+              <a:t>		  0                           0        TOTAL = 200</a:t>
+            </a:r>
+          </a:p>
+          <a:p>
+            <a:r>
+              <a:rPr lang="en-GB" dirty="0"/>
+              <a:t>Condition B       </a:t>
+            </a:r>
+            <a:r>
+              <a:rPr lang="en-GB" dirty="0">
+                <a:highlight>
+                  <a:srgbClr val="FFFF00"/>
+                </a:highlight>
+              </a:rPr>
+              <a:t>40</a:t>
+            </a:r>
+            <a:r>
+              <a:rPr lang="en-GB" dirty="0"/>
+              <a:t>	40     40		  40	             40       TOTAL = 200</a:t>
+            </a:r>
+          </a:p>
+          <a:p>
+            <a:r>
+              <a:rPr lang="en-GB" dirty="0"/>
+              <a:t>Condition C       </a:t>
+            </a:r>
+            <a:r>
+              <a:rPr lang="en-GB" dirty="0">
+                <a:highlight>
+                  <a:srgbClr val="FFFF00"/>
+                </a:highlight>
+              </a:rPr>
+              <a:t>40</a:t>
+            </a:r>
+            <a:r>
+              <a:rPr lang="en-GB" dirty="0"/>
+              <a:t>	40     40		  40	             40       TOTAL = 200</a:t>
+            </a:r>
+          </a:p>
+          <a:p>
+            <a:endParaRPr lang="en-GB" dirty="0"/>
+          </a:p>
+        </p:txBody>
+      </p:sp>
+      <p:grpSp>
+        <p:nvGrpSpPr>
+          <p:cNvPr id="8" name="Group 7">
+            <a:extLst>
+              <a:ext uri="{FF2B5EF4-FFF2-40B4-BE49-F238E27FC236}">
+                <a16:creationId xmlns:a16="http://schemas.microsoft.com/office/drawing/2014/main" id="{FAC921B2-E374-4C1C-8CB3-905EC3394D0A}"/>
+              </a:ext>
+            </a:extLst>
+          </p:cNvPr>
+          <p:cNvGrpSpPr/>
+          <p:nvPr/>
+        </p:nvGrpSpPr>
+        <p:grpSpPr>
+          <a:xfrm>
+            <a:off x="3382329" y="4509825"/>
+            <a:ext cx="4041751" cy="1940402"/>
+            <a:chOff x="2054249" y="3842498"/>
+            <a:chExt cx="6445807" cy="2790298"/>
+          </a:xfrm>
+        </p:grpSpPr>
+        <p:pic>
+          <p:nvPicPr>
+            <p:cNvPr id="9" name="Picture 2" descr="image">
+              <a:extLst>
+                <a:ext uri="{FF2B5EF4-FFF2-40B4-BE49-F238E27FC236}">
+                  <a16:creationId xmlns:a16="http://schemas.microsoft.com/office/drawing/2014/main" id="{5A1EB6F4-68D6-41CB-8F2E-7829D6F4967C}"/>
+                </a:ext>
+              </a:extLst>
+            </p:cNvPr>
+            <p:cNvPicPr>
+              <a:picLocks noChangeAspect="1" noChangeArrowheads="1"/>
+            </p:cNvPicPr>
+            <p:nvPr/>
+          </p:nvPicPr>
+          <p:blipFill rotWithShape="1">
+            <a:blip r:embed="rId3">
+              <a:extLst>
+                <a:ext uri="{28A0092B-C50C-407E-A947-70E740481C1C}">
+                  <a14:useLocalDpi xmlns:a14="http://schemas.microsoft.com/office/drawing/2010/main" val="0"/>
+                </a:ext>
+              </a:extLst>
+            </a:blip>
+            <a:srcRect/>
+            <a:stretch/>
+          </p:blipFill>
+          <p:spPr bwMode="auto">
+            <a:xfrm>
+              <a:off x="2054249" y="3851779"/>
+              <a:ext cx="6445807" cy="2781017"/>
+            </a:xfrm>
+            <a:prstGeom prst="rect">
+              <a:avLst/>
+            </a:prstGeom>
+            <a:noFill/>
+            <a:extLst>
+              <a:ext uri="{909E8E84-426E-40DD-AFC4-6F175D3DCCD1}">
+                <a14:hiddenFill xmlns:a14="http://schemas.microsoft.com/office/drawing/2010/main">
+                  <a:solidFill>
+                    <a:srgbClr val="FFFFFF"/>
+                  </a:solidFill>
+                </a14:hiddenFill>
+              </a:ext>
+            </a:extLst>
+          </p:spPr>
+        </p:pic>
+        <p:sp>
+          <p:nvSpPr>
+            <p:cNvPr id="10" name="Rectangle 9">
+              <a:extLst>
+                <a:ext uri="{FF2B5EF4-FFF2-40B4-BE49-F238E27FC236}">
+                  <a16:creationId xmlns:a16="http://schemas.microsoft.com/office/drawing/2014/main" id="{A993670D-64B2-4815-A6A4-5D5A7BBC879E}"/>
+                </a:ext>
+              </a:extLst>
+            </p:cNvPr>
+            <p:cNvSpPr/>
+            <p:nvPr/>
+          </p:nvSpPr>
+          <p:spPr>
+            <a:xfrm>
+              <a:off x="3734873" y="4262907"/>
+              <a:ext cx="4314423" cy="682580"/>
+            </a:xfrm>
+            <a:prstGeom prst="rect">
+              <a:avLst/>
+            </a:prstGeom>
+            <a:solidFill>
+              <a:schemeClr val="bg1"/>
+            </a:solidFill>
+            <a:ln>
+              <a:noFill/>
+            </a:ln>
+          </p:spPr>
+          <p:style>
+            <a:lnRef idx="2">
+              <a:schemeClr val="accent1">
+                <a:shade val="50000"/>
+              </a:schemeClr>
+            </a:lnRef>
+            <a:fillRef idx="1">
+              <a:schemeClr val="accent1"/>
+            </a:fillRef>
+            <a:effectRef idx="0">
+              <a:schemeClr val="accent1"/>
+            </a:effectRef>
+            <a:fontRef idx="minor">
+              <a:schemeClr val="lt1"/>
+            </a:fontRef>
+          </p:style>
+          <p:txBody>
+            <a:bodyPr rtlCol="0" anchor="ctr"/>
+            <a:lstStyle/>
+            <a:p>
+              <a:pPr algn="ctr"/>
+              <a:endParaRPr lang="en-GB"/>
+            </a:p>
+          </p:txBody>
+        </p:sp>
+        <p:sp>
+          <p:nvSpPr>
+            <p:cNvPr id="11" name="Rectangle 10">
+              <a:extLst>
+                <a:ext uri="{FF2B5EF4-FFF2-40B4-BE49-F238E27FC236}">
+                  <a16:creationId xmlns:a16="http://schemas.microsoft.com/office/drawing/2014/main" id="{05DE63B4-BC8A-4637-BDB2-973F6E7E8A6A}"/>
+                </a:ext>
+              </a:extLst>
+            </p:cNvPr>
+            <p:cNvSpPr/>
+            <p:nvPr/>
+          </p:nvSpPr>
+          <p:spPr>
+            <a:xfrm>
+              <a:off x="4757351" y="3892378"/>
+              <a:ext cx="1433384" cy="370529"/>
+            </a:xfrm>
+            <a:prstGeom prst="rect">
+              <a:avLst/>
+            </a:prstGeom>
+            <a:solidFill>
+              <a:schemeClr val="bg1"/>
+            </a:solidFill>
+            <a:ln>
+              <a:solidFill>
+                <a:schemeClr val="bg1"/>
+              </a:solidFill>
+            </a:ln>
+          </p:spPr>
+          <p:style>
+            <a:lnRef idx="2">
+              <a:schemeClr val="accent1">
+                <a:shade val="50000"/>
+              </a:schemeClr>
+            </a:lnRef>
+            <a:fillRef idx="1">
+              <a:schemeClr val="accent1"/>
+            </a:fillRef>
+            <a:effectRef idx="0">
+              <a:schemeClr val="accent1"/>
+            </a:effectRef>
+            <a:fontRef idx="minor">
+              <a:schemeClr val="lt1"/>
+            </a:fontRef>
+          </p:style>
+          <p:txBody>
+            <a:bodyPr rtlCol="0" anchor="ctr"/>
+            <a:lstStyle/>
+            <a:p>
+              <a:pPr algn="ctr"/>
+              <a:endParaRPr lang="en-GB"/>
+            </a:p>
+          </p:txBody>
+        </p:sp>
+        <p:sp>
+          <p:nvSpPr>
+            <p:cNvPr id="12" name="TextBox 11">
+              <a:extLst>
+                <a:ext uri="{FF2B5EF4-FFF2-40B4-BE49-F238E27FC236}">
+                  <a16:creationId xmlns:a16="http://schemas.microsoft.com/office/drawing/2014/main" id="{9F630B03-962A-4576-BF4D-44343DCA9656}"/>
+                </a:ext>
+              </a:extLst>
+            </p:cNvPr>
+            <p:cNvSpPr txBox="1"/>
+            <p:nvPr/>
+          </p:nvSpPr>
+          <p:spPr>
+            <a:xfrm>
+              <a:off x="4843848" y="3842498"/>
+              <a:ext cx="1260389" cy="840906"/>
+            </a:xfrm>
+            <a:prstGeom prst="rect">
+              <a:avLst/>
+            </a:prstGeom>
+            <a:noFill/>
+          </p:spPr>
+          <p:txBody>
+            <a:bodyPr wrap="square" rtlCol="0">
+              <a:spAutoFit/>
+            </a:bodyPr>
+            <a:lstStyle/>
+            <a:p>
+              <a:r>
+                <a:rPr lang="en-GB" sz="1600" b="1" dirty="0"/>
+                <a:t>gallium</a:t>
+              </a:r>
+            </a:p>
+          </p:txBody>
+        </p:sp>
+      </p:grpSp>
     </p:spTree>
     <p:extLst>
       <p:ext uri="{BB962C8B-B14F-4D97-AF65-F5344CB8AC3E}">
-        <p14:creationId xmlns:p14="http://schemas.microsoft.com/office/powerpoint/2010/main" val="3669813147"/>
+        <p14:creationId xmlns:p14="http://schemas.microsoft.com/office/powerpoint/2010/main" val="3254640150"/>
       </p:ext>
     </p:extLst>
   </p:cSld>
@@ -3677,12 +3898,14 @@
         </p:nvSpPr>
         <p:spPr>
           <a:xfrm>
-            <a:off x="838200" y="-210345"/>
+            <a:off x="838200" y="-132575"/>
             <a:ext cx="10515600" cy="1325563"/>
           </a:xfrm>
         </p:spPr>
         <p:txBody>
-          <a:bodyPr/>
+          <a:bodyPr>
+            <a:normAutofit/>
+          </a:bodyPr>
           <a:lstStyle/>
           <a:p>
             <a:pPr algn="ctr"/>
@@ -3692,7 +3915,7 @@
                   <a:srgbClr val="7030A0"/>
                 </a:solidFill>
               </a:rPr>
-              <a:t>6) DE exon expression</a:t>
+              <a:t>6) DE exon expression: Aphids reared on three different plants</a:t>
             </a:r>
           </a:p>
         </p:txBody>
@@ -3727,13 +3950,19 @@
           <a:p>
             <a:r>
               <a:rPr lang="en-GB" sz="2400" dirty="0"/>
-              <a:t>This example clearly show some exons which are condition specific. (In fact in this example exon 2 has an alternative start codon, thus the genes do not always have to start at exon 1)</a:t>
-            </a:r>
-          </a:p>
-          <a:p>
+              <a:t>This a real example: </a:t>
+            </a:r>
+            <a:r>
+              <a:rPr lang="en-GB" sz="2400" i="1" dirty="0" err="1"/>
+              <a:t>Myzus</a:t>
+            </a:r>
+            <a:r>
+              <a:rPr lang="en-GB" sz="2400" i="1" dirty="0"/>
+              <a:t> cerasi </a:t>
+            </a:r>
             <a:r>
               <a:rPr lang="en-GB" sz="2400" dirty="0"/>
-              <a:t>Lets look at some real data -  this is cool. There are going to be loads of graphical output to look at</a:t>
+              <a:t>has a primary host (cherry) and a limited few others. In this example gallium (also known as cleavers, sticky weed …) and cress. </a:t>
             </a:r>
             <a:endParaRPr lang="en-GB" dirty="0"/>
           </a:p>
@@ -3745,47 +3974,219 @@
           </a:p>
         </p:txBody>
       </p:sp>
-      <p:pic>
-        <p:nvPicPr>
-          <p:cNvPr id="36" name="Picture 35">
-            <a:extLst>
-              <a:ext uri="{FF2B5EF4-FFF2-40B4-BE49-F238E27FC236}">
-                <a16:creationId xmlns:a16="http://schemas.microsoft.com/office/drawing/2014/main" id="{D962C17B-EDB1-482D-9A68-E866F10E38E6}"/>
-              </a:ext>
-            </a:extLst>
-          </p:cNvPr>
-          <p:cNvPicPr>
-            <a:picLocks noChangeAspect="1"/>
-          </p:cNvPicPr>
-          <p:nvPr/>
-        </p:nvPicPr>
-        <p:blipFill rotWithShape="1">
-          <a:blip r:embed="rId2">
-            <a:extLst>
-              <a:ext uri="{28A0092B-C50C-407E-A947-70E740481C1C}">
-                <a14:useLocalDpi xmlns:a14="http://schemas.microsoft.com/office/drawing/2010/main" val="0"/>
-              </a:ext>
-            </a:extLst>
-          </a:blip>
-          <a:srcRect/>
-          <a:stretch/>
-        </p:blipFill>
-        <p:spPr>
-          <a:xfrm>
-            <a:off x="2978133" y="4127500"/>
-            <a:ext cx="4306446" cy="317500"/>
-          </a:xfrm>
-          <a:prstGeom prst="rect">
-            <a:avLst/>
-          </a:prstGeom>
-        </p:spPr>
-      </p:pic>
+      <p:grpSp>
+        <p:nvGrpSpPr>
+          <p:cNvPr id="8" name="Group 7">
+            <a:extLst>
+              <a:ext uri="{FF2B5EF4-FFF2-40B4-BE49-F238E27FC236}">
+                <a16:creationId xmlns:a16="http://schemas.microsoft.com/office/drawing/2014/main" id="{FAC921B2-E374-4C1C-8CB3-905EC3394D0A}"/>
+              </a:ext>
+            </a:extLst>
+          </p:cNvPr>
+          <p:cNvGrpSpPr/>
+          <p:nvPr/>
+        </p:nvGrpSpPr>
+        <p:grpSpPr>
+          <a:xfrm>
+            <a:off x="2900416" y="2323070"/>
+            <a:ext cx="4909055" cy="2409568"/>
+            <a:chOff x="2054249" y="3842498"/>
+            <a:chExt cx="6445807" cy="2790298"/>
+          </a:xfrm>
+        </p:grpSpPr>
+        <p:pic>
+          <p:nvPicPr>
+            <p:cNvPr id="9" name="Picture 2" descr="image">
+              <a:extLst>
+                <a:ext uri="{FF2B5EF4-FFF2-40B4-BE49-F238E27FC236}">
+                  <a16:creationId xmlns:a16="http://schemas.microsoft.com/office/drawing/2014/main" id="{5A1EB6F4-68D6-41CB-8F2E-7829D6F4967C}"/>
+                </a:ext>
+              </a:extLst>
+            </p:cNvPr>
+            <p:cNvPicPr>
+              <a:picLocks noChangeAspect="1" noChangeArrowheads="1"/>
+            </p:cNvPicPr>
+            <p:nvPr/>
+          </p:nvPicPr>
+          <p:blipFill rotWithShape="1">
+            <a:blip r:embed="rId2">
+              <a:extLst>
+                <a:ext uri="{28A0092B-C50C-407E-A947-70E740481C1C}">
+                  <a14:useLocalDpi xmlns:a14="http://schemas.microsoft.com/office/drawing/2010/main" val="0"/>
+                </a:ext>
+              </a:extLst>
+            </a:blip>
+            <a:srcRect/>
+            <a:stretch/>
+          </p:blipFill>
+          <p:spPr bwMode="auto">
+            <a:xfrm>
+              <a:off x="2054249" y="3851779"/>
+              <a:ext cx="6445807" cy="2781017"/>
+            </a:xfrm>
+            <a:prstGeom prst="rect">
+              <a:avLst/>
+            </a:prstGeom>
+            <a:noFill/>
+            <a:extLst>
+              <a:ext uri="{909E8E84-426E-40DD-AFC4-6F175D3DCCD1}">
+                <a14:hiddenFill xmlns:a14="http://schemas.microsoft.com/office/drawing/2010/main">
+                  <a:solidFill>
+                    <a:srgbClr val="FFFFFF"/>
+                  </a:solidFill>
+                </a14:hiddenFill>
+              </a:ext>
+            </a:extLst>
+          </p:spPr>
+        </p:pic>
+        <p:sp>
+          <p:nvSpPr>
+            <p:cNvPr id="10" name="Rectangle 9">
+              <a:extLst>
+                <a:ext uri="{FF2B5EF4-FFF2-40B4-BE49-F238E27FC236}">
+                  <a16:creationId xmlns:a16="http://schemas.microsoft.com/office/drawing/2014/main" id="{A993670D-64B2-4815-A6A4-5D5A7BBC879E}"/>
+                </a:ext>
+              </a:extLst>
+            </p:cNvPr>
+            <p:cNvSpPr/>
+            <p:nvPr/>
+          </p:nvSpPr>
+          <p:spPr>
+            <a:xfrm>
+              <a:off x="3734873" y="4262907"/>
+              <a:ext cx="4314423" cy="682580"/>
+            </a:xfrm>
+            <a:prstGeom prst="rect">
+              <a:avLst/>
+            </a:prstGeom>
+            <a:solidFill>
+              <a:schemeClr val="bg1"/>
+            </a:solidFill>
+            <a:ln>
+              <a:noFill/>
+            </a:ln>
+          </p:spPr>
+          <p:style>
+            <a:lnRef idx="2">
+              <a:schemeClr val="accent1">
+                <a:shade val="50000"/>
+              </a:schemeClr>
+            </a:lnRef>
+            <a:fillRef idx="1">
+              <a:schemeClr val="accent1"/>
+            </a:fillRef>
+            <a:effectRef idx="0">
+              <a:schemeClr val="accent1"/>
+            </a:effectRef>
+            <a:fontRef idx="minor">
+              <a:schemeClr val="lt1"/>
+            </a:fontRef>
+          </p:style>
+          <p:txBody>
+            <a:bodyPr rtlCol="0" anchor="ctr"/>
+            <a:lstStyle/>
+            <a:p>
+              <a:pPr algn="ctr"/>
+              <a:endParaRPr lang="en-GB"/>
+            </a:p>
+          </p:txBody>
+        </p:sp>
+        <p:sp>
+          <p:nvSpPr>
+            <p:cNvPr id="11" name="Rectangle 10">
+              <a:extLst>
+                <a:ext uri="{FF2B5EF4-FFF2-40B4-BE49-F238E27FC236}">
+                  <a16:creationId xmlns:a16="http://schemas.microsoft.com/office/drawing/2014/main" id="{05DE63B4-BC8A-4637-BDB2-973F6E7E8A6A}"/>
+                </a:ext>
+              </a:extLst>
+            </p:cNvPr>
+            <p:cNvSpPr/>
+            <p:nvPr/>
+          </p:nvSpPr>
+          <p:spPr>
+            <a:xfrm>
+              <a:off x="4757351" y="3892378"/>
+              <a:ext cx="1433384" cy="370529"/>
+            </a:xfrm>
+            <a:prstGeom prst="rect">
+              <a:avLst/>
+            </a:prstGeom>
+            <a:solidFill>
+              <a:schemeClr val="bg1"/>
+            </a:solidFill>
+            <a:ln>
+              <a:solidFill>
+                <a:schemeClr val="bg1"/>
+              </a:solidFill>
+            </a:ln>
+          </p:spPr>
+          <p:style>
+            <a:lnRef idx="2">
+              <a:schemeClr val="accent1">
+                <a:shade val="50000"/>
+              </a:schemeClr>
+            </a:lnRef>
+            <a:fillRef idx="1">
+              <a:schemeClr val="accent1"/>
+            </a:fillRef>
+            <a:effectRef idx="0">
+              <a:schemeClr val="accent1"/>
+            </a:effectRef>
+            <a:fontRef idx="minor">
+              <a:schemeClr val="lt1"/>
+            </a:fontRef>
+          </p:style>
+          <p:txBody>
+            <a:bodyPr rtlCol="0" anchor="ctr"/>
+            <a:lstStyle/>
+            <a:p>
+              <a:pPr algn="ctr"/>
+              <a:endParaRPr lang="en-GB"/>
+            </a:p>
+          </p:txBody>
+        </p:sp>
+        <p:sp>
+          <p:nvSpPr>
+            <p:cNvPr id="12" name="TextBox 11">
+              <a:extLst>
+                <a:ext uri="{FF2B5EF4-FFF2-40B4-BE49-F238E27FC236}">
+                  <a16:creationId xmlns:a16="http://schemas.microsoft.com/office/drawing/2014/main" id="{9F630B03-962A-4576-BF4D-44343DCA9656}"/>
+                </a:ext>
+              </a:extLst>
+            </p:cNvPr>
+            <p:cNvSpPr txBox="1"/>
+            <p:nvPr/>
+          </p:nvSpPr>
+          <p:spPr>
+            <a:xfrm>
+              <a:off x="4843848" y="3842498"/>
+              <a:ext cx="1260389" cy="840906"/>
+            </a:xfrm>
+            <a:prstGeom prst="rect">
+              <a:avLst/>
+            </a:prstGeom>
+            <a:noFill/>
+          </p:spPr>
+          <p:txBody>
+            <a:bodyPr wrap="square" rtlCol="0">
+              <a:spAutoFit/>
+            </a:bodyPr>
+            <a:lstStyle/>
+            <a:p>
+              <a:r>
+                <a:rPr lang="en-GB" sz="1600" b="1" dirty="0"/>
+                <a:t>gallium</a:t>
+              </a:r>
+            </a:p>
+          </p:txBody>
+        </p:sp>
+      </p:grpSp>
       <p:sp>
         <p:nvSpPr>
           <p:cNvPr id="4" name="TextBox 3">
             <a:extLst>
               <a:ext uri="{FF2B5EF4-FFF2-40B4-BE49-F238E27FC236}">
-                <a16:creationId xmlns:a16="http://schemas.microsoft.com/office/drawing/2014/main" id="{FE3A26A7-CB7A-44E7-BD24-E4979F7298D3}"/>
+                <a16:creationId xmlns:a16="http://schemas.microsoft.com/office/drawing/2014/main" id="{D27EBD72-0F05-44E3-9E4C-F3A1A4D800D1}"/>
               </a:ext>
             </a:extLst>
           </p:cNvPr>
@@ -3794,8 +4195,8 @@
         </p:nvSpPr>
         <p:spPr>
           <a:xfrm>
-            <a:off x="1476374" y="4445000"/>
-            <a:ext cx="8086726" cy="646331"/>
+            <a:off x="2652969" y="5004504"/>
+            <a:ext cx="7138086" cy="1200329"/>
           </a:xfrm>
           <a:prstGeom prst="rect">
             <a:avLst/>
@@ -3810,13 +4211,27 @@
           <a:p>
             <a:r>
               <a:rPr lang="en-GB" dirty="0"/>
-              <a:t>Condition A       0    100   100 		  0                           0        TOTAL = 200</a:t>
+              <a:t>RNA extraction -&gt; Illumina lib prep -&gt; </a:t>
             </a:r>
           </a:p>
           <a:p>
             <a:r>
               <a:rPr lang="en-GB" dirty="0"/>
-              <a:t>Condition B       40	40     40		  40	             40       TOTAL = 200</a:t>
+              <a:t>QC/trim/ map to genome -&gt; get exon counts using </a:t>
+            </a:r>
+            <a:r>
+              <a:rPr lang="en-GB" dirty="0" err="1"/>
+              <a:t>Htseq</a:t>
+            </a:r>
+            <a:endParaRPr lang="en-GB" dirty="0"/>
+          </a:p>
+          <a:p>
+            <a:endParaRPr lang="en-GB" dirty="0"/>
+          </a:p>
+          <a:p>
+            <a:r>
+              <a:rPr lang="en-GB" dirty="0"/>
+              <a:t>Lets analyse the counts. Then we will compare this to DE gene expression</a:t>
             </a:r>
           </a:p>
         </p:txBody>
@@ -3824,7 +4239,7 @@
     </p:spTree>
     <p:extLst>
       <p:ext uri="{BB962C8B-B14F-4D97-AF65-F5344CB8AC3E}">
-        <p14:creationId xmlns:p14="http://schemas.microsoft.com/office/powerpoint/2010/main" val="3254640150"/>
+        <p14:creationId xmlns:p14="http://schemas.microsoft.com/office/powerpoint/2010/main" val="2891153022"/>
       </p:ext>
     </p:extLst>
   </p:cSld>
@@ -3935,7 +4350,11 @@
               <a:t>Go into the “</a:t>
             </a:r>
             <a:r>
-              <a:rPr lang="en-GB" sz="2400" dirty="0" err="1"/>
+              <a:rPr lang="en-GB" sz="2400" dirty="0" err="1">
+                <a:solidFill>
+                  <a:srgbClr val="FF0000"/>
+                </a:solidFill>
+              </a:rPr>
               <a:t>DE_exon</a:t>
             </a:r>
             <a:r>
@@ -3983,16 +4402,16 @@
           </a:p>
           <a:p>
             <a:r>
-              <a:rPr lang="en-GB" sz="2400" dirty="0"/>
+              <a:rPr lang="en-GB" sz="2000" dirty="0"/>
               <a:t># further reading: </a:t>
             </a:r>
             <a:r>
-              <a:rPr lang="en-GB" sz="2000" dirty="0">
+              <a:rPr lang="en-GB" sz="1800" dirty="0">
                 <a:hlinkClick r:id="rId3"/>
               </a:rPr>
               <a:t>https://bioconductor.org/packages/release/bioc/vignettes/DEXSeq/inst/doc/DEXSeq.html</a:t>
             </a:r>
-            <a:endParaRPr lang="en-GB" sz="2000" dirty="0"/>
+            <a:endParaRPr lang="en-GB" sz="1800" dirty="0"/>
           </a:p>
           <a:p>
             <a:r>
@@ -4001,12 +4420,18 @@
             </a:r>
           </a:p>
           <a:p>
+            <a:endParaRPr lang="en-GB" sz="2000" dirty="0"/>
+          </a:p>
+          <a:p>
             <a:r>
               <a:rPr lang="en-GB" sz="2400" dirty="0"/>
               <a:t>#to install the DEXSEQ package:</a:t>
             </a:r>
           </a:p>
           <a:p>
+            <a:pPr marL="0" indent="0">
+              <a:buNone/>
+            </a:pPr>
             <a:r>
               <a:rPr lang="en-GB" sz="2400" dirty="0"/>
               <a:t>if (!</a:t>
@@ -4029,9 +4454,12 @@
             </a:r>
           </a:p>
           <a:p>
+            <a:pPr marL="0" indent="0">
+              <a:buNone/>
+            </a:pPr>
             <a:r>
               <a:rPr lang="en-GB" sz="2400" dirty="0"/>
-              <a:t> </a:t>
+              <a:t>	 </a:t>
             </a:r>
             <a:r>
               <a:rPr lang="en-GB" sz="2400" dirty="0" err="1"/>
@@ -4051,6 +4479,9 @@
             </a:r>
           </a:p>
           <a:p>
+            <a:pPr marL="0" indent="0">
+              <a:buNone/>
+            </a:pPr>
             <a:r>
               <a:rPr lang="en-GB" sz="2400" dirty="0" err="1"/>
               <a:t>BiocManager</a:t>
@@ -4174,15 +4605,19 @@
           <a:p>
             <a:r>
               <a:rPr lang="en-GB" dirty="0"/>
-              <a:t>Open the DE_exon_R_commands.sh  script. Note, this is not a shell script, but for me Notepad++ colours the text in a way that agrees with me, so </a:t>
-            </a:r>
-            <a:r>
-              <a:rPr lang="en-GB" dirty="0" err="1"/>
-              <a:t>i</a:t>
+              <a:t>Open the </a:t>
+            </a:r>
+            <a:r>
+              <a:rPr lang="en-GB" dirty="0">
+                <a:solidFill>
+                  <a:srgbClr val="FF0000"/>
+                </a:solidFill>
+              </a:rPr>
+              <a:t>DE_exon_R_commands.sh  </a:t>
             </a:r>
             <a:r>
               <a:rPr lang="en-GB" dirty="0"/>
-              <a:t> call it a .</a:t>
+              <a:t>script. Note, this is not a shell script, but for me Notepad++ colours the text in a way that agrees with me, so I call it a .</a:t>
             </a:r>
             <a:r>
               <a:rPr lang="en-GB" dirty="0" err="1"/>
@@ -4195,11 +4630,18 @@
           </a:p>
           <a:p>
             <a:r>
+              <a:rPr lang="en-GB" b="1" dirty="0"/>
+              <a:t>You will have to change the paths in this script to work for you</a:t>
+            </a:r>
+            <a:r>
               <a:rPr lang="en-GB" dirty="0"/>
-              <a:t>You will have to change the paths in this script to work for you. </a:t>
-            </a:r>
-          </a:p>
-          <a:p>
+              <a:t>. </a:t>
+            </a:r>
+          </a:p>
+          <a:p>
+            <a:pPr marL="0" indent="0">
+              <a:buNone/>
+            </a:pPr>
             <a:r>
               <a:rPr lang="en-GB" dirty="0"/>
               <a:t>STEPS:</a:t>
@@ -4234,7 +4676,7 @@
             </a:r>
             <a:r>
               <a:rPr lang="en-GB" dirty="0"/>
-              <a:t>”</a:t>
+              <a:t>”   ….. Lets follow the script ……</a:t>
             </a:r>
           </a:p>
         </p:txBody>
@@ -4496,53 +4938,7 @@
             </a:r>
             <a:r>
               <a:rPr lang="en-GB" dirty="0"/>
-              <a:t>: </a:t>
-            </a:r>
-            <a:r>
-              <a:rPr lang="en-GB" dirty="0" err="1"/>
-              <a:t>flattenedFile</a:t>
-            </a:r>
-            <a:r>
-              <a:rPr lang="en-GB" dirty="0"/>
-              <a:t> = </a:t>
-            </a:r>
-            <a:r>
-              <a:rPr lang="en-GB" dirty="0" err="1"/>
-              <a:t>list.files</a:t>
-            </a:r>
-            <a:r>
-              <a:rPr lang="en-GB" dirty="0"/>
-              <a:t>(</a:t>
-            </a:r>
-            <a:r>
-              <a:rPr lang="en-GB" dirty="0" err="1"/>
-              <a:t>inDir</a:t>
-            </a:r>
-            <a:r>
-              <a:rPr lang="en-GB" dirty="0"/>
-              <a:t>, pattern="</a:t>
-            </a:r>
-            <a:r>
-              <a:rPr lang="en-GB" dirty="0" err="1"/>
-              <a:t>gff</a:t>
-            </a:r>
-            <a:r>
-              <a:rPr lang="en-GB" dirty="0"/>
-              <a:t>$", </a:t>
-            </a:r>
-            <a:r>
-              <a:rPr lang="en-GB" dirty="0" err="1"/>
-              <a:t>full.names</a:t>
-            </a:r>
-            <a:r>
-              <a:rPr lang="en-GB" dirty="0"/>
-              <a:t>=TRUE)</a:t>
-            </a:r>
-          </a:p>
-          <a:p>
-            <a:r>
-              <a:rPr lang="en-GB" dirty="0"/>
-              <a:t>The original gene names are lost, which is very irritating. But that is Bioinformatics for you!! -  this was pre-prepared for you using their scripts. </a:t>
+              <a:t>: The original gene names are lost, which is very irritating. But that is Bioinformatics for you!! -  this was pre-prepared for you.</a:t>
             </a:r>
           </a:p>
         </p:txBody>
@@ -4668,7 +5064,7 @@
         </p:nvSpPr>
         <p:spPr>
           <a:xfrm>
-            <a:off x="371474" y="1253331"/>
+            <a:off x="245461" y="734218"/>
             <a:ext cx="11701077" cy="2366169"/>
           </a:xfrm>
         </p:spPr>
@@ -4680,7 +5076,7 @@
           <a:p>
             <a:r>
               <a:rPr lang="en-GB" dirty="0"/>
-              <a:t>At the end of the copy and paste session. </a:t>
+              <a:t>At the end of the “copy and paste” session. </a:t>
             </a:r>
           </a:p>
           <a:p>
@@ -4702,7 +5098,25 @@
             </a:r>
             <a:r>
               <a:rPr lang="en-GB" dirty="0"/>
-              <a:t> - GO WILD!</a:t>
+              <a:t> - </a:t>
+            </a:r>
+            <a:r>
+              <a:rPr lang="en-GB" dirty="0">
+                <a:highlight>
+                  <a:srgbClr val="FFFF00"/>
+                </a:highlight>
+              </a:rPr>
+              <a:t>GO WILD</a:t>
+            </a:r>
+            <a:r>
+              <a:rPr lang="en-GB" dirty="0"/>
+              <a:t>!</a:t>
+            </a:r>
+          </a:p>
+          <a:p>
+            <a:r>
+              <a:rPr lang="en-GB" dirty="0"/>
+              <a:t>The 22 Mb text file has loads on info too….</a:t>
             </a:r>
           </a:p>
         </p:txBody>
@@ -4831,7 +5245,7 @@
         <p:spPr>
           <a:xfrm>
             <a:off x="646585" y="4969665"/>
-            <a:ext cx="1752600" cy="1200329"/>
+            <a:ext cx="1752600" cy="1323439"/>
           </a:xfrm>
           <a:prstGeom prst="rect">
             <a:avLst/>
@@ -4845,7 +5259,7 @@
           <a:lstStyle/>
           <a:p>
             <a:r>
-              <a:rPr lang="en-GB" dirty="0"/>
+              <a:rPr lang="en-GB" sz="2000" dirty="0"/>
               <a:t>Click on one of these that has many exons changed</a:t>
             </a:r>
           </a:p>
@@ -4948,8 +5362,8 @@
         </p:nvSpPr>
         <p:spPr>
           <a:xfrm>
-            <a:off x="1276350" y="3226892"/>
-            <a:ext cx="1079500" cy="923330"/>
+            <a:off x="1086361" y="2984496"/>
+            <a:ext cx="1429093" cy="1200329"/>
           </a:xfrm>
           <a:prstGeom prst="rect">
             <a:avLst/>
@@ -4963,7 +5377,7 @@
           <a:lstStyle/>
           <a:p>
             <a:r>
-              <a:rPr lang="en-GB" dirty="0"/>
+              <a:rPr lang="en-GB" sz="2400" dirty="0"/>
               <a:t>Colours per host plant</a:t>
             </a:r>
           </a:p>
@@ -5055,7 +5469,7 @@
         </p:nvSpPr>
         <p:spPr>
           <a:xfrm>
-            <a:off x="371475" y="1253331"/>
+            <a:off x="301624" y="879871"/>
             <a:ext cx="6384926" cy="2366169"/>
           </a:xfrm>
         </p:spPr>
@@ -5208,45 +5622,6 @@
           <a:xfrm>
             <a:off x="4762500" y="2247900"/>
             <a:ext cx="1968500" cy="1428750"/>
-          </a:xfrm>
-          <a:prstGeom prst="straightConnector1">
-            <a:avLst/>
-          </a:prstGeom>
-          <a:ln>
-            <a:tailEnd type="triangle"/>
-          </a:ln>
-        </p:spPr>
-        <p:style>
-          <a:lnRef idx="1">
-            <a:schemeClr val="accent1"/>
-          </a:lnRef>
-          <a:fillRef idx="0">
-            <a:schemeClr val="accent1"/>
-          </a:fillRef>
-          <a:effectRef idx="0">
-            <a:schemeClr val="accent1"/>
-          </a:effectRef>
-          <a:fontRef idx="minor">
-            <a:schemeClr val="tx1"/>
-          </a:fontRef>
-        </p:style>
-      </p:cxnSp>
-      <p:cxnSp>
-        <p:nvCxnSpPr>
-          <p:cNvPr id="12" name="Straight Arrow Connector 11">
-            <a:extLst>
-              <a:ext uri="{FF2B5EF4-FFF2-40B4-BE49-F238E27FC236}">
-                <a16:creationId xmlns:a16="http://schemas.microsoft.com/office/drawing/2014/main" id="{8B0BD15F-EBCC-49EF-B79D-2DE39C91B20E}"/>
-              </a:ext>
-            </a:extLst>
-          </p:cNvPr>
-          <p:cNvCxnSpPr/>
-          <p:nvPr/>
-        </p:nvCxnSpPr>
-        <p:spPr>
-          <a:xfrm>
-            <a:off x="4368800" y="1471213"/>
-            <a:ext cx="2317750" cy="0"/>
           </a:xfrm>
           <a:prstGeom prst="straightConnector1">
             <a:avLst/>
@@ -5388,7 +5763,7 @@
         </p:nvSpPr>
         <p:spPr>
           <a:xfrm>
-            <a:off x="8890000" y="1905000"/>
+            <a:off x="3289300" y="73431"/>
             <a:ext cx="2806700" cy="461665"/>
           </a:xfrm>
           <a:prstGeom prst="rect">
@@ -5478,6 +5853,330 @@
           </a:p>
         </p:txBody>
       </p:sp>
+      <p:grpSp>
+        <p:nvGrpSpPr>
+          <p:cNvPr id="7" name="Group 6">
+            <a:extLst>
+              <a:ext uri="{FF2B5EF4-FFF2-40B4-BE49-F238E27FC236}">
+                <a16:creationId xmlns:a16="http://schemas.microsoft.com/office/drawing/2014/main" id="{4491E59E-7D76-408C-9D79-DCE8EE402C48}"/>
+              </a:ext>
+            </a:extLst>
+          </p:cNvPr>
+          <p:cNvGrpSpPr/>
+          <p:nvPr/>
+        </p:nvGrpSpPr>
+        <p:grpSpPr>
+          <a:xfrm rot="16200000">
+            <a:off x="8326536" y="1704842"/>
+            <a:ext cx="4041751" cy="1940402"/>
+            <a:chOff x="2054249" y="3842498"/>
+            <a:chExt cx="6445807" cy="2790298"/>
+          </a:xfrm>
+        </p:grpSpPr>
+        <p:pic>
+          <p:nvPicPr>
+            <p:cNvPr id="8" name="Picture 2" descr="image">
+              <a:extLst>
+                <a:ext uri="{FF2B5EF4-FFF2-40B4-BE49-F238E27FC236}">
+                  <a16:creationId xmlns:a16="http://schemas.microsoft.com/office/drawing/2014/main" id="{0A971C73-7D18-462E-9391-78935A7667ED}"/>
+                </a:ext>
+              </a:extLst>
+            </p:cNvPr>
+            <p:cNvPicPr>
+              <a:picLocks noChangeAspect="1" noChangeArrowheads="1"/>
+            </p:cNvPicPr>
+            <p:nvPr/>
+          </p:nvPicPr>
+          <p:blipFill rotWithShape="1">
+            <a:blip r:embed="rId3">
+              <a:extLst>
+                <a:ext uri="{28A0092B-C50C-407E-A947-70E740481C1C}">
+                  <a14:useLocalDpi xmlns:a14="http://schemas.microsoft.com/office/drawing/2010/main" val="0"/>
+                </a:ext>
+              </a:extLst>
+            </a:blip>
+            <a:srcRect/>
+            <a:stretch/>
+          </p:blipFill>
+          <p:spPr bwMode="auto">
+            <a:xfrm>
+              <a:off x="2054249" y="3851779"/>
+              <a:ext cx="6445807" cy="2781017"/>
+            </a:xfrm>
+            <a:prstGeom prst="rect">
+              <a:avLst/>
+            </a:prstGeom>
+            <a:noFill/>
+            <a:extLst>
+              <a:ext uri="{909E8E84-426E-40DD-AFC4-6F175D3DCCD1}">
+                <a14:hiddenFill xmlns:a14="http://schemas.microsoft.com/office/drawing/2010/main">
+                  <a:solidFill>
+                    <a:srgbClr val="FFFFFF"/>
+                  </a:solidFill>
+                </a14:hiddenFill>
+              </a:ext>
+            </a:extLst>
+          </p:spPr>
+        </p:pic>
+        <p:sp>
+          <p:nvSpPr>
+            <p:cNvPr id="9" name="Rectangle 8">
+              <a:extLst>
+                <a:ext uri="{FF2B5EF4-FFF2-40B4-BE49-F238E27FC236}">
+                  <a16:creationId xmlns:a16="http://schemas.microsoft.com/office/drawing/2014/main" id="{2FE36293-A0B0-4276-9045-6CC3DEEAF8D6}"/>
+                </a:ext>
+              </a:extLst>
+            </p:cNvPr>
+            <p:cNvSpPr/>
+            <p:nvPr/>
+          </p:nvSpPr>
+          <p:spPr>
+            <a:xfrm>
+              <a:off x="3734873" y="4262907"/>
+              <a:ext cx="4314423" cy="682580"/>
+            </a:xfrm>
+            <a:prstGeom prst="rect">
+              <a:avLst/>
+            </a:prstGeom>
+            <a:solidFill>
+              <a:schemeClr val="bg1"/>
+            </a:solidFill>
+            <a:ln>
+              <a:noFill/>
+            </a:ln>
+          </p:spPr>
+          <p:style>
+            <a:lnRef idx="2">
+              <a:schemeClr val="accent1">
+                <a:shade val="50000"/>
+              </a:schemeClr>
+            </a:lnRef>
+            <a:fillRef idx="1">
+              <a:schemeClr val="accent1"/>
+            </a:fillRef>
+            <a:effectRef idx="0">
+              <a:schemeClr val="accent1"/>
+            </a:effectRef>
+            <a:fontRef idx="minor">
+              <a:schemeClr val="lt1"/>
+            </a:fontRef>
+          </p:style>
+          <p:txBody>
+            <a:bodyPr rtlCol="0" anchor="ctr"/>
+            <a:lstStyle/>
+            <a:p>
+              <a:pPr algn="ctr"/>
+              <a:endParaRPr lang="en-GB"/>
+            </a:p>
+          </p:txBody>
+        </p:sp>
+        <p:sp>
+          <p:nvSpPr>
+            <p:cNvPr id="10" name="Rectangle 9">
+              <a:extLst>
+                <a:ext uri="{FF2B5EF4-FFF2-40B4-BE49-F238E27FC236}">
+                  <a16:creationId xmlns:a16="http://schemas.microsoft.com/office/drawing/2014/main" id="{5CBD9C75-4017-4551-947B-15065EE5CF10}"/>
+                </a:ext>
+              </a:extLst>
+            </p:cNvPr>
+            <p:cNvSpPr/>
+            <p:nvPr/>
+          </p:nvSpPr>
+          <p:spPr>
+            <a:xfrm>
+              <a:off x="4757351" y="3892378"/>
+              <a:ext cx="1433384" cy="370529"/>
+            </a:xfrm>
+            <a:prstGeom prst="rect">
+              <a:avLst/>
+            </a:prstGeom>
+            <a:solidFill>
+              <a:schemeClr val="bg1"/>
+            </a:solidFill>
+            <a:ln>
+              <a:solidFill>
+                <a:schemeClr val="bg1"/>
+              </a:solidFill>
+            </a:ln>
+          </p:spPr>
+          <p:style>
+            <a:lnRef idx="2">
+              <a:schemeClr val="accent1">
+                <a:shade val="50000"/>
+              </a:schemeClr>
+            </a:lnRef>
+            <a:fillRef idx="1">
+              <a:schemeClr val="accent1"/>
+            </a:fillRef>
+            <a:effectRef idx="0">
+              <a:schemeClr val="accent1"/>
+            </a:effectRef>
+            <a:fontRef idx="minor">
+              <a:schemeClr val="lt1"/>
+            </a:fontRef>
+          </p:style>
+          <p:txBody>
+            <a:bodyPr rtlCol="0" anchor="ctr"/>
+            <a:lstStyle/>
+            <a:p>
+              <a:pPr algn="ctr"/>
+              <a:endParaRPr lang="en-GB"/>
+            </a:p>
+          </p:txBody>
+        </p:sp>
+        <p:sp>
+          <p:nvSpPr>
+            <p:cNvPr id="11" name="TextBox 10">
+              <a:extLst>
+                <a:ext uri="{FF2B5EF4-FFF2-40B4-BE49-F238E27FC236}">
+                  <a16:creationId xmlns:a16="http://schemas.microsoft.com/office/drawing/2014/main" id="{AAC071BB-9FD2-44CF-9EAC-527D7D70C491}"/>
+                </a:ext>
+              </a:extLst>
+            </p:cNvPr>
+            <p:cNvSpPr txBox="1"/>
+            <p:nvPr/>
+          </p:nvSpPr>
+          <p:spPr>
+            <a:xfrm>
+              <a:off x="4843848" y="3842498"/>
+              <a:ext cx="1260389" cy="400110"/>
+            </a:xfrm>
+            <a:prstGeom prst="rect">
+              <a:avLst/>
+            </a:prstGeom>
+            <a:noFill/>
+          </p:spPr>
+          <p:txBody>
+            <a:bodyPr wrap="square" rtlCol="0">
+              <a:spAutoFit/>
+            </a:bodyPr>
+            <a:lstStyle/>
+            <a:p>
+              <a:r>
+                <a:rPr lang="en-GB" sz="2000" b="1" dirty="0"/>
+                <a:t>gallium</a:t>
+              </a:r>
+            </a:p>
+          </p:txBody>
+        </p:sp>
+      </p:grpSp>
+      <p:cxnSp>
+        <p:nvCxnSpPr>
+          <p:cNvPr id="3" name="Straight Arrow Connector 2">
+            <a:extLst>
+              <a:ext uri="{FF2B5EF4-FFF2-40B4-BE49-F238E27FC236}">
+                <a16:creationId xmlns:a16="http://schemas.microsoft.com/office/drawing/2014/main" id="{6F410140-9C53-4D0C-B5B4-947028E7E387}"/>
+              </a:ext>
+            </a:extLst>
+          </p:cNvPr>
+          <p:cNvCxnSpPr/>
+          <p:nvPr/>
+        </p:nvCxnSpPr>
+        <p:spPr>
+          <a:xfrm flipH="1" flipV="1">
+            <a:off x="8093676" y="3429000"/>
+            <a:ext cx="1186248" cy="586946"/>
+          </a:xfrm>
+          <a:prstGeom prst="straightConnector1">
+            <a:avLst/>
+          </a:prstGeom>
+          <a:ln>
+            <a:tailEnd type="triangle"/>
+          </a:ln>
+        </p:spPr>
+        <p:style>
+          <a:lnRef idx="1">
+            <a:schemeClr val="accent1"/>
+          </a:lnRef>
+          <a:fillRef idx="0">
+            <a:schemeClr val="accent1"/>
+          </a:fillRef>
+          <a:effectRef idx="0">
+            <a:schemeClr val="accent1"/>
+          </a:effectRef>
+          <a:fontRef idx="minor">
+            <a:schemeClr val="tx1"/>
+          </a:fontRef>
+        </p:style>
+      </p:cxnSp>
+      <p:cxnSp>
+        <p:nvCxnSpPr>
+          <p:cNvPr id="13" name="Straight Arrow Connector 12">
+            <a:extLst>
+              <a:ext uri="{FF2B5EF4-FFF2-40B4-BE49-F238E27FC236}">
+                <a16:creationId xmlns:a16="http://schemas.microsoft.com/office/drawing/2014/main" id="{30AB458D-0BBE-4689-BAA2-084DD6F54137}"/>
+              </a:ext>
+            </a:extLst>
+          </p:cNvPr>
+          <p:cNvCxnSpPr/>
+          <p:nvPr/>
+        </p:nvCxnSpPr>
+        <p:spPr>
+          <a:xfrm flipH="1">
+            <a:off x="7994822" y="2551586"/>
+            <a:ext cx="1223319" cy="123457"/>
+          </a:xfrm>
+          <a:prstGeom prst="straightConnector1">
+            <a:avLst/>
+          </a:prstGeom>
+          <a:ln>
+            <a:tailEnd type="triangle"/>
+          </a:ln>
+        </p:spPr>
+        <p:style>
+          <a:lnRef idx="1">
+            <a:schemeClr val="accent1"/>
+          </a:lnRef>
+          <a:fillRef idx="0">
+            <a:schemeClr val="accent1"/>
+          </a:fillRef>
+          <a:effectRef idx="0">
+            <a:schemeClr val="accent1"/>
+          </a:effectRef>
+          <a:fontRef idx="minor">
+            <a:schemeClr val="tx1"/>
+          </a:fontRef>
+        </p:style>
+      </p:cxnSp>
+      <p:cxnSp>
+        <p:nvCxnSpPr>
+          <p:cNvPr id="15" name="Straight Arrow Connector 14">
+            <a:extLst>
+              <a:ext uri="{FF2B5EF4-FFF2-40B4-BE49-F238E27FC236}">
+                <a16:creationId xmlns:a16="http://schemas.microsoft.com/office/drawing/2014/main" id="{59650E04-6AD0-4F51-9565-F71409E1F972}"/>
+              </a:ext>
+            </a:extLst>
+          </p:cNvPr>
+          <p:cNvCxnSpPr/>
+          <p:nvPr/>
+        </p:nvCxnSpPr>
+        <p:spPr>
+          <a:xfrm flipH="1">
+            <a:off x="7784757" y="1149178"/>
+            <a:ext cx="1495167" cy="1402408"/>
+          </a:xfrm>
+          <a:prstGeom prst="straightConnector1">
+            <a:avLst/>
+          </a:prstGeom>
+          <a:ln>
+            <a:tailEnd type="triangle"/>
+          </a:ln>
+        </p:spPr>
+        <p:style>
+          <a:lnRef idx="1">
+            <a:schemeClr val="accent1"/>
+          </a:lnRef>
+          <a:fillRef idx="0">
+            <a:schemeClr val="accent1"/>
+          </a:fillRef>
+          <a:effectRef idx="0">
+            <a:schemeClr val="accent1"/>
+          </a:effectRef>
+          <a:fontRef idx="minor">
+            <a:schemeClr val="tx1"/>
+          </a:fontRef>
+        </p:style>
+      </p:cxnSp>
     </p:spTree>
     <p:extLst>
       <p:ext uri="{BB962C8B-B14F-4D97-AF65-F5344CB8AC3E}">
@@ -5526,8 +6225,8 @@
         </p:nvSpPr>
         <p:spPr>
           <a:xfrm>
-            <a:off x="838200" y="-210345"/>
-            <a:ext cx="10515600" cy="1325563"/>
+            <a:off x="-2757617" y="-212750"/>
+            <a:ext cx="16212729" cy="1325563"/>
           </a:xfrm>
         </p:spPr>
         <p:txBody>
@@ -5541,7 +6240,7 @@
                   <a:srgbClr val="7030A0"/>
                 </a:solidFill>
               </a:rPr>
-              <a:t>6) DE gene</a:t>
+              <a:t>6) DE gene: A vs B (cherry vs gallium as a host)</a:t>
             </a:r>
           </a:p>
         </p:txBody>
@@ -5565,7 +6264,7 @@
         <p:spPr>
           <a:xfrm>
             <a:off x="371474" y="1253331"/>
-            <a:ext cx="11701077" cy="5196896"/>
+            <a:ext cx="5863477" cy="5196896"/>
           </a:xfrm>
         </p:spPr>
         <p:txBody>
@@ -6422,6 +7121,213 @@
           </a:fontRef>
         </p:style>
       </p:cxnSp>
+      <p:grpSp>
+        <p:nvGrpSpPr>
+          <p:cNvPr id="36" name="Group 35">
+            <a:extLst>
+              <a:ext uri="{FF2B5EF4-FFF2-40B4-BE49-F238E27FC236}">
+                <a16:creationId xmlns:a16="http://schemas.microsoft.com/office/drawing/2014/main" id="{A5898C90-C167-434B-856F-A27222547095}"/>
+              </a:ext>
+            </a:extLst>
+          </p:cNvPr>
+          <p:cNvGrpSpPr/>
+          <p:nvPr/>
+        </p:nvGrpSpPr>
+        <p:grpSpPr>
+          <a:xfrm>
+            <a:off x="7485467" y="1024365"/>
+            <a:ext cx="5995046" cy="2790298"/>
+            <a:chOff x="2054250" y="3842498"/>
+            <a:chExt cx="5995046" cy="2790298"/>
+          </a:xfrm>
+        </p:grpSpPr>
+        <p:pic>
+          <p:nvPicPr>
+            <p:cNvPr id="45" name="Picture 2" descr="image">
+              <a:extLst>
+                <a:ext uri="{FF2B5EF4-FFF2-40B4-BE49-F238E27FC236}">
+                  <a16:creationId xmlns:a16="http://schemas.microsoft.com/office/drawing/2014/main" id="{17D414A5-8575-49F1-B71C-0E13507B97D3}"/>
+                </a:ext>
+              </a:extLst>
+            </p:cNvPr>
+            <p:cNvPicPr>
+              <a:picLocks noChangeAspect="1" noChangeArrowheads="1"/>
+            </p:cNvPicPr>
+            <p:nvPr/>
+          </p:nvPicPr>
+          <p:blipFill rotWithShape="1">
+            <a:blip r:embed="rId2">
+              <a:extLst>
+                <a:ext uri="{28A0092B-C50C-407E-A947-70E740481C1C}">
+                  <a14:useLocalDpi xmlns:a14="http://schemas.microsoft.com/office/drawing/2010/main" val="0"/>
+                </a:ext>
+              </a:extLst>
+            </a:blip>
+            <a:srcRect t="1460" r="27355"/>
+            <a:stretch/>
+          </p:blipFill>
+          <p:spPr bwMode="auto">
+            <a:xfrm>
+              <a:off x="2054250" y="3892378"/>
+              <a:ext cx="4682516" cy="2740418"/>
+            </a:xfrm>
+            <a:prstGeom prst="rect">
+              <a:avLst/>
+            </a:prstGeom>
+            <a:noFill/>
+            <a:extLst>
+              <a:ext uri="{909E8E84-426E-40DD-AFC4-6F175D3DCCD1}">
+                <a14:hiddenFill xmlns:a14="http://schemas.microsoft.com/office/drawing/2010/main">
+                  <a:solidFill>
+                    <a:srgbClr val="FFFFFF"/>
+                  </a:solidFill>
+                </a14:hiddenFill>
+              </a:ext>
+            </a:extLst>
+          </p:spPr>
+        </p:pic>
+        <p:sp>
+          <p:nvSpPr>
+            <p:cNvPr id="46" name="Rectangle 45">
+              <a:extLst>
+                <a:ext uri="{FF2B5EF4-FFF2-40B4-BE49-F238E27FC236}">
+                  <a16:creationId xmlns:a16="http://schemas.microsoft.com/office/drawing/2014/main" id="{ED799D03-52D8-4A08-A1B4-84C52641ED16}"/>
+                </a:ext>
+              </a:extLst>
+            </p:cNvPr>
+            <p:cNvSpPr/>
+            <p:nvPr/>
+          </p:nvSpPr>
+          <p:spPr>
+            <a:xfrm>
+              <a:off x="3734873" y="4262907"/>
+              <a:ext cx="4314423" cy="682580"/>
+            </a:xfrm>
+            <a:prstGeom prst="rect">
+              <a:avLst/>
+            </a:prstGeom>
+            <a:solidFill>
+              <a:schemeClr val="bg1"/>
+            </a:solidFill>
+            <a:ln>
+              <a:noFill/>
+            </a:ln>
+          </p:spPr>
+          <p:style>
+            <a:lnRef idx="2">
+              <a:schemeClr val="accent1">
+                <a:shade val="50000"/>
+              </a:schemeClr>
+            </a:lnRef>
+            <a:fillRef idx="1">
+              <a:schemeClr val="accent1"/>
+            </a:fillRef>
+            <a:effectRef idx="0">
+              <a:schemeClr val="accent1"/>
+            </a:effectRef>
+            <a:fontRef idx="minor">
+              <a:schemeClr val="lt1"/>
+            </a:fontRef>
+          </p:style>
+          <p:txBody>
+            <a:bodyPr rtlCol="0" anchor="ctr"/>
+            <a:lstStyle/>
+            <a:p>
+              <a:pPr algn="ctr"/>
+              <a:endParaRPr lang="en-GB" dirty="0"/>
+            </a:p>
+          </p:txBody>
+        </p:sp>
+        <p:sp>
+          <p:nvSpPr>
+            <p:cNvPr id="47" name="Rectangle 46">
+              <a:extLst>
+                <a:ext uri="{FF2B5EF4-FFF2-40B4-BE49-F238E27FC236}">
+                  <a16:creationId xmlns:a16="http://schemas.microsoft.com/office/drawing/2014/main" id="{77385C86-61A9-4599-AEDA-583F58C882D3}"/>
+                </a:ext>
+              </a:extLst>
+            </p:cNvPr>
+            <p:cNvSpPr/>
+            <p:nvPr/>
+          </p:nvSpPr>
+          <p:spPr>
+            <a:xfrm>
+              <a:off x="4757351" y="3892378"/>
+              <a:ext cx="1433384" cy="370529"/>
+            </a:xfrm>
+            <a:prstGeom prst="rect">
+              <a:avLst/>
+            </a:prstGeom>
+            <a:solidFill>
+              <a:schemeClr val="bg1"/>
+            </a:solidFill>
+            <a:ln>
+              <a:solidFill>
+                <a:schemeClr val="bg1"/>
+              </a:solidFill>
+            </a:ln>
+          </p:spPr>
+          <p:style>
+            <a:lnRef idx="2">
+              <a:schemeClr val="accent1">
+                <a:shade val="50000"/>
+              </a:schemeClr>
+            </a:lnRef>
+            <a:fillRef idx="1">
+              <a:schemeClr val="accent1"/>
+            </a:fillRef>
+            <a:effectRef idx="0">
+              <a:schemeClr val="accent1"/>
+            </a:effectRef>
+            <a:fontRef idx="minor">
+              <a:schemeClr val="lt1"/>
+            </a:fontRef>
+          </p:style>
+          <p:txBody>
+            <a:bodyPr rtlCol="0" anchor="ctr"/>
+            <a:lstStyle/>
+            <a:p>
+              <a:pPr algn="ctr"/>
+              <a:endParaRPr lang="en-GB"/>
+            </a:p>
+          </p:txBody>
+        </p:sp>
+        <p:sp>
+          <p:nvSpPr>
+            <p:cNvPr id="48" name="TextBox 47">
+              <a:extLst>
+                <a:ext uri="{FF2B5EF4-FFF2-40B4-BE49-F238E27FC236}">
+                  <a16:creationId xmlns:a16="http://schemas.microsoft.com/office/drawing/2014/main" id="{CE268F62-30BD-4C99-AEFF-E12DD6B707E4}"/>
+                </a:ext>
+              </a:extLst>
+            </p:cNvPr>
+            <p:cNvSpPr txBox="1"/>
+            <p:nvPr/>
+          </p:nvSpPr>
+          <p:spPr>
+            <a:xfrm>
+              <a:off x="4843848" y="3842498"/>
+              <a:ext cx="1260389" cy="400110"/>
+            </a:xfrm>
+            <a:prstGeom prst="rect">
+              <a:avLst/>
+            </a:prstGeom>
+            <a:noFill/>
+          </p:spPr>
+          <p:txBody>
+            <a:bodyPr wrap="square" rtlCol="0">
+              <a:spAutoFit/>
+            </a:bodyPr>
+            <a:lstStyle/>
+            <a:p>
+              <a:r>
+                <a:rPr lang="en-GB" sz="2000" b="1" dirty="0"/>
+                <a:t>gallium</a:t>
+              </a:r>
+            </a:p>
+          </p:txBody>
+        </p:sp>
+      </p:grpSp>
     </p:spTree>
     <p:extLst>
       <p:ext uri="{BB962C8B-B14F-4D97-AF65-F5344CB8AC3E}">
@@ -6794,7 +7700,7 @@
                   <a:srgbClr val="FF0000"/>
                 </a:solidFill>
               </a:rPr>
-              <a:t>simple_example</a:t>
+              <a:t>two_bio_reps</a:t>
             </a:r>
             <a:r>
               <a:rPr lang="en-GB" sz="2400" dirty="0"/>
@@ -6816,13 +7722,74 @@
             </a:r>
             <a:r>
               <a:rPr lang="en-GB" sz="2400" dirty="0"/>
-              <a:t>- again this is not a shell script. I just like </a:t>
-            </a:r>
-            <a:r>
-              <a:rPr lang="en-GB" sz="2400"/>
-              <a:t>the colours</a:t>
-            </a:r>
-            <a:endParaRPr lang="en-GB" sz="2400" dirty="0"/>
+              <a:t>- again this is not a shell script. I just like the colours</a:t>
+            </a:r>
+          </a:p>
+          <a:p>
+            <a:pPr marL="0" indent="0">
+              <a:buNone/>
+            </a:pPr>
+            <a:r>
+              <a:rPr lang="en-GB" dirty="0"/>
+              <a:t>------------------------------------------------------------------------------------------</a:t>
+            </a:r>
+          </a:p>
+          <a:p>
+            <a:pPr marL="0" indent="0">
+              <a:buNone/>
+            </a:pPr>
+            <a:r>
+              <a:rPr lang="en-GB" dirty="0"/>
+              <a:t>Do this for the three reps data too:</a:t>
+            </a:r>
+          </a:p>
+          <a:p>
+            <a:r>
+              <a:rPr lang="en-GB" dirty="0"/>
+              <a:t>Go into the “</a:t>
+            </a:r>
+            <a:r>
+              <a:rPr lang="en-GB" dirty="0" err="1">
+                <a:solidFill>
+                  <a:srgbClr val="FF0000"/>
+                </a:solidFill>
+              </a:rPr>
+              <a:t>DE_gene</a:t>
+            </a:r>
+            <a:r>
+              <a:rPr lang="en-GB" dirty="0"/>
+              <a:t>” folder, then go into “</a:t>
+            </a:r>
+            <a:r>
+              <a:rPr lang="en-GB" dirty="0" err="1">
+                <a:solidFill>
+                  <a:srgbClr val="FF0000"/>
+                </a:solidFill>
+              </a:rPr>
+              <a:t>three_bio_reps</a:t>
+            </a:r>
+            <a:r>
+              <a:rPr lang="en-GB" dirty="0"/>
+              <a:t>” folder</a:t>
+            </a:r>
+          </a:p>
+          <a:p>
+            <a:r>
+              <a:rPr lang="en-GB" dirty="0"/>
+              <a:t>Open the file </a:t>
+            </a:r>
+            <a:r>
+              <a:rPr lang="en-GB" dirty="0">
+                <a:solidFill>
+                  <a:srgbClr val="FF0000"/>
+                </a:solidFill>
+              </a:rPr>
+              <a:t>DE_gene_R_commands.sh   </a:t>
+            </a:r>
+            <a:r>
+              <a:rPr lang="en-GB" dirty="0"/>
+              <a:t>- again this is not a shell script. I just like the colours</a:t>
+            </a:r>
           </a:p>
           <a:p>
             <a:pPr marL="0" indent="0">
@@ -6918,7 +7885,7 @@
         </p:nvSpPr>
         <p:spPr>
           <a:xfrm>
-            <a:off x="371474" y="1253331"/>
+            <a:off x="245461" y="830552"/>
             <a:ext cx="11701077" cy="5196896"/>
           </a:xfrm>
         </p:spPr>
@@ -6950,7 +7917,7 @@
             </a:r>
             <a:r>
               <a:rPr lang="en-GB" sz="2400" dirty="0"/>
-              <a:t>If eyes were dissected out of human heads, sequenced and compared to the sequencing output of the liver. You would expect to find eye specific gene expression in one sample and liver specific expression in the other. </a:t>
+              <a:t>If eyes were dissected out of human heads, sequenced and compared to the sequencing output of the liver. You would expect to find eye specific gene expression in one sample and liver specific expression in the other.  (plus some genes that are the same “housekeeping” genes)</a:t>
             </a:r>
           </a:p>
           <a:p>
@@ -7246,103 +8213,213 @@
           </a:p>
         </p:txBody>
       </p:sp>
-      <p:pic>
-        <p:nvPicPr>
-          <p:cNvPr id="1026" name="Picture 2" descr="image">
-            <a:extLst>
-              <a:ext uri="{FF2B5EF4-FFF2-40B4-BE49-F238E27FC236}">
-                <a16:creationId xmlns:a16="http://schemas.microsoft.com/office/drawing/2014/main" id="{D9E0506A-89B7-4E44-B40B-CC137C46F058}"/>
-              </a:ext>
-            </a:extLst>
-          </p:cNvPr>
-          <p:cNvPicPr>
-            <a:picLocks noChangeAspect="1" noChangeArrowheads="1"/>
-          </p:cNvPicPr>
-          <p:nvPr/>
-        </p:nvPicPr>
-        <p:blipFill rotWithShape="1">
-          <a:blip r:embed="rId2">
-            <a:extLst>
-              <a:ext uri="{28A0092B-C50C-407E-A947-70E740481C1C}">
-                <a14:useLocalDpi xmlns:a14="http://schemas.microsoft.com/office/drawing/2010/main" val="0"/>
-              </a:ext>
-            </a:extLst>
-          </a:blip>
-          <a:srcRect/>
-          <a:stretch/>
-        </p:blipFill>
-        <p:spPr bwMode="auto">
-          <a:xfrm>
-            <a:off x="2054249" y="3851779"/>
-            <a:ext cx="6445807" cy="2781017"/>
-          </a:xfrm>
-          <a:prstGeom prst="rect">
-            <a:avLst/>
-          </a:prstGeom>
-          <a:noFill/>
-          <a:extLst>
-            <a:ext uri="{909E8E84-426E-40DD-AFC4-6F175D3DCCD1}">
-              <a14:hiddenFill xmlns:a14="http://schemas.microsoft.com/office/drawing/2010/main">
-                <a:solidFill>
-                  <a:srgbClr val="FFFFFF"/>
-                </a:solidFill>
-              </a14:hiddenFill>
-            </a:ext>
-          </a:extLst>
-        </p:spPr>
-      </p:pic>
-      <p:sp>
-        <p:nvSpPr>
-          <p:cNvPr id="4" name="Rectangle 3">
-            <a:extLst>
-              <a:ext uri="{FF2B5EF4-FFF2-40B4-BE49-F238E27FC236}">
-                <a16:creationId xmlns:a16="http://schemas.microsoft.com/office/drawing/2014/main" id="{8CAB11AC-D33E-4ECE-A498-821BC17A3D4B}"/>
-              </a:ext>
-            </a:extLst>
-          </p:cNvPr>
-          <p:cNvSpPr/>
-          <p:nvPr/>
-        </p:nvSpPr>
-        <p:spPr>
-          <a:xfrm>
-            <a:off x="3734873" y="4262907"/>
-            <a:ext cx="4314423" cy="682580"/>
-          </a:xfrm>
-          <a:prstGeom prst="rect">
-            <a:avLst/>
-          </a:prstGeom>
-          <a:solidFill>
-            <a:schemeClr val="bg1"/>
-          </a:solidFill>
-          <a:ln>
+      <p:grpSp>
+        <p:nvGrpSpPr>
+          <p:cNvPr id="8" name="Group 7">
+            <a:extLst>
+              <a:ext uri="{FF2B5EF4-FFF2-40B4-BE49-F238E27FC236}">
+                <a16:creationId xmlns:a16="http://schemas.microsoft.com/office/drawing/2014/main" id="{84440C85-09D3-45AA-BA15-53DAEF28DE2A}"/>
+              </a:ext>
+            </a:extLst>
+          </p:cNvPr>
+          <p:cNvGrpSpPr/>
+          <p:nvPr/>
+        </p:nvGrpSpPr>
+        <p:grpSpPr>
+          <a:xfrm>
+            <a:off x="2054249" y="3842498"/>
+            <a:ext cx="6445807" cy="2790298"/>
+            <a:chOff x="2054249" y="3842498"/>
+            <a:chExt cx="6445807" cy="2790298"/>
+          </a:xfrm>
+        </p:grpSpPr>
+        <p:pic>
+          <p:nvPicPr>
+            <p:cNvPr id="1026" name="Picture 2" descr="image">
+              <a:extLst>
+                <a:ext uri="{FF2B5EF4-FFF2-40B4-BE49-F238E27FC236}">
+                  <a16:creationId xmlns:a16="http://schemas.microsoft.com/office/drawing/2014/main" id="{D9E0506A-89B7-4E44-B40B-CC137C46F058}"/>
+                </a:ext>
+              </a:extLst>
+            </p:cNvPr>
+            <p:cNvPicPr>
+              <a:picLocks noChangeAspect="1" noChangeArrowheads="1"/>
+            </p:cNvPicPr>
+            <p:nvPr/>
+          </p:nvPicPr>
+          <p:blipFill rotWithShape="1">
+            <a:blip r:embed="rId2">
+              <a:extLst>
+                <a:ext uri="{28A0092B-C50C-407E-A947-70E740481C1C}">
+                  <a14:useLocalDpi xmlns:a14="http://schemas.microsoft.com/office/drawing/2010/main" val="0"/>
+                </a:ext>
+              </a:extLst>
+            </a:blip>
+            <a:srcRect/>
+            <a:stretch/>
+          </p:blipFill>
+          <p:spPr bwMode="auto">
+            <a:xfrm>
+              <a:off x="2054249" y="3851779"/>
+              <a:ext cx="6445807" cy="2781017"/>
+            </a:xfrm>
+            <a:prstGeom prst="rect">
+              <a:avLst/>
+            </a:prstGeom>
             <a:noFill/>
-          </a:ln>
-        </p:spPr>
-        <p:style>
-          <a:lnRef idx="2">
-            <a:schemeClr val="accent1">
-              <a:shade val="50000"/>
-            </a:schemeClr>
-          </a:lnRef>
-          <a:fillRef idx="1">
-            <a:schemeClr val="accent1"/>
-          </a:fillRef>
-          <a:effectRef idx="0">
-            <a:schemeClr val="accent1"/>
-          </a:effectRef>
-          <a:fontRef idx="minor">
-            <a:schemeClr val="lt1"/>
-          </a:fontRef>
-        </p:style>
-        <p:txBody>
-          <a:bodyPr rtlCol="0" anchor="ctr"/>
-          <a:lstStyle/>
-          <a:p>
-            <a:pPr algn="ctr"/>
-            <a:endParaRPr lang="en-GB"/>
-          </a:p>
-        </p:txBody>
-      </p:sp>
+            <a:extLst>
+              <a:ext uri="{909E8E84-426E-40DD-AFC4-6F175D3DCCD1}">
+                <a14:hiddenFill xmlns:a14="http://schemas.microsoft.com/office/drawing/2010/main">
+                  <a:solidFill>
+                    <a:srgbClr val="FFFFFF"/>
+                  </a:solidFill>
+                </a14:hiddenFill>
+              </a:ext>
+            </a:extLst>
+          </p:spPr>
+        </p:pic>
+        <p:sp>
+          <p:nvSpPr>
+            <p:cNvPr id="4" name="Rectangle 3">
+              <a:extLst>
+                <a:ext uri="{FF2B5EF4-FFF2-40B4-BE49-F238E27FC236}">
+                  <a16:creationId xmlns:a16="http://schemas.microsoft.com/office/drawing/2014/main" id="{8CAB11AC-D33E-4ECE-A498-821BC17A3D4B}"/>
+                </a:ext>
+              </a:extLst>
+            </p:cNvPr>
+            <p:cNvSpPr/>
+            <p:nvPr/>
+          </p:nvSpPr>
+          <p:spPr>
+            <a:xfrm>
+              <a:off x="3734873" y="4262907"/>
+              <a:ext cx="4314423" cy="682580"/>
+            </a:xfrm>
+            <a:prstGeom prst="rect">
+              <a:avLst/>
+            </a:prstGeom>
+            <a:solidFill>
+              <a:schemeClr val="bg1"/>
+            </a:solidFill>
+            <a:ln>
+              <a:noFill/>
+            </a:ln>
+          </p:spPr>
+          <p:style>
+            <a:lnRef idx="2">
+              <a:schemeClr val="accent1">
+                <a:shade val="50000"/>
+              </a:schemeClr>
+            </a:lnRef>
+            <a:fillRef idx="1">
+              <a:schemeClr val="accent1"/>
+            </a:fillRef>
+            <a:effectRef idx="0">
+              <a:schemeClr val="accent1"/>
+            </a:effectRef>
+            <a:fontRef idx="minor">
+              <a:schemeClr val="lt1"/>
+            </a:fontRef>
+          </p:style>
+          <p:txBody>
+            <a:bodyPr rtlCol="0" anchor="ctr"/>
+            <a:lstStyle/>
+            <a:p>
+              <a:pPr algn="ctr"/>
+              <a:endParaRPr lang="en-GB"/>
+            </a:p>
+          </p:txBody>
+        </p:sp>
+        <p:sp>
+          <p:nvSpPr>
+            <p:cNvPr id="5" name="Rectangle 4">
+              <a:extLst>
+                <a:ext uri="{FF2B5EF4-FFF2-40B4-BE49-F238E27FC236}">
+                  <a16:creationId xmlns:a16="http://schemas.microsoft.com/office/drawing/2014/main" id="{B12946EF-8E59-476B-B898-12EBCDAEC67C}"/>
+                </a:ext>
+              </a:extLst>
+            </p:cNvPr>
+            <p:cNvSpPr/>
+            <p:nvPr/>
+          </p:nvSpPr>
+          <p:spPr>
+            <a:xfrm>
+              <a:off x="4757351" y="3892378"/>
+              <a:ext cx="1433384" cy="370529"/>
+            </a:xfrm>
+            <a:prstGeom prst="rect">
+              <a:avLst/>
+            </a:prstGeom>
+            <a:solidFill>
+              <a:schemeClr val="bg1"/>
+            </a:solidFill>
+            <a:ln>
+              <a:solidFill>
+                <a:schemeClr val="bg1"/>
+              </a:solidFill>
+            </a:ln>
+          </p:spPr>
+          <p:style>
+            <a:lnRef idx="2">
+              <a:schemeClr val="accent1">
+                <a:shade val="50000"/>
+              </a:schemeClr>
+            </a:lnRef>
+            <a:fillRef idx="1">
+              <a:schemeClr val="accent1"/>
+            </a:fillRef>
+            <a:effectRef idx="0">
+              <a:schemeClr val="accent1"/>
+            </a:effectRef>
+            <a:fontRef idx="minor">
+              <a:schemeClr val="lt1"/>
+            </a:fontRef>
+          </p:style>
+          <p:txBody>
+            <a:bodyPr rtlCol="0" anchor="ctr"/>
+            <a:lstStyle/>
+            <a:p>
+              <a:pPr algn="ctr"/>
+              <a:endParaRPr lang="en-GB"/>
+            </a:p>
+          </p:txBody>
+        </p:sp>
+        <p:sp>
+          <p:nvSpPr>
+            <p:cNvPr id="6" name="TextBox 5">
+              <a:extLst>
+                <a:ext uri="{FF2B5EF4-FFF2-40B4-BE49-F238E27FC236}">
+                  <a16:creationId xmlns:a16="http://schemas.microsoft.com/office/drawing/2014/main" id="{10EC10BD-4FA0-4F41-BD84-F5BD77C713A0}"/>
+                </a:ext>
+              </a:extLst>
+            </p:cNvPr>
+            <p:cNvSpPr txBox="1"/>
+            <p:nvPr/>
+          </p:nvSpPr>
+          <p:spPr>
+            <a:xfrm>
+              <a:off x="4843848" y="3842498"/>
+              <a:ext cx="1260389" cy="400110"/>
+            </a:xfrm>
+            <a:prstGeom prst="rect">
+              <a:avLst/>
+            </a:prstGeom>
+            <a:noFill/>
+          </p:spPr>
+          <p:txBody>
+            <a:bodyPr wrap="square" rtlCol="0">
+              <a:spAutoFit/>
+            </a:bodyPr>
+            <a:lstStyle/>
+            <a:p>
+              <a:r>
+                <a:rPr lang="en-GB" sz="2000" b="1" dirty="0"/>
+                <a:t>gallium</a:t>
+              </a:r>
+            </a:p>
+          </p:txBody>
+        </p:sp>
+      </p:grpSp>
     </p:spTree>
     <p:extLst>
       <p:ext uri="{BB962C8B-B14F-4D97-AF65-F5344CB8AC3E}">
@@ -8677,10 +9754,108 @@
       </p:grpSpPr>
       <p:sp>
         <p:nvSpPr>
-          <p:cNvPr id="54" name="Rectangle 53">
-            <a:extLst>
-              <a:ext uri="{FF2B5EF4-FFF2-40B4-BE49-F238E27FC236}">
-                <a16:creationId xmlns:a16="http://schemas.microsoft.com/office/drawing/2014/main" id="{F28B6DA9-303A-4F45-B425-33FF5A52C784}"/>
+          <p:cNvPr id="2" name="Title 1">
+            <a:extLst>
+              <a:ext uri="{FF2B5EF4-FFF2-40B4-BE49-F238E27FC236}">
+                <a16:creationId xmlns:a16="http://schemas.microsoft.com/office/drawing/2014/main" id="{A0C8C6AF-E509-4279-9039-EC1F56C4DC48}"/>
+              </a:ext>
+            </a:extLst>
+          </p:cNvPr>
+          <p:cNvSpPr>
+            <a:spLocks noGrp="1"/>
+          </p:cNvSpPr>
+          <p:nvPr>
+            <p:ph type="title"/>
+          </p:nvPr>
+        </p:nvSpPr>
+        <p:spPr>
+          <a:xfrm>
+            <a:off x="838200" y="-210345"/>
+            <a:ext cx="10515600" cy="1325563"/>
+          </a:xfrm>
+        </p:spPr>
+        <p:txBody>
+          <a:bodyPr/>
+          <a:lstStyle/>
+          <a:p>
+            <a:pPr algn="ctr"/>
+            <a:r>
+              <a:rPr lang="en-GB" dirty="0">
+                <a:solidFill>
+                  <a:srgbClr val="7030A0"/>
+                </a:solidFill>
+              </a:rPr>
+              <a:t>6) Prepare data (already done)</a:t>
+            </a:r>
+          </a:p>
+        </p:txBody>
+      </p:sp>
+      <p:sp>
+        <p:nvSpPr>
+          <p:cNvPr id="3" name="Content Placeholder 2">
+            <a:extLst>
+              <a:ext uri="{FF2B5EF4-FFF2-40B4-BE49-F238E27FC236}">
+                <a16:creationId xmlns:a16="http://schemas.microsoft.com/office/drawing/2014/main" id="{87E2E5A0-784D-4BAF-A742-3FA5474D9D33}"/>
+              </a:ext>
+            </a:extLst>
+          </p:cNvPr>
+          <p:cNvSpPr>
+            <a:spLocks noGrp="1"/>
+          </p:cNvSpPr>
+          <p:nvPr>
+            <p:ph idx="1"/>
+          </p:nvPr>
+        </p:nvSpPr>
+        <p:spPr>
+          <a:xfrm>
+            <a:off x="371474" y="1253331"/>
+            <a:ext cx="11701077" cy="5196896"/>
+          </a:xfrm>
+        </p:spPr>
+        <p:txBody>
+          <a:bodyPr>
+            <a:normAutofit/>
+          </a:bodyPr>
+          <a:lstStyle/>
+          <a:p>
+            <a:r>
+              <a:rPr lang="en-GB" sz="2400" dirty="0"/>
+              <a:t>Quality control and read trimming has been already performed (to save time!). Please see this if you would like a reminder: </a:t>
+            </a:r>
+            <a:r>
+              <a:rPr lang="en-GB" sz="2400" dirty="0">
+                <a:hlinkClick r:id="rId2"/>
+              </a:rPr>
+              <a:t>https://github.com/peterthorpe5/genome_assembly_workshop/blob/master/powerpoint/6_assembly.pptx</a:t>
+            </a:r>
+            <a:endParaRPr lang="en-GB" sz="2400" dirty="0"/>
+          </a:p>
+          <a:p>
+            <a:r>
+              <a:rPr lang="en-GB" sz="2400" dirty="0"/>
+              <a:t> plus for me, trimming reads and QC is now like watching paint dry!</a:t>
+            </a:r>
+          </a:p>
+          <a:p>
+            <a:pPr marL="0" indent="0">
+              <a:buNone/>
+            </a:pPr>
+            <a:endParaRPr lang="en-GB" dirty="0"/>
+          </a:p>
+          <a:p>
+            <a:pPr marL="0" indent="0">
+              <a:buNone/>
+            </a:pPr>
+            <a:endParaRPr lang="en-GB" dirty="0"/>
+          </a:p>
+        </p:txBody>
+      </p:sp>
+      <p:sp>
+        <p:nvSpPr>
+          <p:cNvPr id="24" name="Rectangle 23">
+            <a:extLst>
+              <a:ext uri="{FF2B5EF4-FFF2-40B4-BE49-F238E27FC236}">
+                <a16:creationId xmlns:a16="http://schemas.microsoft.com/office/drawing/2014/main" id="{695D2912-3B8F-45D2-BD06-4DB921E5DC64}"/>
               </a:ext>
             </a:extLst>
           </p:cNvPr>
@@ -8689,23 +9864,13 @@
         </p:nvSpPr>
         <p:spPr>
           <a:xfrm>
-            <a:off x="0" y="2891481"/>
-            <a:ext cx="11956459" cy="3277495"/>
+            <a:off x="544630" y="4280245"/>
+            <a:ext cx="989045" cy="601467"/>
           </a:xfrm>
           <a:prstGeom prst="rect">
             <a:avLst/>
           </a:prstGeom>
-          <a:solidFill>
-            <a:schemeClr val="accent1">
-              <a:lumMod val="60000"/>
-              <a:lumOff val="40000"/>
-            </a:schemeClr>
-          </a:solidFill>
-          <a:ln>
-            <a:solidFill>
-              <a:schemeClr val="bg2"/>
-            </a:solidFill>
-          </a:ln>
+          <a:noFill/>
         </p:spPr>
         <p:style>
           <a:lnRef idx="2">
@@ -8732,45 +9897,92 @@
           </a:p>
         </p:txBody>
       </p:sp>
-      <p:sp>
-        <p:nvSpPr>
-          <p:cNvPr id="2" name="Title 1">
-            <a:extLst>
-              <a:ext uri="{FF2B5EF4-FFF2-40B4-BE49-F238E27FC236}">
-                <a16:creationId xmlns:a16="http://schemas.microsoft.com/office/drawing/2014/main" id="{56431620-A6C1-4CBF-92B7-E3A06020D11D}"/>
-              </a:ext>
-            </a:extLst>
-          </p:cNvPr>
-          <p:cNvSpPr>
-            <a:spLocks noGrp="1"/>
-          </p:cNvSpPr>
-          <p:nvPr>
-            <p:ph type="title"/>
-          </p:nvPr>
-        </p:nvSpPr>
-        <p:spPr>
-          <a:xfrm>
-            <a:off x="530138" y="32010"/>
-            <a:ext cx="11131724" cy="1325563"/>
-          </a:xfrm>
-        </p:spPr>
-        <p:txBody>
-          <a:bodyPr/>
-          <a:lstStyle/>
-          <a:p>
-            <a:r>
-              <a:rPr lang="en-GB" dirty="0"/>
-              <a:t>RNAseq simplified work flow: top = coursework</a:t>
-            </a:r>
-          </a:p>
-        </p:txBody>
-      </p:sp>
-      <p:sp>
-        <p:nvSpPr>
-          <p:cNvPr id="4" name="Rectangle 3">
-            <a:extLst>
-              <a:ext uri="{FF2B5EF4-FFF2-40B4-BE49-F238E27FC236}">
-                <a16:creationId xmlns:a16="http://schemas.microsoft.com/office/drawing/2014/main" id="{847E2274-B992-459A-BE49-28049FD5D1F3}"/>
+      <p:cxnSp>
+        <p:nvCxnSpPr>
+          <p:cNvPr id="25" name="Straight Arrow Connector 24">
+            <a:extLst>
+              <a:ext uri="{FF2B5EF4-FFF2-40B4-BE49-F238E27FC236}">
+                <a16:creationId xmlns:a16="http://schemas.microsoft.com/office/drawing/2014/main" id="{A9B2A0F5-5692-40E1-AF44-A89495AD9AA5}"/>
+              </a:ext>
+            </a:extLst>
+          </p:cNvPr>
+          <p:cNvCxnSpPr>
+            <a:stCxn id="24" idx="3"/>
+          </p:cNvCxnSpPr>
+          <p:nvPr/>
+        </p:nvCxnSpPr>
+        <p:spPr>
+          <a:xfrm flipV="1">
+            <a:off x="1533675" y="4578825"/>
+            <a:ext cx="718458" cy="2154"/>
+          </a:xfrm>
+          <a:prstGeom prst="straightConnector1">
+            <a:avLst/>
+          </a:prstGeom>
+          <a:ln>
+            <a:tailEnd type="triangle"/>
+          </a:ln>
+        </p:spPr>
+        <p:style>
+          <a:lnRef idx="1">
+            <a:schemeClr val="accent1"/>
+          </a:lnRef>
+          <a:fillRef idx="0">
+            <a:schemeClr val="accent1"/>
+          </a:fillRef>
+          <a:effectRef idx="0">
+            <a:schemeClr val="accent1"/>
+          </a:effectRef>
+          <a:fontRef idx="minor">
+            <a:schemeClr val="tx1"/>
+          </a:fontRef>
+        </p:style>
+      </p:cxnSp>
+      <p:sp>
+        <p:nvSpPr>
+          <p:cNvPr id="26" name="TextBox 25">
+            <a:extLst>
+              <a:ext uri="{FF2B5EF4-FFF2-40B4-BE49-F238E27FC236}">
+                <a16:creationId xmlns:a16="http://schemas.microsoft.com/office/drawing/2014/main" id="{6D90F02B-8FE5-4D07-9526-4CA946914F41}"/>
+              </a:ext>
+            </a:extLst>
+          </p:cNvPr>
+          <p:cNvSpPr txBox="1"/>
+          <p:nvPr/>
+        </p:nvSpPr>
+        <p:spPr>
+          <a:xfrm>
+            <a:off x="563292" y="4291730"/>
+            <a:ext cx="925284" cy="646331"/>
+          </a:xfrm>
+          <a:prstGeom prst="rect">
+            <a:avLst/>
+          </a:prstGeom>
+          <a:noFill/>
+        </p:spPr>
+        <p:txBody>
+          <a:bodyPr wrap="square" rtlCol="0">
+            <a:spAutoFit/>
+          </a:bodyPr>
+          <a:lstStyle/>
+          <a:p>
+            <a:r>
+              <a:rPr lang="en-GB" dirty="0">
+                <a:highlight>
+                  <a:srgbClr val="FFFF00"/>
+                </a:highlight>
+              </a:rPr>
+              <a:t>Quality control</a:t>
+            </a:r>
+          </a:p>
+        </p:txBody>
+      </p:sp>
+      <p:sp>
+        <p:nvSpPr>
+          <p:cNvPr id="27" name="Rectangle 26">
+            <a:extLst>
+              <a:ext uri="{FF2B5EF4-FFF2-40B4-BE49-F238E27FC236}">
+                <a16:creationId xmlns:a16="http://schemas.microsoft.com/office/drawing/2014/main" id="{B2298011-B44D-4743-BBCD-35285E61B3F3}"/>
               </a:ext>
             </a:extLst>
           </p:cNvPr>
@@ -8779,7 +9991,7 @@
         </p:nvSpPr>
         <p:spPr>
           <a:xfrm>
-            <a:off x="235535" y="3172660"/>
+            <a:off x="2245913" y="4264691"/>
             <a:ext cx="989045" cy="601467"/>
           </a:xfrm>
           <a:prstGeom prst="rect">
@@ -8814,21 +10026,21 @@
       </p:sp>
       <p:cxnSp>
         <p:nvCxnSpPr>
-          <p:cNvPr id="5" name="Straight Arrow Connector 4">
-            <a:extLst>
-              <a:ext uri="{FF2B5EF4-FFF2-40B4-BE49-F238E27FC236}">
-                <a16:creationId xmlns:a16="http://schemas.microsoft.com/office/drawing/2014/main" id="{AB6D5B12-38C1-49EC-8C2B-895D0D81C096}"/>
+          <p:cNvPr id="28" name="Straight Arrow Connector 27">
+            <a:extLst>
+              <a:ext uri="{FF2B5EF4-FFF2-40B4-BE49-F238E27FC236}">
+                <a16:creationId xmlns:a16="http://schemas.microsoft.com/office/drawing/2014/main" id="{07DCAF48-C201-4213-BCA3-70569BC79C1D}"/>
               </a:ext>
             </a:extLst>
           </p:cNvPr>
           <p:cNvCxnSpPr>
-            <a:stCxn id="4" idx="3"/>
+            <a:stCxn id="27" idx="3"/>
           </p:cNvCxnSpPr>
           <p:nvPr/>
         </p:nvCxnSpPr>
         <p:spPr>
           <a:xfrm flipV="1">
-            <a:off x="1224580" y="3471240"/>
+            <a:off x="3234958" y="4563271"/>
             <a:ext cx="718458" cy="2154"/>
           </a:xfrm>
           <a:prstGeom prst="straightConnector1">
@@ -8855,10 +10067,10 @@
       </p:cxnSp>
       <p:sp>
         <p:nvSpPr>
-          <p:cNvPr id="6" name="TextBox 5">
-            <a:extLst>
-              <a:ext uri="{FF2B5EF4-FFF2-40B4-BE49-F238E27FC236}">
-                <a16:creationId xmlns:a16="http://schemas.microsoft.com/office/drawing/2014/main" id="{6E23F1D4-E83A-40F6-8490-D0026D6CCB92}"/>
+          <p:cNvPr id="29" name="TextBox 28">
+            <a:extLst>
+              <a:ext uri="{FF2B5EF4-FFF2-40B4-BE49-F238E27FC236}">
+                <a16:creationId xmlns:a16="http://schemas.microsoft.com/office/drawing/2014/main" id="{8BD18CC5-AE45-45CA-828D-5A2E75DFDBBB}"/>
               </a:ext>
             </a:extLst>
           </p:cNvPr>
@@ -8867,7 +10079,7 @@
         </p:nvSpPr>
         <p:spPr>
           <a:xfrm>
-            <a:off x="254197" y="3184145"/>
+            <a:off x="2264575" y="4276176"/>
             <a:ext cx="925284" cy="646331"/>
           </a:xfrm>
           <a:prstGeom prst="rect">
@@ -8882,18 +10094,22 @@
           <a:lstStyle/>
           <a:p>
             <a:r>
-              <a:rPr lang="en-GB" dirty="0"/>
-              <a:t>Quality control</a:t>
-            </a:r>
-          </a:p>
-        </p:txBody>
-      </p:sp>
-      <p:sp>
-        <p:nvSpPr>
-          <p:cNvPr id="7" name="Rectangle 6">
-            <a:extLst>
-              <a:ext uri="{FF2B5EF4-FFF2-40B4-BE49-F238E27FC236}">
-                <a16:creationId xmlns:a16="http://schemas.microsoft.com/office/drawing/2014/main" id="{67B7C864-9BBE-4920-A6BC-A162565E4130}"/>
+              <a:rPr lang="en-GB" dirty="0">
+                <a:highlight>
+                  <a:srgbClr val="FFFF00"/>
+                </a:highlight>
+              </a:rPr>
+              <a:t>Quality trim</a:t>
+            </a:r>
+          </a:p>
+        </p:txBody>
+      </p:sp>
+      <p:sp>
+        <p:nvSpPr>
+          <p:cNvPr id="30" name="Rectangle 29">
+            <a:extLst>
+              <a:ext uri="{FF2B5EF4-FFF2-40B4-BE49-F238E27FC236}">
+                <a16:creationId xmlns:a16="http://schemas.microsoft.com/office/drawing/2014/main" id="{EB91BDEA-F1AF-4D44-A9D0-B80CCC9D0B84}"/>
               </a:ext>
             </a:extLst>
           </p:cNvPr>
@@ -8902,7 +10118,7 @@
         </p:nvSpPr>
         <p:spPr>
           <a:xfrm>
-            <a:off x="1936818" y="3157106"/>
+            <a:off x="3990736" y="4255359"/>
             <a:ext cx="989045" cy="601467"/>
           </a:xfrm>
           <a:prstGeom prst="rect">
@@ -8937,21 +10153,22 @@
       </p:sp>
       <p:cxnSp>
         <p:nvCxnSpPr>
-          <p:cNvPr id="8" name="Straight Arrow Connector 7">
-            <a:extLst>
-              <a:ext uri="{FF2B5EF4-FFF2-40B4-BE49-F238E27FC236}">
-                <a16:creationId xmlns:a16="http://schemas.microsoft.com/office/drawing/2014/main" id="{F56D309F-9071-4FFA-A12A-20BDD0B6DB17}"/>
+          <p:cNvPr id="31" name="Straight Arrow Connector 30">
+            <a:extLst>
+              <a:ext uri="{FF2B5EF4-FFF2-40B4-BE49-F238E27FC236}">
+                <a16:creationId xmlns:a16="http://schemas.microsoft.com/office/drawing/2014/main" id="{E65AE67B-84E0-4C4A-9DA2-57AA75571B41}"/>
               </a:ext>
             </a:extLst>
           </p:cNvPr>
           <p:cNvCxnSpPr>
-            <a:stCxn id="7" idx="3"/>
+            <a:cxnSpLocks/>
+            <a:stCxn id="30" idx="3"/>
           </p:cNvCxnSpPr>
           <p:nvPr/>
         </p:nvCxnSpPr>
         <p:spPr>
           <a:xfrm flipV="1">
-            <a:off x="2925863" y="3455686"/>
+            <a:off x="4979781" y="4553939"/>
             <a:ext cx="718458" cy="2154"/>
           </a:xfrm>
           <a:prstGeom prst="straightConnector1">
@@ -8978,10 +10195,10 @@
       </p:cxnSp>
       <p:sp>
         <p:nvSpPr>
-          <p:cNvPr id="9" name="TextBox 8">
-            <a:extLst>
-              <a:ext uri="{FF2B5EF4-FFF2-40B4-BE49-F238E27FC236}">
-                <a16:creationId xmlns:a16="http://schemas.microsoft.com/office/drawing/2014/main" id="{5B5CD90D-A761-40B4-8A34-C0A5F1466B05}"/>
+          <p:cNvPr id="32" name="TextBox 31">
+            <a:extLst>
+              <a:ext uri="{FF2B5EF4-FFF2-40B4-BE49-F238E27FC236}">
+                <a16:creationId xmlns:a16="http://schemas.microsoft.com/office/drawing/2014/main" id="{6308FA4B-2800-4E5E-B1E8-EEA480ECD815}"/>
               </a:ext>
             </a:extLst>
           </p:cNvPr>
@@ -8990,7 +10207,7 @@
         </p:nvSpPr>
         <p:spPr>
           <a:xfrm>
-            <a:off x="1955480" y="3168591"/>
+            <a:off x="4009398" y="4266844"/>
             <a:ext cx="925284" cy="646331"/>
           </a:xfrm>
           <a:prstGeom prst="rect">
@@ -9005,18 +10222,22 @@
           <a:lstStyle/>
           <a:p>
             <a:r>
-              <a:rPr lang="en-GB" dirty="0"/>
-              <a:t>Quality trim</a:t>
-            </a:r>
-          </a:p>
-        </p:txBody>
-      </p:sp>
-      <p:sp>
-        <p:nvSpPr>
-          <p:cNvPr id="10" name="Rectangle 9">
-            <a:extLst>
-              <a:ext uri="{FF2B5EF4-FFF2-40B4-BE49-F238E27FC236}">
-                <a16:creationId xmlns:a16="http://schemas.microsoft.com/office/drawing/2014/main" id="{BC733BA1-9523-4C1B-A061-FD67160ED2E1}"/>
+              <a:rPr lang="en-GB" dirty="0">
+                <a:highlight>
+                  <a:srgbClr val="FFFF00"/>
+                </a:highlight>
+              </a:rPr>
+              <a:t>Quality control</a:t>
+            </a:r>
+          </a:p>
+        </p:txBody>
+      </p:sp>
+      <p:sp>
+        <p:nvSpPr>
+          <p:cNvPr id="33" name="Rectangle 32">
+            <a:extLst>
+              <a:ext uri="{FF2B5EF4-FFF2-40B4-BE49-F238E27FC236}">
+                <a16:creationId xmlns:a16="http://schemas.microsoft.com/office/drawing/2014/main" id="{FDE39C85-3C32-43E2-B135-6BBDF9AB9A69}"/>
               </a:ext>
             </a:extLst>
           </p:cNvPr>
@@ -9025,8 +10246,8 @@
         </p:nvSpPr>
         <p:spPr>
           <a:xfrm>
-            <a:off x="3681641" y="3147774"/>
-            <a:ext cx="989045" cy="601467"/>
+            <a:off x="5868335" y="4216886"/>
+            <a:ext cx="989036" cy="873358"/>
           </a:xfrm>
           <a:prstGeom prst="rect">
             <a:avLst/>
@@ -9058,54 +10279,12 @@
           </a:p>
         </p:txBody>
       </p:sp>
-      <p:cxnSp>
-        <p:nvCxnSpPr>
-          <p:cNvPr id="11" name="Straight Arrow Connector 10">
-            <a:extLst>
-              <a:ext uri="{FF2B5EF4-FFF2-40B4-BE49-F238E27FC236}">
-                <a16:creationId xmlns:a16="http://schemas.microsoft.com/office/drawing/2014/main" id="{585BDF19-E621-4546-8AA0-62887430E476}"/>
-              </a:ext>
-            </a:extLst>
-          </p:cNvPr>
-          <p:cNvCxnSpPr>
-            <a:cxnSpLocks/>
-            <a:stCxn id="10" idx="3"/>
-          </p:cNvCxnSpPr>
-          <p:nvPr/>
-        </p:nvCxnSpPr>
-        <p:spPr>
-          <a:xfrm flipV="1">
-            <a:off x="4670686" y="3446354"/>
-            <a:ext cx="718458" cy="2154"/>
-          </a:xfrm>
-          <a:prstGeom prst="straightConnector1">
-            <a:avLst/>
-          </a:prstGeom>
-          <a:ln>
-            <a:tailEnd type="triangle"/>
-          </a:ln>
-        </p:spPr>
-        <p:style>
-          <a:lnRef idx="1">
-            <a:schemeClr val="accent1"/>
-          </a:lnRef>
-          <a:fillRef idx="0">
-            <a:schemeClr val="accent1"/>
-          </a:fillRef>
-          <a:effectRef idx="0">
-            <a:schemeClr val="accent1"/>
-          </a:effectRef>
-          <a:fontRef idx="minor">
-            <a:schemeClr val="tx1"/>
-          </a:fontRef>
-        </p:style>
-      </p:cxnSp>
-      <p:sp>
-        <p:nvSpPr>
-          <p:cNvPr id="12" name="TextBox 11">
-            <a:extLst>
-              <a:ext uri="{FF2B5EF4-FFF2-40B4-BE49-F238E27FC236}">
-                <a16:creationId xmlns:a16="http://schemas.microsoft.com/office/drawing/2014/main" id="{2BBC69B1-580E-4931-A39E-90AA38552CB8}"/>
+      <p:sp>
+        <p:nvSpPr>
+          <p:cNvPr id="34" name="TextBox 33">
+            <a:extLst>
+              <a:ext uri="{FF2B5EF4-FFF2-40B4-BE49-F238E27FC236}">
+                <a16:creationId xmlns:a16="http://schemas.microsoft.com/office/drawing/2014/main" id="{1A561BE4-0CBA-42EF-B3AD-42C1D640B0EE}"/>
               </a:ext>
             </a:extLst>
           </p:cNvPr>
@@ -9114,8 +10293,8 @@
         </p:nvSpPr>
         <p:spPr>
           <a:xfrm>
-            <a:off x="3700303" y="3159259"/>
-            <a:ext cx="925284" cy="646331"/>
+            <a:off x="5937970" y="4219187"/>
+            <a:ext cx="998909" cy="646331"/>
           </a:xfrm>
           <a:prstGeom prst="rect">
             <a:avLst/>
@@ -9130,17 +10309,17 @@
           <a:p>
             <a:r>
               <a:rPr lang="en-GB" dirty="0"/>
-              <a:t>Quality control</a:t>
-            </a:r>
-          </a:p>
-        </p:txBody>
-      </p:sp>
-      <p:sp>
-        <p:nvSpPr>
-          <p:cNvPr id="16" name="Rectangle 15">
-            <a:extLst>
-              <a:ext uri="{FF2B5EF4-FFF2-40B4-BE49-F238E27FC236}">
-                <a16:creationId xmlns:a16="http://schemas.microsoft.com/office/drawing/2014/main" id="{8335A015-85B0-4593-B9F0-3FD67779EAFE}"/>
+              <a:t>Map to genome</a:t>
+            </a:r>
+          </a:p>
+        </p:txBody>
+      </p:sp>
+      <p:sp>
+        <p:nvSpPr>
+          <p:cNvPr id="35" name="Rectangle 34">
+            <a:extLst>
+              <a:ext uri="{FF2B5EF4-FFF2-40B4-BE49-F238E27FC236}">
+                <a16:creationId xmlns:a16="http://schemas.microsoft.com/office/drawing/2014/main" id="{713750FF-A72A-4080-9697-A6EA5ED420D2}"/>
               </a:ext>
             </a:extLst>
           </p:cNvPr>
@@ -9149,8 +10328,8 @@
         </p:nvSpPr>
         <p:spPr>
           <a:xfrm>
-            <a:off x="5559240" y="3109301"/>
-            <a:ext cx="989036" cy="873358"/>
+            <a:off x="9674228" y="4175047"/>
+            <a:ext cx="1360672" cy="1327579"/>
           </a:xfrm>
           <a:prstGeom prst="rect">
             <a:avLst/>
@@ -9184,45 +10363,10 @@
       </p:sp>
       <p:sp>
         <p:nvSpPr>
-          <p:cNvPr id="18" name="TextBox 17">
-            <a:extLst>
-              <a:ext uri="{FF2B5EF4-FFF2-40B4-BE49-F238E27FC236}">
-                <a16:creationId xmlns:a16="http://schemas.microsoft.com/office/drawing/2014/main" id="{B43F59E4-BD5E-439B-BF06-EDF8C5DDCBA8}"/>
-              </a:ext>
-            </a:extLst>
-          </p:cNvPr>
-          <p:cNvSpPr txBox="1"/>
-          <p:nvPr/>
-        </p:nvSpPr>
-        <p:spPr>
-          <a:xfrm>
-            <a:off x="5628875" y="3111602"/>
-            <a:ext cx="998909" cy="646331"/>
-          </a:xfrm>
-          <a:prstGeom prst="rect">
-            <a:avLst/>
-          </a:prstGeom>
-          <a:noFill/>
-        </p:spPr>
-        <p:txBody>
-          <a:bodyPr wrap="square" rtlCol="0">
-            <a:spAutoFit/>
-          </a:bodyPr>
-          <a:lstStyle/>
-          <a:p>
-            <a:r>
-              <a:rPr lang="en-GB" dirty="0"/>
-              <a:t>Map to genome</a:t>
-            </a:r>
-          </a:p>
-        </p:txBody>
-      </p:sp>
-      <p:sp>
-        <p:nvSpPr>
-          <p:cNvPr id="19" name="Rectangle 18">
-            <a:extLst>
-              <a:ext uri="{FF2B5EF4-FFF2-40B4-BE49-F238E27FC236}">
-                <a16:creationId xmlns:a16="http://schemas.microsoft.com/office/drawing/2014/main" id="{4FC5F311-202B-4856-BE9F-866EBA98CAE7}"/>
+          <p:cNvPr id="37" name="Rectangle 36">
+            <a:extLst>
+              <a:ext uri="{FF2B5EF4-FFF2-40B4-BE49-F238E27FC236}">
+                <a16:creationId xmlns:a16="http://schemas.microsoft.com/office/drawing/2014/main" id="{80C2CCEA-9F2E-494D-95C2-013CF36C1C51}"/>
               </a:ext>
             </a:extLst>
           </p:cNvPr>
@@ -9231,8 +10375,8 @@
         </p:nvSpPr>
         <p:spPr>
           <a:xfrm>
-            <a:off x="9365133" y="3067462"/>
-            <a:ext cx="1360672" cy="1327579"/>
+            <a:off x="7460067" y="4294170"/>
+            <a:ext cx="989045" cy="601467"/>
           </a:xfrm>
           <a:prstGeom prst="rect">
             <a:avLst/>
@@ -9266,10 +10410,121 @@
       </p:sp>
       <p:sp>
         <p:nvSpPr>
-          <p:cNvPr id="33" name="Rectangle 32">
-            <a:extLst>
-              <a:ext uri="{FF2B5EF4-FFF2-40B4-BE49-F238E27FC236}">
-                <a16:creationId xmlns:a16="http://schemas.microsoft.com/office/drawing/2014/main" id="{CA6853D0-581B-4CA4-8D2E-CD51C901BC52}"/>
+          <p:cNvPr id="38" name="TextBox 37">
+            <a:extLst>
+              <a:ext uri="{FF2B5EF4-FFF2-40B4-BE49-F238E27FC236}">
+                <a16:creationId xmlns:a16="http://schemas.microsoft.com/office/drawing/2014/main" id="{24D8575C-AD81-4606-93DC-70CE5EA2E525}"/>
+              </a:ext>
+            </a:extLst>
+          </p:cNvPr>
+          <p:cNvSpPr txBox="1"/>
+          <p:nvPr/>
+        </p:nvSpPr>
+        <p:spPr>
+          <a:xfrm>
+            <a:off x="7478729" y="4305655"/>
+            <a:ext cx="925284" cy="646331"/>
+          </a:xfrm>
+          <a:prstGeom prst="rect">
+            <a:avLst/>
+          </a:prstGeom>
+          <a:noFill/>
+        </p:spPr>
+        <p:txBody>
+          <a:bodyPr wrap="square" rtlCol="0">
+            <a:spAutoFit/>
+          </a:bodyPr>
+          <a:lstStyle/>
+          <a:p>
+            <a:r>
+              <a:rPr lang="en-GB" dirty="0"/>
+              <a:t>Get the counts</a:t>
+            </a:r>
+          </a:p>
+        </p:txBody>
+      </p:sp>
+      <p:cxnSp>
+        <p:nvCxnSpPr>
+          <p:cNvPr id="39" name="Straight Arrow Connector 38">
+            <a:extLst>
+              <a:ext uri="{FF2B5EF4-FFF2-40B4-BE49-F238E27FC236}">
+                <a16:creationId xmlns:a16="http://schemas.microsoft.com/office/drawing/2014/main" id="{1A862807-1F28-4A5D-9923-23EBF03E342B}"/>
+              </a:ext>
+            </a:extLst>
+          </p:cNvPr>
+          <p:cNvCxnSpPr>
+            <a:stCxn id="34" idx="3"/>
+          </p:cNvCxnSpPr>
+          <p:nvPr/>
+        </p:nvCxnSpPr>
+        <p:spPr>
+          <a:xfrm flipV="1">
+            <a:off x="6936879" y="4536585"/>
+            <a:ext cx="390854" cy="5768"/>
+          </a:xfrm>
+          <a:prstGeom prst="straightConnector1">
+            <a:avLst/>
+          </a:prstGeom>
+          <a:ln>
+            <a:tailEnd type="triangle"/>
+          </a:ln>
+        </p:spPr>
+        <p:style>
+          <a:lnRef idx="1">
+            <a:schemeClr val="accent1"/>
+          </a:lnRef>
+          <a:fillRef idx="0">
+            <a:schemeClr val="accent1"/>
+          </a:fillRef>
+          <a:effectRef idx="0">
+            <a:schemeClr val="accent1"/>
+          </a:effectRef>
+          <a:fontRef idx="minor">
+            <a:schemeClr val="tx1"/>
+          </a:fontRef>
+        </p:style>
+      </p:cxnSp>
+      <p:sp>
+        <p:nvSpPr>
+          <p:cNvPr id="40" name="TextBox 39">
+            <a:extLst>
+              <a:ext uri="{FF2B5EF4-FFF2-40B4-BE49-F238E27FC236}">
+                <a16:creationId xmlns:a16="http://schemas.microsoft.com/office/drawing/2014/main" id="{2C98CD00-CC9A-4D12-865C-5209512BDC1D}"/>
+              </a:ext>
+            </a:extLst>
+          </p:cNvPr>
+          <p:cNvSpPr txBox="1"/>
+          <p:nvPr/>
+        </p:nvSpPr>
+        <p:spPr>
+          <a:xfrm>
+            <a:off x="9753736" y="4364420"/>
+            <a:ext cx="1360669" cy="923330"/>
+          </a:xfrm>
+          <a:prstGeom prst="rect">
+            <a:avLst/>
+          </a:prstGeom>
+          <a:noFill/>
+        </p:spPr>
+        <p:txBody>
+          <a:bodyPr wrap="square" rtlCol="0">
+            <a:spAutoFit/>
+          </a:bodyPr>
+          <a:lstStyle/>
+          <a:p>
+            <a:r>
+              <a:rPr lang="en-GB" dirty="0"/>
+              <a:t>Differential gene expression</a:t>
+            </a:r>
+          </a:p>
+        </p:txBody>
+      </p:sp>
+      <p:sp>
+        <p:nvSpPr>
+          <p:cNvPr id="41" name="Rectangle 40">
+            <a:extLst>
+              <a:ext uri="{FF2B5EF4-FFF2-40B4-BE49-F238E27FC236}">
+                <a16:creationId xmlns:a16="http://schemas.microsoft.com/office/drawing/2014/main" id="{637ED78D-05DB-4FE1-9C28-BC0608651F29}"/>
               </a:ext>
             </a:extLst>
           </p:cNvPr>
@@ -9278,8 +10533,8 @@
         </p:nvSpPr>
         <p:spPr>
           <a:xfrm>
-            <a:off x="3644321" y="1307294"/>
-            <a:ext cx="1146886" cy="1325562"/>
+            <a:off x="9674228" y="5757761"/>
+            <a:ext cx="1360672" cy="1327579"/>
           </a:xfrm>
           <a:prstGeom prst="rect">
             <a:avLst/>
@@ -9313,10 +10568,10 @@
       </p:sp>
       <p:sp>
         <p:nvSpPr>
-          <p:cNvPr id="34" name="TextBox 33">
-            <a:extLst>
-              <a:ext uri="{FF2B5EF4-FFF2-40B4-BE49-F238E27FC236}">
-                <a16:creationId xmlns:a16="http://schemas.microsoft.com/office/drawing/2014/main" id="{F6A9ACFA-4AEA-408D-AAF6-7EF34F8D70C2}"/>
+          <p:cNvPr id="42" name="TextBox 41">
+            <a:extLst>
+              <a:ext uri="{FF2B5EF4-FFF2-40B4-BE49-F238E27FC236}">
+                <a16:creationId xmlns:a16="http://schemas.microsoft.com/office/drawing/2014/main" id="{4C4C4262-E52D-4D82-8617-B9868FCB8A07}"/>
               </a:ext>
             </a:extLst>
           </p:cNvPr>
@@ -9325,8 +10580,8 @@
         </p:nvSpPr>
         <p:spPr>
           <a:xfrm>
-            <a:off x="3690972" y="1452862"/>
-            <a:ext cx="1244780" cy="1200329"/>
+            <a:off x="9674231" y="5844151"/>
+            <a:ext cx="1360669" cy="923330"/>
           </a:xfrm>
           <a:prstGeom prst="rect">
             <a:avLst/>
@@ -9341,232 +10596,27 @@
           <a:p>
             <a:r>
               <a:rPr lang="en-GB" dirty="0"/>
-              <a:t>Alignment free quantification</a:t>
+              <a:t>Differential exon expression</a:t>
             </a:r>
           </a:p>
         </p:txBody>
       </p:sp>
       <p:cxnSp>
         <p:nvCxnSpPr>
-          <p:cNvPr id="36" name="Straight Arrow Connector 35">
-            <a:extLst>
-              <a:ext uri="{FF2B5EF4-FFF2-40B4-BE49-F238E27FC236}">
-                <a16:creationId xmlns:a16="http://schemas.microsoft.com/office/drawing/2014/main" id="{A675AE39-8173-4202-9FAF-E76A4089232C}"/>
-              </a:ext>
-            </a:extLst>
-          </p:cNvPr>
-          <p:cNvCxnSpPr>
-            <a:stCxn id="12" idx="0"/>
-          </p:cNvCxnSpPr>
+          <p:cNvPr id="43" name="Straight Arrow Connector 42">
+            <a:extLst>
+              <a:ext uri="{FF2B5EF4-FFF2-40B4-BE49-F238E27FC236}">
+                <a16:creationId xmlns:a16="http://schemas.microsoft.com/office/drawing/2014/main" id="{FF031CB1-B473-40F5-A5C0-081B346533F2}"/>
+              </a:ext>
+            </a:extLst>
+          </p:cNvPr>
+          <p:cNvCxnSpPr/>
           <p:nvPr/>
         </p:nvCxnSpPr>
         <p:spPr>
-          <a:xfrm flipH="1" flipV="1">
-            <a:off x="4162944" y="2653191"/>
-            <a:ext cx="1" cy="506068"/>
-          </a:xfrm>
-          <a:prstGeom prst="straightConnector1">
-            <a:avLst/>
-          </a:prstGeom>
-          <a:ln>
-            <a:tailEnd type="triangle"/>
-          </a:ln>
-        </p:spPr>
-        <p:style>
-          <a:lnRef idx="1">
-            <a:schemeClr val="accent1"/>
-          </a:lnRef>
-          <a:fillRef idx="0">
-            <a:schemeClr val="accent1"/>
-          </a:fillRef>
-          <a:effectRef idx="0">
-            <a:schemeClr val="accent1"/>
-          </a:effectRef>
-          <a:fontRef idx="minor">
-            <a:schemeClr val="tx1"/>
-          </a:fontRef>
-        </p:style>
-      </p:cxnSp>
-      <p:sp>
-        <p:nvSpPr>
-          <p:cNvPr id="37" name="Rectangle 36">
-            <a:extLst>
-              <a:ext uri="{FF2B5EF4-FFF2-40B4-BE49-F238E27FC236}">
-                <a16:creationId xmlns:a16="http://schemas.microsoft.com/office/drawing/2014/main" id="{7A44D62C-20A9-40D5-8039-CA6A21060704}"/>
-              </a:ext>
-            </a:extLst>
-          </p:cNvPr>
-          <p:cNvSpPr/>
-          <p:nvPr/>
-        </p:nvSpPr>
-        <p:spPr>
-          <a:xfrm>
-            <a:off x="5683838" y="1628942"/>
-            <a:ext cx="989045" cy="601467"/>
-          </a:xfrm>
-          <a:prstGeom prst="rect">
-            <a:avLst/>
-          </a:prstGeom>
-          <a:noFill/>
-        </p:spPr>
-        <p:style>
-          <a:lnRef idx="2">
-            <a:schemeClr val="accent1">
-              <a:shade val="50000"/>
-            </a:schemeClr>
-          </a:lnRef>
-          <a:fillRef idx="1">
-            <a:schemeClr val="accent1"/>
-          </a:fillRef>
-          <a:effectRef idx="0">
-            <a:schemeClr val="accent1"/>
-          </a:effectRef>
-          <a:fontRef idx="minor">
-            <a:schemeClr val="lt1"/>
-          </a:fontRef>
-        </p:style>
-        <p:txBody>
-          <a:bodyPr rtlCol="0" anchor="ctr"/>
-          <a:lstStyle/>
-          <a:p>
-            <a:pPr algn="ctr"/>
-            <a:endParaRPr lang="en-GB" dirty="0"/>
-          </a:p>
-        </p:txBody>
-      </p:sp>
-      <p:sp>
-        <p:nvSpPr>
-          <p:cNvPr id="38" name="TextBox 37">
-            <a:extLst>
-              <a:ext uri="{FF2B5EF4-FFF2-40B4-BE49-F238E27FC236}">
-                <a16:creationId xmlns:a16="http://schemas.microsoft.com/office/drawing/2014/main" id="{2AFEB8D2-E22B-437C-811B-E0BA6B3195BC}"/>
-              </a:ext>
-            </a:extLst>
-          </p:cNvPr>
-          <p:cNvSpPr txBox="1"/>
-          <p:nvPr/>
-        </p:nvSpPr>
-        <p:spPr>
-          <a:xfrm>
-            <a:off x="5702500" y="1640427"/>
-            <a:ext cx="925284" cy="646331"/>
-          </a:xfrm>
-          <a:prstGeom prst="rect">
-            <a:avLst/>
-          </a:prstGeom>
-          <a:noFill/>
-        </p:spPr>
-        <p:txBody>
-          <a:bodyPr wrap="square" rtlCol="0">
-            <a:spAutoFit/>
-          </a:bodyPr>
-          <a:lstStyle/>
-          <a:p>
-            <a:r>
-              <a:rPr lang="en-GB" dirty="0"/>
-              <a:t>Get the counts</a:t>
-            </a:r>
-          </a:p>
-        </p:txBody>
-      </p:sp>
-      <p:sp>
-        <p:nvSpPr>
-          <p:cNvPr id="39" name="Rectangle 38">
-            <a:extLst>
-              <a:ext uri="{FF2B5EF4-FFF2-40B4-BE49-F238E27FC236}">
-                <a16:creationId xmlns:a16="http://schemas.microsoft.com/office/drawing/2014/main" id="{2A2C42B2-E59A-4A2A-A58E-8E42CDC47BF4}"/>
-              </a:ext>
-            </a:extLst>
-          </p:cNvPr>
-          <p:cNvSpPr/>
-          <p:nvPr/>
-        </p:nvSpPr>
-        <p:spPr>
-          <a:xfrm>
-            <a:off x="7150972" y="3186585"/>
-            <a:ext cx="989045" cy="601467"/>
-          </a:xfrm>
-          <a:prstGeom prst="rect">
-            <a:avLst/>
-          </a:prstGeom>
-          <a:noFill/>
-        </p:spPr>
-        <p:style>
-          <a:lnRef idx="2">
-            <a:schemeClr val="accent1">
-              <a:shade val="50000"/>
-            </a:schemeClr>
-          </a:lnRef>
-          <a:fillRef idx="1">
-            <a:schemeClr val="accent1"/>
-          </a:fillRef>
-          <a:effectRef idx="0">
-            <a:schemeClr val="accent1"/>
-          </a:effectRef>
-          <a:fontRef idx="minor">
-            <a:schemeClr val="lt1"/>
-          </a:fontRef>
-        </p:style>
-        <p:txBody>
-          <a:bodyPr rtlCol="0" anchor="ctr"/>
-          <a:lstStyle/>
-          <a:p>
-            <a:pPr algn="ctr"/>
-            <a:endParaRPr lang="en-GB" dirty="0"/>
-          </a:p>
-        </p:txBody>
-      </p:sp>
-      <p:sp>
-        <p:nvSpPr>
-          <p:cNvPr id="40" name="TextBox 39">
-            <a:extLst>
-              <a:ext uri="{FF2B5EF4-FFF2-40B4-BE49-F238E27FC236}">
-                <a16:creationId xmlns:a16="http://schemas.microsoft.com/office/drawing/2014/main" id="{87107D51-79A6-46A5-9E1C-798028DA9816}"/>
-              </a:ext>
-            </a:extLst>
-          </p:cNvPr>
-          <p:cNvSpPr txBox="1"/>
-          <p:nvPr/>
-        </p:nvSpPr>
-        <p:spPr>
-          <a:xfrm>
-            <a:off x="7169634" y="3198070"/>
-            <a:ext cx="925284" cy="646331"/>
-          </a:xfrm>
-          <a:prstGeom prst="rect">
-            <a:avLst/>
-          </a:prstGeom>
-          <a:noFill/>
-        </p:spPr>
-        <p:txBody>
-          <a:bodyPr wrap="square" rtlCol="0">
-            <a:spAutoFit/>
-          </a:bodyPr>
-          <a:lstStyle/>
-          <a:p>
-            <a:r>
-              <a:rPr lang="en-GB" dirty="0"/>
-              <a:t>Get the counts</a:t>
-            </a:r>
-          </a:p>
-        </p:txBody>
-      </p:sp>
-      <p:cxnSp>
-        <p:nvCxnSpPr>
-          <p:cNvPr id="42" name="Straight Arrow Connector 41">
-            <a:extLst>
-              <a:ext uri="{FF2B5EF4-FFF2-40B4-BE49-F238E27FC236}">
-                <a16:creationId xmlns:a16="http://schemas.microsoft.com/office/drawing/2014/main" id="{F567DFEB-4833-45B0-BE8D-7B4E29E48511}"/>
-              </a:ext>
-            </a:extLst>
-          </p:cNvPr>
-          <p:cNvCxnSpPr/>
-          <p:nvPr/>
-        </p:nvCxnSpPr>
-        <p:spPr>
-          <a:xfrm>
-            <a:off x="4840782" y="1814303"/>
-            <a:ext cx="717288" cy="0"/>
+          <a:xfrm>
+            <a:off x="8563409" y="4536585"/>
+            <a:ext cx="1013254" cy="0"/>
           </a:xfrm>
           <a:prstGeom prst="straightConnector1">
             <a:avLst/>
@@ -9595,335 +10645,17 @@
           <p:cNvPr id="44" name="Straight Arrow Connector 43">
             <a:extLst>
               <a:ext uri="{FF2B5EF4-FFF2-40B4-BE49-F238E27FC236}">
-                <a16:creationId xmlns:a16="http://schemas.microsoft.com/office/drawing/2014/main" id="{9CAFE9AB-0D05-4FAE-BF8F-2B04BCE32201}"/>
-              </a:ext>
-            </a:extLst>
-          </p:cNvPr>
-          <p:cNvCxnSpPr>
-            <a:stCxn id="18" idx="3"/>
-          </p:cNvCxnSpPr>
+                <a16:creationId xmlns:a16="http://schemas.microsoft.com/office/drawing/2014/main" id="{E71BD098-6B49-4F07-845F-AD596DF2C44C}"/>
+              </a:ext>
+            </a:extLst>
+          </p:cNvPr>
+          <p:cNvCxnSpPr/>
           <p:nvPr/>
         </p:nvCxnSpPr>
         <p:spPr>
-          <a:xfrm flipV="1">
-            <a:off x="6627784" y="3429000"/>
-            <a:ext cx="390854" cy="5768"/>
-          </a:xfrm>
-          <a:prstGeom prst="straightConnector1">
-            <a:avLst/>
-          </a:prstGeom>
-          <a:ln>
-            <a:tailEnd type="triangle"/>
-          </a:ln>
-        </p:spPr>
-        <p:style>
-          <a:lnRef idx="1">
-            <a:schemeClr val="accent1"/>
-          </a:lnRef>
-          <a:fillRef idx="0">
-            <a:schemeClr val="accent1"/>
-          </a:fillRef>
-          <a:effectRef idx="0">
-            <a:schemeClr val="accent1"/>
-          </a:effectRef>
-          <a:fontRef idx="minor">
-            <a:schemeClr val="tx1"/>
-          </a:fontRef>
-        </p:style>
-      </p:cxnSp>
-      <p:sp>
-        <p:nvSpPr>
-          <p:cNvPr id="45" name="TextBox 44">
-            <a:extLst>
-              <a:ext uri="{FF2B5EF4-FFF2-40B4-BE49-F238E27FC236}">
-                <a16:creationId xmlns:a16="http://schemas.microsoft.com/office/drawing/2014/main" id="{257FA2C9-8B55-4574-A1B5-EDE30C859F15}"/>
-              </a:ext>
-            </a:extLst>
-          </p:cNvPr>
-          <p:cNvSpPr txBox="1"/>
-          <p:nvPr/>
-        </p:nvSpPr>
-        <p:spPr>
-          <a:xfrm>
-            <a:off x="9444641" y="3256835"/>
-            <a:ext cx="1360669" cy="923330"/>
-          </a:xfrm>
-          <a:prstGeom prst="rect">
-            <a:avLst/>
-          </a:prstGeom>
-          <a:noFill/>
-        </p:spPr>
-        <p:txBody>
-          <a:bodyPr wrap="square" rtlCol="0">
-            <a:spAutoFit/>
-          </a:bodyPr>
-          <a:lstStyle/>
-          <a:p>
-            <a:r>
-              <a:rPr lang="en-GB" dirty="0"/>
-              <a:t>Differential gene expression</a:t>
-            </a:r>
-          </a:p>
-        </p:txBody>
-      </p:sp>
-      <p:sp>
-        <p:nvSpPr>
-          <p:cNvPr id="46" name="Rectangle 45">
-            <a:extLst>
-              <a:ext uri="{FF2B5EF4-FFF2-40B4-BE49-F238E27FC236}">
-                <a16:creationId xmlns:a16="http://schemas.microsoft.com/office/drawing/2014/main" id="{E409935A-33F9-4583-ACAF-991EDCCC54C0}"/>
-              </a:ext>
-            </a:extLst>
-          </p:cNvPr>
-          <p:cNvSpPr/>
-          <p:nvPr/>
-        </p:nvSpPr>
-        <p:spPr>
-          <a:xfrm>
-            <a:off x="9365133" y="1113763"/>
-            <a:ext cx="1360672" cy="1327579"/>
-          </a:xfrm>
-          <a:prstGeom prst="rect">
-            <a:avLst/>
-          </a:prstGeom>
-          <a:noFill/>
-        </p:spPr>
-        <p:style>
-          <a:lnRef idx="2">
-            <a:schemeClr val="accent1">
-              <a:shade val="50000"/>
-            </a:schemeClr>
-          </a:lnRef>
-          <a:fillRef idx="1">
-            <a:schemeClr val="accent1"/>
-          </a:fillRef>
-          <a:effectRef idx="0">
-            <a:schemeClr val="accent1"/>
-          </a:effectRef>
-          <a:fontRef idx="minor">
-            <a:schemeClr val="lt1"/>
-          </a:fontRef>
-        </p:style>
-        <p:txBody>
-          <a:bodyPr rtlCol="0" anchor="ctr"/>
-          <a:lstStyle/>
-          <a:p>
-            <a:pPr algn="ctr"/>
-            <a:endParaRPr lang="en-GB" dirty="0"/>
-          </a:p>
-        </p:txBody>
-      </p:sp>
-      <p:sp>
-        <p:nvSpPr>
-          <p:cNvPr id="47" name="TextBox 46">
-            <a:extLst>
-              <a:ext uri="{FF2B5EF4-FFF2-40B4-BE49-F238E27FC236}">
-                <a16:creationId xmlns:a16="http://schemas.microsoft.com/office/drawing/2014/main" id="{76F56B1D-E1CD-45C8-9250-F7B98898A7A1}"/>
-              </a:ext>
-            </a:extLst>
-          </p:cNvPr>
-          <p:cNvSpPr txBox="1"/>
-          <p:nvPr/>
-        </p:nvSpPr>
-        <p:spPr>
-          <a:xfrm>
-            <a:off x="9365136" y="1200153"/>
-            <a:ext cx="1360669" cy="923330"/>
-          </a:xfrm>
-          <a:prstGeom prst="rect">
-            <a:avLst/>
-          </a:prstGeom>
-          <a:noFill/>
-        </p:spPr>
-        <p:txBody>
-          <a:bodyPr wrap="square" rtlCol="0">
-            <a:spAutoFit/>
-          </a:bodyPr>
-          <a:lstStyle/>
-          <a:p>
-            <a:r>
-              <a:rPr lang="en-GB" dirty="0"/>
-              <a:t>Differential gene expression</a:t>
-            </a:r>
-          </a:p>
-        </p:txBody>
-      </p:sp>
-      <p:sp>
-        <p:nvSpPr>
-          <p:cNvPr id="48" name="Rectangle 47">
-            <a:extLst>
-              <a:ext uri="{FF2B5EF4-FFF2-40B4-BE49-F238E27FC236}">
-                <a16:creationId xmlns:a16="http://schemas.microsoft.com/office/drawing/2014/main" id="{730702D2-78A0-45BB-90A1-03E9645B1764}"/>
-              </a:ext>
-            </a:extLst>
-          </p:cNvPr>
-          <p:cNvSpPr/>
-          <p:nvPr/>
-        </p:nvSpPr>
-        <p:spPr>
-          <a:xfrm>
-            <a:off x="9365133" y="4650176"/>
-            <a:ext cx="1360672" cy="1327579"/>
-          </a:xfrm>
-          <a:prstGeom prst="rect">
-            <a:avLst/>
-          </a:prstGeom>
-          <a:noFill/>
-        </p:spPr>
-        <p:style>
-          <a:lnRef idx="2">
-            <a:schemeClr val="accent1">
-              <a:shade val="50000"/>
-            </a:schemeClr>
-          </a:lnRef>
-          <a:fillRef idx="1">
-            <a:schemeClr val="accent1"/>
-          </a:fillRef>
-          <a:effectRef idx="0">
-            <a:schemeClr val="accent1"/>
-          </a:effectRef>
-          <a:fontRef idx="minor">
-            <a:schemeClr val="lt1"/>
-          </a:fontRef>
-        </p:style>
-        <p:txBody>
-          <a:bodyPr rtlCol="0" anchor="ctr"/>
-          <a:lstStyle/>
-          <a:p>
-            <a:pPr algn="ctr"/>
-            <a:endParaRPr lang="en-GB" dirty="0"/>
-          </a:p>
-        </p:txBody>
-      </p:sp>
-      <p:sp>
-        <p:nvSpPr>
-          <p:cNvPr id="49" name="TextBox 48">
-            <a:extLst>
-              <a:ext uri="{FF2B5EF4-FFF2-40B4-BE49-F238E27FC236}">
-                <a16:creationId xmlns:a16="http://schemas.microsoft.com/office/drawing/2014/main" id="{32927904-5E27-4B80-98CD-194BAC8E0778}"/>
-              </a:ext>
-            </a:extLst>
-          </p:cNvPr>
-          <p:cNvSpPr txBox="1"/>
-          <p:nvPr/>
-        </p:nvSpPr>
-        <p:spPr>
-          <a:xfrm>
-            <a:off x="9365136" y="4736566"/>
-            <a:ext cx="1360669" cy="923330"/>
-          </a:xfrm>
-          <a:prstGeom prst="rect">
-            <a:avLst/>
-          </a:prstGeom>
-          <a:noFill/>
-        </p:spPr>
-        <p:txBody>
-          <a:bodyPr wrap="square" rtlCol="0">
-            <a:spAutoFit/>
-          </a:bodyPr>
-          <a:lstStyle/>
-          <a:p>
-            <a:r>
-              <a:rPr lang="en-GB" dirty="0"/>
-              <a:t>Differential exon expression</a:t>
-            </a:r>
-          </a:p>
-        </p:txBody>
-      </p:sp>
-      <p:cxnSp>
-        <p:nvCxnSpPr>
-          <p:cNvPr id="51" name="Straight Arrow Connector 50">
-            <a:extLst>
-              <a:ext uri="{FF2B5EF4-FFF2-40B4-BE49-F238E27FC236}">
-                <a16:creationId xmlns:a16="http://schemas.microsoft.com/office/drawing/2014/main" id="{6F367B33-7562-44E5-98A0-67F245116CFD}"/>
-              </a:ext>
-            </a:extLst>
-          </p:cNvPr>
-          <p:cNvCxnSpPr/>
-          <p:nvPr/>
-        </p:nvCxnSpPr>
-        <p:spPr>
-          <a:xfrm>
-            <a:off x="8254314" y="3429000"/>
-            <a:ext cx="1013254" cy="0"/>
-          </a:xfrm>
-          <a:prstGeom prst="straightConnector1">
-            <a:avLst/>
-          </a:prstGeom>
-          <a:ln>
-            <a:tailEnd type="triangle"/>
-          </a:ln>
-        </p:spPr>
-        <p:style>
-          <a:lnRef idx="1">
-            <a:schemeClr val="accent1"/>
-          </a:lnRef>
-          <a:fillRef idx="0">
-            <a:schemeClr val="accent1"/>
-          </a:fillRef>
-          <a:effectRef idx="0">
-            <a:schemeClr val="accent1"/>
-          </a:effectRef>
-          <a:fontRef idx="minor">
-            <a:schemeClr val="tx1"/>
-          </a:fontRef>
-        </p:style>
-      </p:cxnSp>
-      <p:cxnSp>
-        <p:nvCxnSpPr>
-          <p:cNvPr id="53" name="Straight Arrow Connector 52">
-            <a:extLst>
-              <a:ext uri="{FF2B5EF4-FFF2-40B4-BE49-F238E27FC236}">
-                <a16:creationId xmlns:a16="http://schemas.microsoft.com/office/drawing/2014/main" id="{FE262884-F725-44CB-BA9D-BA8A01898DCE}"/>
-              </a:ext>
-            </a:extLst>
-          </p:cNvPr>
-          <p:cNvCxnSpPr/>
-          <p:nvPr/>
-        </p:nvCxnSpPr>
-        <p:spPr>
-          <a:xfrm>
-            <a:off x="8140017" y="3982659"/>
+          <a:xfrm>
+            <a:off x="8449112" y="5090244"/>
             <a:ext cx="1127551" cy="848833"/>
-          </a:xfrm>
-          <a:prstGeom prst="straightConnector1">
-            <a:avLst/>
-          </a:prstGeom>
-          <a:ln>
-            <a:tailEnd type="triangle"/>
-          </a:ln>
-        </p:spPr>
-        <p:style>
-          <a:lnRef idx="1">
-            <a:schemeClr val="accent1"/>
-          </a:lnRef>
-          <a:fillRef idx="0">
-            <a:schemeClr val="accent1"/>
-          </a:fillRef>
-          <a:effectRef idx="0">
-            <a:schemeClr val="accent1"/>
-          </a:effectRef>
-          <a:fontRef idx="minor">
-            <a:schemeClr val="tx1"/>
-          </a:fontRef>
-        </p:style>
-      </p:cxnSp>
-      <p:cxnSp>
-        <p:nvCxnSpPr>
-          <p:cNvPr id="56" name="Straight Arrow Connector 55">
-            <a:extLst>
-              <a:ext uri="{FF2B5EF4-FFF2-40B4-BE49-F238E27FC236}">
-                <a16:creationId xmlns:a16="http://schemas.microsoft.com/office/drawing/2014/main" id="{7002471E-23A7-4A18-8778-2096253986DB}"/>
-              </a:ext>
-            </a:extLst>
-          </p:cNvPr>
-          <p:cNvCxnSpPr/>
-          <p:nvPr/>
-        </p:nvCxnSpPr>
-        <p:spPr>
-          <a:xfrm>
-            <a:off x="6787166" y="1814303"/>
-            <a:ext cx="2279561" cy="0"/>
           </a:xfrm>
           <a:prstGeom prst="straightConnector1">
             <a:avLst/>
@@ -9950,7 +10682,7 @@
     </p:spTree>
     <p:extLst>
       <p:ext uri="{BB962C8B-B14F-4D97-AF65-F5344CB8AC3E}">
-        <p14:creationId xmlns:p14="http://schemas.microsoft.com/office/powerpoint/2010/main" val="2915572178"/>
+        <p14:creationId xmlns:p14="http://schemas.microsoft.com/office/powerpoint/2010/main" val="1552230391"/>
       </p:ext>
     </p:extLst>
   </p:cSld>
@@ -10010,7 +10742,7 @@
                   <a:srgbClr val="7030A0"/>
                 </a:solidFill>
               </a:rPr>
-              <a:t>6) Prepare data (already done)</a:t>
+              <a:t>6) Map to the genome(already done)</a:t>
             </a:r>
           </a:p>
         </p:txBody>
@@ -10045,20 +10777,55 @@
           <a:p>
             <a:r>
               <a:rPr lang="en-GB" sz="2400" dirty="0"/>
-              <a:t>Quality control and read trimming has been already performed (to save time!). Please see this if you would like a reminder: </a:t>
+              <a:t>Mapping to the genome would take over an hour and to “get the counts” also take ~ 2 hours …. So I have done this. How?</a:t>
+            </a:r>
+          </a:p>
+          <a:p>
+            <a:r>
+              <a:rPr lang="en-GB" sz="2400" b="1" dirty="0"/>
+              <a:t>Mapping</a:t>
+            </a:r>
+            <a:r>
+              <a:rPr lang="en-GB" sz="2400" dirty="0"/>
+              <a:t>:  spice aware aligner called STAR was used. (see shell scripts folder) </a:t>
             </a:r>
             <a:r>
               <a:rPr lang="en-GB" sz="2400" dirty="0">
                 <a:hlinkClick r:id="rId2"/>
               </a:rPr>
-              <a:t>https://github.com/peterthorpe5/genome_assembly_workshop/blob/master/powerpoint/6_assembly.pptx</a:t>
-            </a:r>
-            <a:endParaRPr lang="en-GB" sz="2400" dirty="0"/>
-          </a:p>
-          <a:p>
+              <a:t>https://github.com/alexdobin/STAR/blob/master/doc/STARmanual.pdf</a:t>
+            </a:r>
             <a:r>
               <a:rPr lang="en-GB" sz="2400" dirty="0"/>
-              <a:t> plus for me, trimming reads and QC is now like watching paint dry!</a:t>
+              <a:t> </a:t>
+            </a:r>
+          </a:p>
+          <a:p>
+            <a:r>
+              <a:rPr lang="en-GB" sz="2400" b="1" dirty="0"/>
+              <a:t>Counts</a:t>
+            </a:r>
+            <a:r>
+              <a:rPr lang="en-GB" sz="2400" dirty="0"/>
+              <a:t>: </a:t>
+            </a:r>
+            <a:r>
+              <a:rPr lang="en-GB" sz="2400" dirty="0" err="1"/>
+              <a:t>HTseq</a:t>
+            </a:r>
+            <a:r>
+              <a:rPr lang="en-GB" sz="2400" dirty="0"/>
+              <a:t> counts (</a:t>
+            </a:r>
+            <a:r>
+              <a:rPr lang="en-GB" sz="2400" dirty="0">
+                <a:hlinkClick r:id="rId3"/>
+              </a:rPr>
+              <a:t>https://htseq.readthedocs.io/en/release_0.11.1/count.html</a:t>
+            </a:r>
+            <a:r>
+              <a:rPr lang="en-GB" sz="2400" dirty="0"/>
+              <a:t>) </a:t>
             </a:r>
           </a:p>
           <a:p>
@@ -10192,11 +10959,7 @@
           <a:lstStyle/>
           <a:p>
             <a:r>
-              <a:rPr lang="en-GB" dirty="0">
-                <a:highlight>
-                  <a:srgbClr val="FFFF00"/>
-                </a:highlight>
-              </a:rPr>
+              <a:rPr lang="en-GB" dirty="0"/>
               <a:t>Quality control</a:t>
             </a:r>
           </a:p>
@@ -10319,11 +11082,7 @@
           <a:lstStyle/>
           <a:p>
             <a:r>
-              <a:rPr lang="en-GB" dirty="0">
-                <a:highlight>
-                  <a:srgbClr val="FFFF00"/>
-                </a:highlight>
-              </a:rPr>
+              <a:rPr lang="en-GB" dirty="0"/>
               <a:t>Quality trim</a:t>
             </a:r>
           </a:p>
@@ -10447,11 +11206,7 @@
           <a:lstStyle/>
           <a:p>
             <a:r>
-              <a:rPr lang="en-GB" dirty="0">
-                <a:highlight>
-                  <a:srgbClr val="FFFF00"/>
-                </a:highlight>
-              </a:rPr>
+              <a:rPr lang="en-GB" dirty="0"/>
               <a:t>Quality control</a:t>
             </a:r>
           </a:p>
@@ -10533,7 +11288,11 @@
           <a:lstStyle/>
           <a:p>
             <a:r>
-              <a:rPr lang="en-GB" dirty="0"/>
+              <a:rPr lang="en-GB" dirty="0">
+                <a:highlight>
+                  <a:srgbClr val="FFFF00"/>
+                </a:highlight>
+              </a:rPr>
               <a:t>Map to genome</a:t>
             </a:r>
           </a:p>
@@ -10553,7 +11312,7 @@
         </p:nvSpPr>
         <p:spPr>
           <a:xfrm>
-            <a:off x="9674228" y="4175047"/>
+            <a:off x="9674228" y="3788677"/>
             <a:ext cx="1360672" cy="1327579"/>
           </a:xfrm>
           <a:prstGeom prst="rect">
@@ -10586,47 +11345,6 @@
           </a:p>
         </p:txBody>
       </p:sp>
-      <p:cxnSp>
-        <p:nvCxnSpPr>
-          <p:cNvPr id="36" name="Straight Arrow Connector 35">
-            <a:extLst>
-              <a:ext uri="{FF2B5EF4-FFF2-40B4-BE49-F238E27FC236}">
-                <a16:creationId xmlns:a16="http://schemas.microsoft.com/office/drawing/2014/main" id="{6B3556CE-A315-434D-A7D0-E598C3C8B12A}"/>
-              </a:ext>
-            </a:extLst>
-          </p:cNvPr>
-          <p:cNvCxnSpPr>
-            <a:stCxn id="32" idx="0"/>
-          </p:cNvCxnSpPr>
-          <p:nvPr/>
-        </p:nvCxnSpPr>
-        <p:spPr>
-          <a:xfrm flipH="1" flipV="1">
-            <a:off x="4472039" y="3760776"/>
-            <a:ext cx="1" cy="506068"/>
-          </a:xfrm>
-          <a:prstGeom prst="straightConnector1">
-            <a:avLst/>
-          </a:prstGeom>
-          <a:ln>
-            <a:tailEnd type="triangle"/>
-          </a:ln>
-        </p:spPr>
-        <p:style>
-          <a:lnRef idx="1">
-            <a:schemeClr val="accent1"/>
-          </a:lnRef>
-          <a:fillRef idx="0">
-            <a:schemeClr val="accent1"/>
-          </a:fillRef>
-          <a:effectRef idx="0">
-            <a:schemeClr val="accent1"/>
-          </a:effectRef>
-          <a:fontRef idx="minor">
-            <a:schemeClr val="tx1"/>
-          </a:fontRef>
-        </p:style>
-      </p:cxnSp>
       <p:sp>
         <p:nvSpPr>
           <p:cNvPr id="37" name="Rectangle 36">
@@ -10703,7 +11421,11 @@
           <a:lstStyle/>
           <a:p>
             <a:r>
-              <a:rPr lang="en-GB" dirty="0"/>
+              <a:rPr lang="en-GB" dirty="0">
+                <a:highlight>
+                  <a:srgbClr val="FFFF00"/>
+                </a:highlight>
+              </a:rPr>
               <a:t>Get the counts</a:t>
             </a:r>
           </a:p>
@@ -10764,7 +11486,7 @@
         </p:nvSpPr>
         <p:spPr>
           <a:xfrm>
-            <a:off x="9753736" y="4364420"/>
+            <a:off x="9753736" y="3978050"/>
             <a:ext cx="1360669" cy="923330"/>
           </a:xfrm>
           <a:prstGeom prst="rect">
@@ -10799,7 +11521,7 @@
         </p:nvSpPr>
         <p:spPr>
           <a:xfrm>
-            <a:off x="9674228" y="5757761"/>
+            <a:off x="9674228" y="5358512"/>
             <a:ext cx="1360672" cy="1327579"/>
           </a:xfrm>
           <a:prstGeom prst="rect">
@@ -10846,7 +11568,7 @@
         </p:nvSpPr>
         <p:spPr>
           <a:xfrm>
-            <a:off x="9674231" y="5844151"/>
+            <a:off x="9674231" y="5457781"/>
             <a:ext cx="1360669" cy="923330"/>
           </a:xfrm>
           <a:prstGeom prst="rect">
@@ -10948,7 +11670,7 @@
     </p:spTree>
     <p:extLst>
       <p:ext uri="{BB962C8B-B14F-4D97-AF65-F5344CB8AC3E}">
-        <p14:creationId xmlns:p14="http://schemas.microsoft.com/office/powerpoint/2010/main" val="1552230391"/>
+        <p14:creationId xmlns:p14="http://schemas.microsoft.com/office/powerpoint/2010/main" val="3759203045"/>
       </p:ext>
     </p:extLst>
   </p:cSld>
@@ -11008,7 +11730,7 @@
                   <a:srgbClr val="7030A0"/>
                 </a:solidFill>
               </a:rPr>
-              <a:t>6) Map to the genome(already done)</a:t>
+              <a:t>6) Your work starts from here</a:t>
             </a:r>
           </a:p>
         </p:txBody>
@@ -11043,55 +11765,27 @@
           <a:p>
             <a:r>
               <a:rPr lang="en-GB" sz="2400" dirty="0"/>
-              <a:t>Mapping to the genome would take over an hour and to “get the counts” also take ~ 2 hours …. So I have done this. How?</a:t>
-            </a:r>
-          </a:p>
-          <a:p>
+              <a:t>We will start with </a:t>
+            </a:r>
             <a:r>
               <a:rPr lang="en-GB" sz="2400" b="1" dirty="0"/>
-              <a:t>Mapping</a:t>
+              <a:t>differential exon expression</a:t>
             </a:r>
             <a:r>
               <a:rPr lang="en-GB" sz="2400" dirty="0"/>
-              <a:t>:  spice aware aligner called STAR was used. (see shell scripts folder) </a:t>
-            </a:r>
-            <a:r>
-              <a:rPr lang="en-GB" sz="2400" dirty="0">
-                <a:hlinkClick r:id="rId2"/>
-              </a:rPr>
-              <a:t>https://github.com/alexdobin/STAR/blob/master/doc/STARmanual.pdf</a:t>
-            </a:r>
+              <a:t>. Try to identify exons that are DE between the conditions. </a:t>
+            </a:r>
+          </a:p>
+          <a:p>
             <a:r>
               <a:rPr lang="en-GB" sz="2400" dirty="0"/>
-              <a:t> </a:t>
-            </a:r>
-          </a:p>
-          <a:p>
-            <a:r>
-              <a:rPr lang="en-GB" sz="2400" b="1" dirty="0"/>
-              <a:t>Counts</a:t>
-            </a:r>
+              <a:t>This will yield a lovely click and browse output! Which is quite intuitive. </a:t>
+            </a:r>
+          </a:p>
+          <a:p>
             <a:r>
               <a:rPr lang="en-GB" sz="2400" dirty="0"/>
-              <a:t>: </a:t>
-            </a:r>
-            <a:r>
-              <a:rPr lang="en-GB" sz="2400" dirty="0" err="1"/>
-              <a:t>HTseq</a:t>
-            </a:r>
-            <a:r>
-              <a:rPr lang="en-GB" sz="2400" dirty="0"/>
-              <a:t> counts (</a:t>
-            </a:r>
-            <a:r>
-              <a:rPr lang="en-GB" sz="2400" dirty="0">
-                <a:hlinkClick r:id="rId3"/>
-              </a:rPr>
-              <a:t>https://htseq.readthedocs.io/en/release_0.11.1/count.html</a:t>
-            </a:r>
-            <a:r>
-              <a:rPr lang="en-GB" sz="2400" dirty="0"/>
-              <a:t>) </a:t>
+              <a:t>I know from the feedback, some did not like to be over reliant on copy and paste. But you cannot be expected to be able to do this … sorry, copy and paste is going to happen. </a:t>
             </a:r>
           </a:p>
           <a:p>
@@ -11554,11 +12248,7 @@
           <a:lstStyle/>
           <a:p>
             <a:r>
-              <a:rPr lang="en-GB" dirty="0">
-                <a:highlight>
-                  <a:srgbClr val="FFFF00"/>
-                </a:highlight>
-              </a:rPr>
+              <a:rPr lang="en-GB" dirty="0"/>
               <a:t>Map to genome</a:t>
             </a:r>
           </a:p>
@@ -11687,11 +12377,7 @@
           <a:lstStyle/>
           <a:p>
             <a:r>
-              <a:rPr lang="en-GB" dirty="0">
-                <a:highlight>
-                  <a:srgbClr val="FFFF00"/>
-                </a:highlight>
-              </a:rPr>
+              <a:rPr lang="en-GB" dirty="0"/>
               <a:t>Get the counts</a:t>
             </a:r>
           </a:p>
@@ -11849,7 +12535,11 @@
           <a:lstStyle/>
           <a:p>
             <a:r>
-              <a:rPr lang="en-GB" dirty="0"/>
+              <a:rPr lang="en-GB" dirty="0">
+                <a:highlight>
+                  <a:srgbClr val="FFFF00"/>
+                </a:highlight>
+              </a:rPr>
               <a:t>Differential exon expression</a:t>
             </a:r>
           </a:p>
@@ -11936,7 +12626,7 @@
     </p:spTree>
     <p:extLst>
       <p:ext uri="{BB962C8B-B14F-4D97-AF65-F5344CB8AC3E}">
-        <p14:creationId xmlns:p14="http://schemas.microsoft.com/office/powerpoint/2010/main" val="3759203045"/>
+        <p14:creationId xmlns:p14="http://schemas.microsoft.com/office/powerpoint/2010/main" val="2068788769"/>
       </p:ext>
     </p:extLst>
   </p:cSld>
@@ -11996,7 +12686,7 @@
                   <a:srgbClr val="7030A0"/>
                 </a:solidFill>
               </a:rPr>
-              <a:t>6) Your work starts from here</a:t>
+              <a:t>6) DE exon expression</a:t>
             </a:r>
           </a:p>
         </p:txBody>
@@ -12019,7 +12709,7 @@
         </p:nvSpPr>
         <p:spPr>
           <a:xfrm>
-            <a:off x="371474" y="1253331"/>
+            <a:off x="334404" y="972993"/>
             <a:ext cx="11701077" cy="5196896"/>
           </a:xfrm>
         </p:spPr>
@@ -12030,28 +12720,40 @@
           <a:lstStyle/>
           <a:p>
             <a:r>
+              <a:rPr lang="en-GB" sz="2400" b="1" dirty="0"/>
+              <a:t>Why is this cool? </a:t>
+            </a:r>
+            <a:r>
               <a:rPr lang="en-GB" sz="2400" dirty="0"/>
-              <a:t>We will start with </a:t>
-            </a:r>
-            <a:r>
-              <a:rPr lang="en-GB" sz="2400" b="1" dirty="0"/>
-              <a:t>differential exon expression</a:t>
+              <a:t>– well in a DE </a:t>
+            </a:r>
+            <a:r>
+              <a:rPr lang="en-GB" sz="2400" u="sng" dirty="0"/>
+              <a:t>gene</a:t>
             </a:r>
             <a:r>
               <a:rPr lang="en-GB" sz="2400" dirty="0"/>
-              <a:t>. Try to identify exons that are DE between the conditions. </a:t>
+              <a:t> analysis, the counts (number of reads mapping to) across the whole gene is taken as a single value. E.g. gene1 has 200 reads mapping to it. </a:t>
             </a:r>
           </a:p>
           <a:p>
             <a:r>
               <a:rPr lang="en-GB" sz="2400" dirty="0"/>
-              <a:t>This will yield a lovely click and browse output! Which is quite intuitive. </a:t>
-            </a:r>
-          </a:p>
-          <a:p>
+              <a:t>Therefore, any exons spiced out/ in or transcript, or isoform changes, are missed These may not alter the “value” assigned to the gene (gene1 could still be 200) – and therefore this gene will be ignored (not significantly changed) in any DE </a:t>
+            </a:r>
+            <a:r>
+              <a:rPr lang="en-GB" sz="2400" u="sng" dirty="0"/>
+              <a:t>gene</a:t>
+            </a:r>
             <a:r>
               <a:rPr lang="en-GB" sz="2400" dirty="0"/>
-              <a:t>I know from the feedback, some did not like to be over reliant on copy and paste. But you cannot be expected to be able to do this … sorry, copy and paste is going to happen. </a:t>
+              <a:t> analysis. </a:t>
+            </a:r>
+          </a:p>
+          <a:p>
+            <a:r>
+              <a:rPr lang="en-GB" sz="2400" dirty="0"/>
+              <a:t>Consider the following:</a:t>
             </a:r>
           </a:p>
           <a:p>
@@ -12068,100 +12770,47 @@
           </a:p>
         </p:txBody>
       </p:sp>
-      <p:sp>
-        <p:nvSpPr>
-          <p:cNvPr id="24" name="Rectangle 23">
-            <a:extLst>
-              <a:ext uri="{FF2B5EF4-FFF2-40B4-BE49-F238E27FC236}">
-                <a16:creationId xmlns:a16="http://schemas.microsoft.com/office/drawing/2014/main" id="{695D2912-3B8F-45D2-BD06-4DB921E5DC64}"/>
-              </a:ext>
-            </a:extLst>
-          </p:cNvPr>
-          <p:cNvSpPr/>
-          <p:nvPr/>
-        </p:nvSpPr>
-        <p:spPr>
-          <a:xfrm>
-            <a:off x="544630" y="4280245"/>
-            <a:ext cx="989045" cy="601467"/>
+      <p:pic>
+        <p:nvPicPr>
+          <p:cNvPr id="36" name="Picture 35">
+            <a:extLst>
+              <a:ext uri="{FF2B5EF4-FFF2-40B4-BE49-F238E27FC236}">
+                <a16:creationId xmlns:a16="http://schemas.microsoft.com/office/drawing/2014/main" id="{D962C17B-EDB1-482D-9A68-E866F10E38E6}"/>
+              </a:ext>
+            </a:extLst>
+          </p:cNvPr>
+          <p:cNvPicPr>
+            <a:picLocks noChangeAspect="1"/>
+          </p:cNvPicPr>
+          <p:nvPr/>
+        </p:nvPicPr>
+        <p:blipFill rotWithShape="1">
+          <a:blip r:embed="rId2">
+            <a:extLst>
+              <a:ext uri="{28A0092B-C50C-407E-A947-70E740481C1C}">
+                <a14:useLocalDpi xmlns:a14="http://schemas.microsoft.com/office/drawing/2010/main" val="0"/>
+              </a:ext>
+            </a:extLst>
+          </a:blip>
+          <a:srcRect/>
+          <a:stretch/>
+        </p:blipFill>
+        <p:spPr>
+          <a:xfrm>
+            <a:off x="2978133" y="3571441"/>
+            <a:ext cx="4306446" cy="317500"/>
           </a:xfrm>
           <a:prstGeom prst="rect">
             <a:avLst/>
           </a:prstGeom>
-          <a:noFill/>
-        </p:spPr>
-        <p:style>
-          <a:lnRef idx="2">
-            <a:schemeClr val="accent1">
-              <a:shade val="50000"/>
-            </a:schemeClr>
-          </a:lnRef>
-          <a:fillRef idx="1">
-            <a:schemeClr val="accent1"/>
-          </a:fillRef>
-          <a:effectRef idx="0">
-            <a:schemeClr val="accent1"/>
-          </a:effectRef>
-          <a:fontRef idx="minor">
-            <a:schemeClr val="lt1"/>
-          </a:fontRef>
-        </p:style>
-        <p:txBody>
-          <a:bodyPr rtlCol="0" anchor="ctr"/>
-          <a:lstStyle/>
-          <a:p>
-            <a:pPr algn="ctr"/>
-            <a:endParaRPr lang="en-GB" dirty="0"/>
-          </a:p>
-        </p:txBody>
-      </p:sp>
-      <p:cxnSp>
-        <p:nvCxnSpPr>
-          <p:cNvPr id="25" name="Straight Arrow Connector 24">
-            <a:extLst>
-              <a:ext uri="{FF2B5EF4-FFF2-40B4-BE49-F238E27FC236}">
-                <a16:creationId xmlns:a16="http://schemas.microsoft.com/office/drawing/2014/main" id="{A9B2A0F5-5692-40E1-AF44-A89495AD9AA5}"/>
-              </a:ext>
-            </a:extLst>
-          </p:cNvPr>
-          <p:cNvCxnSpPr>
-            <a:stCxn id="24" idx="3"/>
-          </p:cNvCxnSpPr>
-          <p:nvPr/>
-        </p:nvCxnSpPr>
-        <p:spPr>
-          <a:xfrm flipV="1">
-            <a:off x="1533675" y="4578825"/>
-            <a:ext cx="718458" cy="2154"/>
-          </a:xfrm>
-          <a:prstGeom prst="straightConnector1">
-            <a:avLst/>
-          </a:prstGeom>
-          <a:ln>
-            <a:tailEnd type="triangle"/>
-          </a:ln>
-        </p:spPr>
-        <p:style>
-          <a:lnRef idx="1">
-            <a:schemeClr val="accent1"/>
-          </a:lnRef>
-          <a:fillRef idx="0">
-            <a:schemeClr val="accent1"/>
-          </a:fillRef>
-          <a:effectRef idx="0">
-            <a:schemeClr val="accent1"/>
-          </a:effectRef>
-          <a:fontRef idx="minor">
-            <a:schemeClr val="tx1"/>
-          </a:fontRef>
-        </p:style>
-      </p:cxnSp>
-      <p:sp>
-        <p:nvSpPr>
-          <p:cNvPr id="26" name="TextBox 25">
-            <a:extLst>
-              <a:ext uri="{FF2B5EF4-FFF2-40B4-BE49-F238E27FC236}">
-                <a16:creationId xmlns:a16="http://schemas.microsoft.com/office/drawing/2014/main" id="{6D90F02B-8FE5-4D07-9526-4CA946914F41}"/>
+        </p:spPr>
+      </p:pic>
+      <p:sp>
+        <p:nvSpPr>
+          <p:cNvPr id="4" name="TextBox 3">
+            <a:extLst>
+              <a:ext uri="{FF2B5EF4-FFF2-40B4-BE49-F238E27FC236}">
+                <a16:creationId xmlns:a16="http://schemas.microsoft.com/office/drawing/2014/main" id="{FE3A26A7-CB7A-44E7-BD24-E4979F7298D3}"/>
               </a:ext>
             </a:extLst>
           </p:cNvPr>
@@ -12170,8 +12819,8 @@
         </p:nvSpPr>
         <p:spPr>
           <a:xfrm>
-            <a:off x="563292" y="4291730"/>
-            <a:ext cx="925284" cy="646331"/>
+            <a:off x="1476374" y="3888941"/>
+            <a:ext cx="8086726" cy="1200329"/>
           </a:xfrm>
           <a:prstGeom prst="rect">
             <a:avLst/>
@@ -12186,713 +12835,237 @@
           <a:p>
             <a:r>
               <a:rPr lang="en-GB" dirty="0"/>
-              <a:t>Quality control</a:t>
-            </a:r>
-          </a:p>
-        </p:txBody>
-      </p:sp>
-      <p:sp>
-        <p:nvSpPr>
-          <p:cNvPr id="27" name="Rectangle 26">
-            <a:extLst>
-              <a:ext uri="{FF2B5EF4-FFF2-40B4-BE49-F238E27FC236}">
-                <a16:creationId xmlns:a16="http://schemas.microsoft.com/office/drawing/2014/main" id="{B2298011-B44D-4743-BBCD-35285E61B3F3}"/>
-              </a:ext>
-            </a:extLst>
-          </p:cNvPr>
-          <p:cNvSpPr/>
-          <p:nvPr/>
-        </p:nvSpPr>
-        <p:spPr>
-          <a:xfrm>
-            <a:off x="2245913" y="4264691"/>
-            <a:ext cx="989045" cy="601467"/>
-          </a:xfrm>
-          <a:prstGeom prst="rect">
-            <a:avLst/>
-          </a:prstGeom>
-          <a:noFill/>
-        </p:spPr>
-        <p:style>
-          <a:lnRef idx="2">
-            <a:schemeClr val="accent1">
-              <a:shade val="50000"/>
-            </a:schemeClr>
-          </a:lnRef>
-          <a:fillRef idx="1">
-            <a:schemeClr val="accent1"/>
-          </a:fillRef>
-          <a:effectRef idx="0">
-            <a:schemeClr val="accent1"/>
-          </a:effectRef>
-          <a:fontRef idx="minor">
-            <a:schemeClr val="lt1"/>
-          </a:fontRef>
-        </p:style>
-        <p:txBody>
-          <a:bodyPr rtlCol="0" anchor="ctr"/>
-          <a:lstStyle/>
-          <a:p>
-            <a:pPr algn="ctr"/>
+              <a:t>Condition A       0    100   100 		  0                           0        TOTAL = 200</a:t>
+            </a:r>
+          </a:p>
+          <a:p>
+            <a:r>
+              <a:rPr lang="en-GB" dirty="0"/>
+              <a:t>Condition B       40	40     40		  40	             40       TOTAL = 200</a:t>
+            </a:r>
+          </a:p>
+          <a:p>
+            <a:r>
+              <a:rPr lang="en-GB" dirty="0"/>
+              <a:t>Condition C       40	40     40		  40	             40       TOTAL = 200</a:t>
+            </a:r>
+          </a:p>
+          <a:p>
             <a:endParaRPr lang="en-GB" dirty="0"/>
           </a:p>
         </p:txBody>
       </p:sp>
-      <p:cxnSp>
-        <p:nvCxnSpPr>
-          <p:cNvPr id="28" name="Straight Arrow Connector 27">
-            <a:extLst>
-              <a:ext uri="{FF2B5EF4-FFF2-40B4-BE49-F238E27FC236}">
-                <a16:creationId xmlns:a16="http://schemas.microsoft.com/office/drawing/2014/main" id="{07DCAF48-C201-4213-BCA3-70569BC79C1D}"/>
-              </a:ext>
-            </a:extLst>
-          </p:cNvPr>
-          <p:cNvCxnSpPr>
-            <a:stCxn id="27" idx="3"/>
-          </p:cNvCxnSpPr>
-          <p:nvPr/>
-        </p:nvCxnSpPr>
-        <p:spPr>
-          <a:xfrm flipV="1">
-            <a:off x="3234958" y="4563271"/>
-            <a:ext cx="718458" cy="2154"/>
-          </a:xfrm>
-          <a:prstGeom prst="straightConnector1">
-            <a:avLst/>
-          </a:prstGeom>
-          <a:ln>
-            <a:tailEnd type="triangle"/>
-          </a:ln>
-        </p:spPr>
-        <p:style>
-          <a:lnRef idx="1">
-            <a:schemeClr val="accent1"/>
-          </a:lnRef>
-          <a:fillRef idx="0">
-            <a:schemeClr val="accent1"/>
-          </a:fillRef>
-          <a:effectRef idx="0">
-            <a:schemeClr val="accent1"/>
-          </a:effectRef>
-          <a:fontRef idx="minor">
-            <a:schemeClr val="tx1"/>
-          </a:fontRef>
-        </p:style>
-      </p:cxnSp>
-      <p:sp>
-        <p:nvSpPr>
-          <p:cNvPr id="29" name="TextBox 28">
-            <a:extLst>
-              <a:ext uri="{FF2B5EF4-FFF2-40B4-BE49-F238E27FC236}">
-                <a16:creationId xmlns:a16="http://schemas.microsoft.com/office/drawing/2014/main" id="{8BD18CC5-AE45-45CA-828D-5A2E75DFDBBB}"/>
-              </a:ext>
-            </a:extLst>
-          </p:cNvPr>
-          <p:cNvSpPr txBox="1"/>
-          <p:nvPr/>
-        </p:nvSpPr>
-        <p:spPr>
-          <a:xfrm>
-            <a:off x="2264575" y="4276176"/>
-            <a:ext cx="925284" cy="646331"/>
-          </a:xfrm>
-          <a:prstGeom prst="rect">
-            <a:avLst/>
-          </a:prstGeom>
-          <a:noFill/>
-        </p:spPr>
-        <p:txBody>
-          <a:bodyPr wrap="square" rtlCol="0">
-            <a:spAutoFit/>
-          </a:bodyPr>
-          <a:lstStyle/>
-          <a:p>
-            <a:r>
-              <a:rPr lang="en-GB" dirty="0"/>
-              <a:t>Quality trim</a:t>
-            </a:r>
-          </a:p>
-        </p:txBody>
-      </p:sp>
-      <p:sp>
-        <p:nvSpPr>
-          <p:cNvPr id="30" name="Rectangle 29">
-            <a:extLst>
-              <a:ext uri="{FF2B5EF4-FFF2-40B4-BE49-F238E27FC236}">
-                <a16:creationId xmlns:a16="http://schemas.microsoft.com/office/drawing/2014/main" id="{EB91BDEA-F1AF-4D44-A9D0-B80CCC9D0B84}"/>
-              </a:ext>
-            </a:extLst>
-          </p:cNvPr>
-          <p:cNvSpPr/>
-          <p:nvPr/>
-        </p:nvSpPr>
-        <p:spPr>
-          <a:xfrm>
-            <a:off x="3990736" y="4255359"/>
-            <a:ext cx="989045" cy="601467"/>
-          </a:xfrm>
-          <a:prstGeom prst="rect">
-            <a:avLst/>
-          </a:prstGeom>
-          <a:noFill/>
-        </p:spPr>
-        <p:style>
-          <a:lnRef idx="2">
-            <a:schemeClr val="accent1">
-              <a:shade val="50000"/>
-            </a:schemeClr>
-          </a:lnRef>
-          <a:fillRef idx="1">
-            <a:schemeClr val="accent1"/>
-          </a:fillRef>
-          <a:effectRef idx="0">
-            <a:schemeClr val="accent1"/>
-          </a:effectRef>
-          <a:fontRef idx="minor">
-            <a:schemeClr val="lt1"/>
-          </a:fontRef>
-        </p:style>
-        <p:txBody>
-          <a:bodyPr rtlCol="0" anchor="ctr"/>
-          <a:lstStyle/>
-          <a:p>
-            <a:pPr algn="ctr"/>
-            <a:endParaRPr lang="en-GB" dirty="0"/>
-          </a:p>
-        </p:txBody>
-      </p:sp>
-      <p:cxnSp>
-        <p:nvCxnSpPr>
-          <p:cNvPr id="31" name="Straight Arrow Connector 30">
-            <a:extLst>
-              <a:ext uri="{FF2B5EF4-FFF2-40B4-BE49-F238E27FC236}">
-                <a16:creationId xmlns:a16="http://schemas.microsoft.com/office/drawing/2014/main" id="{E65AE67B-84E0-4C4A-9DA2-57AA75571B41}"/>
-              </a:ext>
-            </a:extLst>
-          </p:cNvPr>
-          <p:cNvCxnSpPr>
-            <a:cxnSpLocks/>
-            <a:stCxn id="30" idx="3"/>
-          </p:cNvCxnSpPr>
-          <p:nvPr/>
-        </p:nvCxnSpPr>
-        <p:spPr>
-          <a:xfrm flipV="1">
-            <a:off x="4979781" y="4553939"/>
-            <a:ext cx="718458" cy="2154"/>
-          </a:xfrm>
-          <a:prstGeom prst="straightConnector1">
-            <a:avLst/>
-          </a:prstGeom>
-          <a:ln>
-            <a:tailEnd type="triangle"/>
-          </a:ln>
-        </p:spPr>
-        <p:style>
-          <a:lnRef idx="1">
-            <a:schemeClr val="accent1"/>
-          </a:lnRef>
-          <a:fillRef idx="0">
-            <a:schemeClr val="accent1"/>
-          </a:fillRef>
-          <a:effectRef idx="0">
-            <a:schemeClr val="accent1"/>
-          </a:effectRef>
-          <a:fontRef idx="minor">
-            <a:schemeClr val="tx1"/>
-          </a:fontRef>
-        </p:style>
-      </p:cxnSp>
-      <p:sp>
-        <p:nvSpPr>
-          <p:cNvPr id="32" name="TextBox 31">
-            <a:extLst>
-              <a:ext uri="{FF2B5EF4-FFF2-40B4-BE49-F238E27FC236}">
-                <a16:creationId xmlns:a16="http://schemas.microsoft.com/office/drawing/2014/main" id="{6308FA4B-2800-4E5E-B1E8-EEA480ECD815}"/>
-              </a:ext>
-            </a:extLst>
-          </p:cNvPr>
-          <p:cNvSpPr txBox="1"/>
-          <p:nvPr/>
-        </p:nvSpPr>
-        <p:spPr>
-          <a:xfrm>
-            <a:off x="4009398" y="4266844"/>
-            <a:ext cx="925284" cy="646331"/>
-          </a:xfrm>
-          <a:prstGeom prst="rect">
-            <a:avLst/>
-          </a:prstGeom>
-          <a:noFill/>
-        </p:spPr>
-        <p:txBody>
-          <a:bodyPr wrap="square" rtlCol="0">
-            <a:spAutoFit/>
-          </a:bodyPr>
-          <a:lstStyle/>
-          <a:p>
-            <a:r>
-              <a:rPr lang="en-GB" dirty="0"/>
-              <a:t>Quality control</a:t>
-            </a:r>
-          </a:p>
-        </p:txBody>
-      </p:sp>
-      <p:sp>
-        <p:nvSpPr>
-          <p:cNvPr id="33" name="Rectangle 32">
-            <a:extLst>
-              <a:ext uri="{FF2B5EF4-FFF2-40B4-BE49-F238E27FC236}">
-                <a16:creationId xmlns:a16="http://schemas.microsoft.com/office/drawing/2014/main" id="{FDE39C85-3C32-43E2-B135-6BBDF9AB9A69}"/>
-              </a:ext>
-            </a:extLst>
-          </p:cNvPr>
-          <p:cNvSpPr/>
-          <p:nvPr/>
-        </p:nvSpPr>
-        <p:spPr>
-          <a:xfrm>
-            <a:off x="5868335" y="4216886"/>
-            <a:ext cx="989036" cy="873358"/>
-          </a:xfrm>
-          <a:prstGeom prst="rect">
-            <a:avLst/>
-          </a:prstGeom>
-          <a:noFill/>
-        </p:spPr>
-        <p:style>
-          <a:lnRef idx="2">
-            <a:schemeClr val="accent1">
-              <a:shade val="50000"/>
-            </a:schemeClr>
-          </a:lnRef>
-          <a:fillRef idx="1">
-            <a:schemeClr val="accent1"/>
-          </a:fillRef>
-          <a:effectRef idx="0">
-            <a:schemeClr val="accent1"/>
-          </a:effectRef>
-          <a:fontRef idx="minor">
-            <a:schemeClr val="lt1"/>
-          </a:fontRef>
-        </p:style>
-        <p:txBody>
-          <a:bodyPr rtlCol="0" anchor="ctr"/>
-          <a:lstStyle/>
-          <a:p>
-            <a:pPr algn="ctr"/>
-            <a:endParaRPr lang="en-GB" dirty="0"/>
-          </a:p>
-        </p:txBody>
-      </p:sp>
-      <p:sp>
-        <p:nvSpPr>
-          <p:cNvPr id="34" name="TextBox 33">
-            <a:extLst>
-              <a:ext uri="{FF2B5EF4-FFF2-40B4-BE49-F238E27FC236}">
-                <a16:creationId xmlns:a16="http://schemas.microsoft.com/office/drawing/2014/main" id="{1A561BE4-0CBA-42EF-B3AD-42C1D640B0EE}"/>
-              </a:ext>
-            </a:extLst>
-          </p:cNvPr>
-          <p:cNvSpPr txBox="1"/>
-          <p:nvPr/>
-        </p:nvSpPr>
-        <p:spPr>
-          <a:xfrm>
-            <a:off x="5937970" y="4219187"/>
-            <a:ext cx="998909" cy="646331"/>
-          </a:xfrm>
-          <a:prstGeom prst="rect">
-            <a:avLst/>
-          </a:prstGeom>
-          <a:noFill/>
-        </p:spPr>
-        <p:txBody>
-          <a:bodyPr wrap="square" rtlCol="0">
-            <a:spAutoFit/>
-          </a:bodyPr>
-          <a:lstStyle/>
-          <a:p>
-            <a:r>
-              <a:rPr lang="en-GB" dirty="0"/>
-              <a:t>Map to genome</a:t>
-            </a:r>
-          </a:p>
-        </p:txBody>
-      </p:sp>
-      <p:sp>
-        <p:nvSpPr>
-          <p:cNvPr id="35" name="Rectangle 34">
-            <a:extLst>
-              <a:ext uri="{FF2B5EF4-FFF2-40B4-BE49-F238E27FC236}">
-                <a16:creationId xmlns:a16="http://schemas.microsoft.com/office/drawing/2014/main" id="{713750FF-A72A-4080-9697-A6EA5ED420D2}"/>
-              </a:ext>
-            </a:extLst>
-          </p:cNvPr>
-          <p:cNvSpPr/>
-          <p:nvPr/>
-        </p:nvSpPr>
-        <p:spPr>
-          <a:xfrm>
-            <a:off x="9674228" y="3788677"/>
-            <a:ext cx="1360672" cy="1327579"/>
-          </a:xfrm>
-          <a:prstGeom prst="rect">
-            <a:avLst/>
-          </a:prstGeom>
-          <a:noFill/>
-        </p:spPr>
-        <p:style>
-          <a:lnRef idx="2">
-            <a:schemeClr val="accent1">
-              <a:shade val="50000"/>
-            </a:schemeClr>
-          </a:lnRef>
-          <a:fillRef idx="1">
-            <a:schemeClr val="accent1"/>
-          </a:fillRef>
-          <a:effectRef idx="0">
-            <a:schemeClr val="accent1"/>
-          </a:effectRef>
-          <a:fontRef idx="minor">
-            <a:schemeClr val="lt1"/>
-          </a:fontRef>
-        </p:style>
-        <p:txBody>
-          <a:bodyPr rtlCol="0" anchor="ctr"/>
-          <a:lstStyle/>
-          <a:p>
-            <a:pPr algn="ctr"/>
-            <a:endParaRPr lang="en-GB" dirty="0"/>
-          </a:p>
-        </p:txBody>
-      </p:sp>
-      <p:sp>
-        <p:nvSpPr>
-          <p:cNvPr id="37" name="Rectangle 36">
-            <a:extLst>
-              <a:ext uri="{FF2B5EF4-FFF2-40B4-BE49-F238E27FC236}">
-                <a16:creationId xmlns:a16="http://schemas.microsoft.com/office/drawing/2014/main" id="{80C2CCEA-9F2E-494D-95C2-013CF36C1C51}"/>
-              </a:ext>
-            </a:extLst>
-          </p:cNvPr>
-          <p:cNvSpPr/>
-          <p:nvPr/>
-        </p:nvSpPr>
-        <p:spPr>
-          <a:xfrm>
-            <a:off x="7460067" y="4294170"/>
-            <a:ext cx="989045" cy="601467"/>
-          </a:xfrm>
-          <a:prstGeom prst="rect">
-            <a:avLst/>
-          </a:prstGeom>
-          <a:noFill/>
-        </p:spPr>
-        <p:style>
-          <a:lnRef idx="2">
-            <a:schemeClr val="accent1">
-              <a:shade val="50000"/>
-            </a:schemeClr>
-          </a:lnRef>
-          <a:fillRef idx="1">
-            <a:schemeClr val="accent1"/>
-          </a:fillRef>
-          <a:effectRef idx="0">
-            <a:schemeClr val="accent1"/>
-          </a:effectRef>
-          <a:fontRef idx="minor">
-            <a:schemeClr val="lt1"/>
-          </a:fontRef>
-        </p:style>
-        <p:txBody>
-          <a:bodyPr rtlCol="0" anchor="ctr"/>
-          <a:lstStyle/>
-          <a:p>
-            <a:pPr algn="ctr"/>
-            <a:endParaRPr lang="en-GB" dirty="0"/>
-          </a:p>
-        </p:txBody>
-      </p:sp>
-      <p:sp>
-        <p:nvSpPr>
-          <p:cNvPr id="38" name="TextBox 37">
-            <a:extLst>
-              <a:ext uri="{FF2B5EF4-FFF2-40B4-BE49-F238E27FC236}">
-                <a16:creationId xmlns:a16="http://schemas.microsoft.com/office/drawing/2014/main" id="{24D8575C-AD81-4606-93DC-70CE5EA2E525}"/>
-              </a:ext>
-            </a:extLst>
-          </p:cNvPr>
-          <p:cNvSpPr txBox="1"/>
-          <p:nvPr/>
-        </p:nvSpPr>
-        <p:spPr>
-          <a:xfrm>
-            <a:off x="7478729" y="4305655"/>
-            <a:ext cx="925284" cy="646331"/>
-          </a:xfrm>
-          <a:prstGeom prst="rect">
-            <a:avLst/>
-          </a:prstGeom>
-          <a:noFill/>
-        </p:spPr>
-        <p:txBody>
-          <a:bodyPr wrap="square" rtlCol="0">
-            <a:spAutoFit/>
-          </a:bodyPr>
-          <a:lstStyle/>
-          <a:p>
-            <a:r>
-              <a:rPr lang="en-GB" dirty="0"/>
-              <a:t>Get the counts</a:t>
-            </a:r>
-          </a:p>
-        </p:txBody>
-      </p:sp>
-      <p:cxnSp>
-        <p:nvCxnSpPr>
-          <p:cNvPr id="39" name="Straight Arrow Connector 38">
-            <a:extLst>
-              <a:ext uri="{FF2B5EF4-FFF2-40B4-BE49-F238E27FC236}">
-                <a16:creationId xmlns:a16="http://schemas.microsoft.com/office/drawing/2014/main" id="{1A862807-1F28-4A5D-9923-23EBF03E342B}"/>
-              </a:ext>
-            </a:extLst>
-          </p:cNvPr>
-          <p:cNvCxnSpPr>
-            <a:stCxn id="34" idx="3"/>
-          </p:cNvCxnSpPr>
-          <p:nvPr/>
-        </p:nvCxnSpPr>
-        <p:spPr>
-          <a:xfrm flipV="1">
-            <a:off x="6936879" y="4536585"/>
-            <a:ext cx="390854" cy="5768"/>
-          </a:xfrm>
-          <a:prstGeom prst="straightConnector1">
-            <a:avLst/>
-          </a:prstGeom>
-          <a:ln>
-            <a:tailEnd type="triangle"/>
-          </a:ln>
-        </p:spPr>
-        <p:style>
-          <a:lnRef idx="1">
-            <a:schemeClr val="accent1"/>
-          </a:lnRef>
-          <a:fillRef idx="0">
-            <a:schemeClr val="accent1"/>
-          </a:fillRef>
-          <a:effectRef idx="0">
-            <a:schemeClr val="accent1"/>
-          </a:effectRef>
-          <a:fontRef idx="minor">
-            <a:schemeClr val="tx1"/>
-          </a:fontRef>
-        </p:style>
-      </p:cxnSp>
-      <p:sp>
-        <p:nvSpPr>
-          <p:cNvPr id="40" name="TextBox 39">
-            <a:extLst>
-              <a:ext uri="{FF2B5EF4-FFF2-40B4-BE49-F238E27FC236}">
-                <a16:creationId xmlns:a16="http://schemas.microsoft.com/office/drawing/2014/main" id="{2C98CD00-CC9A-4D12-865C-5209512BDC1D}"/>
-              </a:ext>
-            </a:extLst>
-          </p:cNvPr>
-          <p:cNvSpPr txBox="1"/>
-          <p:nvPr/>
-        </p:nvSpPr>
-        <p:spPr>
-          <a:xfrm>
-            <a:off x="9753736" y="3978050"/>
-            <a:ext cx="1360669" cy="923330"/>
-          </a:xfrm>
-          <a:prstGeom prst="rect">
-            <a:avLst/>
-          </a:prstGeom>
-          <a:noFill/>
-        </p:spPr>
-        <p:txBody>
-          <a:bodyPr wrap="square" rtlCol="0">
-            <a:spAutoFit/>
-          </a:bodyPr>
-          <a:lstStyle/>
-          <a:p>
-            <a:r>
-              <a:rPr lang="en-GB" dirty="0"/>
-              <a:t>Differential gene expression</a:t>
-            </a:r>
-          </a:p>
-        </p:txBody>
-      </p:sp>
-      <p:sp>
-        <p:nvSpPr>
-          <p:cNvPr id="41" name="Rectangle 40">
-            <a:extLst>
-              <a:ext uri="{FF2B5EF4-FFF2-40B4-BE49-F238E27FC236}">
-                <a16:creationId xmlns:a16="http://schemas.microsoft.com/office/drawing/2014/main" id="{637ED78D-05DB-4FE1-9C28-BC0608651F29}"/>
-              </a:ext>
-            </a:extLst>
-          </p:cNvPr>
-          <p:cNvSpPr/>
-          <p:nvPr/>
-        </p:nvSpPr>
-        <p:spPr>
-          <a:xfrm>
-            <a:off x="9674228" y="5358512"/>
-            <a:ext cx="1360672" cy="1327579"/>
-          </a:xfrm>
-          <a:prstGeom prst="rect">
-            <a:avLst/>
-          </a:prstGeom>
-          <a:noFill/>
-        </p:spPr>
-        <p:style>
-          <a:lnRef idx="2">
-            <a:schemeClr val="accent1">
-              <a:shade val="50000"/>
-            </a:schemeClr>
-          </a:lnRef>
-          <a:fillRef idx="1">
-            <a:schemeClr val="accent1"/>
-          </a:fillRef>
-          <a:effectRef idx="0">
-            <a:schemeClr val="accent1"/>
-          </a:effectRef>
-          <a:fontRef idx="minor">
-            <a:schemeClr val="lt1"/>
-          </a:fontRef>
-        </p:style>
-        <p:txBody>
-          <a:bodyPr rtlCol="0" anchor="ctr"/>
-          <a:lstStyle/>
-          <a:p>
-            <a:pPr algn="ctr"/>
-            <a:endParaRPr lang="en-GB" dirty="0"/>
-          </a:p>
-        </p:txBody>
-      </p:sp>
-      <p:sp>
-        <p:nvSpPr>
-          <p:cNvPr id="42" name="TextBox 41">
-            <a:extLst>
-              <a:ext uri="{FF2B5EF4-FFF2-40B4-BE49-F238E27FC236}">
-                <a16:creationId xmlns:a16="http://schemas.microsoft.com/office/drawing/2014/main" id="{4C4C4262-E52D-4D82-8617-B9868FCB8A07}"/>
-              </a:ext>
-            </a:extLst>
-          </p:cNvPr>
-          <p:cNvSpPr txBox="1"/>
-          <p:nvPr/>
-        </p:nvSpPr>
-        <p:spPr>
-          <a:xfrm>
-            <a:off x="9674231" y="5457781"/>
-            <a:ext cx="1360669" cy="923330"/>
-          </a:xfrm>
-          <a:prstGeom prst="rect">
-            <a:avLst/>
-          </a:prstGeom>
-          <a:noFill/>
-        </p:spPr>
-        <p:txBody>
-          <a:bodyPr wrap="square" rtlCol="0">
-            <a:spAutoFit/>
-          </a:bodyPr>
-          <a:lstStyle/>
-          <a:p>
-            <a:r>
-              <a:rPr lang="en-GB" dirty="0">
-                <a:highlight>
-                  <a:srgbClr val="FFFF00"/>
-                </a:highlight>
-              </a:rPr>
-              <a:t>Differential exon expression</a:t>
-            </a:r>
-          </a:p>
-        </p:txBody>
-      </p:sp>
-      <p:cxnSp>
-        <p:nvCxnSpPr>
-          <p:cNvPr id="43" name="Straight Arrow Connector 42">
-            <a:extLst>
-              <a:ext uri="{FF2B5EF4-FFF2-40B4-BE49-F238E27FC236}">
-                <a16:creationId xmlns:a16="http://schemas.microsoft.com/office/drawing/2014/main" id="{FF031CB1-B473-40F5-A5C0-081B346533F2}"/>
-              </a:ext>
-            </a:extLst>
-          </p:cNvPr>
-          <p:cNvCxnSpPr/>
-          <p:nvPr/>
-        </p:nvCxnSpPr>
-        <p:spPr>
-          <a:xfrm>
-            <a:off x="8563409" y="4536585"/>
-            <a:ext cx="1013254" cy="0"/>
-          </a:xfrm>
-          <a:prstGeom prst="straightConnector1">
-            <a:avLst/>
-          </a:prstGeom>
-          <a:ln>
-            <a:tailEnd type="triangle"/>
-          </a:ln>
-        </p:spPr>
-        <p:style>
-          <a:lnRef idx="1">
-            <a:schemeClr val="accent1"/>
-          </a:lnRef>
-          <a:fillRef idx="0">
-            <a:schemeClr val="accent1"/>
-          </a:fillRef>
-          <a:effectRef idx="0">
-            <a:schemeClr val="accent1"/>
-          </a:effectRef>
-          <a:fontRef idx="minor">
-            <a:schemeClr val="tx1"/>
-          </a:fontRef>
-        </p:style>
-      </p:cxnSp>
-      <p:cxnSp>
-        <p:nvCxnSpPr>
-          <p:cNvPr id="44" name="Straight Arrow Connector 43">
-            <a:extLst>
-              <a:ext uri="{FF2B5EF4-FFF2-40B4-BE49-F238E27FC236}">
-                <a16:creationId xmlns:a16="http://schemas.microsoft.com/office/drawing/2014/main" id="{E71BD098-6B49-4F07-845F-AD596DF2C44C}"/>
-              </a:ext>
-            </a:extLst>
-          </p:cNvPr>
-          <p:cNvCxnSpPr/>
-          <p:nvPr/>
-        </p:nvCxnSpPr>
-        <p:spPr>
-          <a:xfrm>
-            <a:off x="8449112" y="5090244"/>
-            <a:ext cx="1127551" cy="848833"/>
-          </a:xfrm>
-          <a:prstGeom prst="straightConnector1">
-            <a:avLst/>
-          </a:prstGeom>
-          <a:ln>
-            <a:tailEnd type="triangle"/>
-          </a:ln>
-        </p:spPr>
-        <p:style>
-          <a:lnRef idx="1">
-            <a:schemeClr val="accent1"/>
-          </a:lnRef>
-          <a:fillRef idx="0">
-            <a:schemeClr val="accent1"/>
-          </a:fillRef>
-          <a:effectRef idx="0">
-            <a:schemeClr val="accent1"/>
-          </a:effectRef>
-          <a:fontRef idx="minor">
-            <a:schemeClr val="tx1"/>
-          </a:fontRef>
-        </p:style>
-      </p:cxnSp>
+      <p:grpSp>
+        <p:nvGrpSpPr>
+          <p:cNvPr id="6" name="Group 5">
+            <a:extLst>
+              <a:ext uri="{FF2B5EF4-FFF2-40B4-BE49-F238E27FC236}">
+                <a16:creationId xmlns:a16="http://schemas.microsoft.com/office/drawing/2014/main" id="{27A1E61C-35CD-4379-AF23-C29242A8BDE8}"/>
+              </a:ext>
+            </a:extLst>
+          </p:cNvPr>
+          <p:cNvGrpSpPr/>
+          <p:nvPr/>
+        </p:nvGrpSpPr>
+        <p:grpSpPr>
+          <a:xfrm>
+            <a:off x="3110480" y="4917598"/>
+            <a:ext cx="4041751" cy="1940402"/>
+            <a:chOff x="2054249" y="3842498"/>
+            <a:chExt cx="6445807" cy="2790298"/>
+          </a:xfrm>
+        </p:grpSpPr>
+        <p:pic>
+          <p:nvPicPr>
+            <p:cNvPr id="7" name="Picture 2" descr="image">
+              <a:extLst>
+                <a:ext uri="{FF2B5EF4-FFF2-40B4-BE49-F238E27FC236}">
+                  <a16:creationId xmlns:a16="http://schemas.microsoft.com/office/drawing/2014/main" id="{1F4B1761-2D7B-48EA-ABE4-1ADAFAFC358A}"/>
+                </a:ext>
+              </a:extLst>
+            </p:cNvPr>
+            <p:cNvPicPr>
+              <a:picLocks noChangeAspect="1" noChangeArrowheads="1"/>
+            </p:cNvPicPr>
+            <p:nvPr/>
+          </p:nvPicPr>
+          <p:blipFill rotWithShape="1">
+            <a:blip r:embed="rId3">
+              <a:extLst>
+                <a:ext uri="{28A0092B-C50C-407E-A947-70E740481C1C}">
+                  <a14:useLocalDpi xmlns:a14="http://schemas.microsoft.com/office/drawing/2010/main" val="0"/>
+                </a:ext>
+              </a:extLst>
+            </a:blip>
+            <a:srcRect/>
+            <a:stretch/>
+          </p:blipFill>
+          <p:spPr bwMode="auto">
+            <a:xfrm>
+              <a:off x="2054249" y="3851779"/>
+              <a:ext cx="6445807" cy="2781017"/>
+            </a:xfrm>
+            <a:prstGeom prst="rect">
+              <a:avLst/>
+            </a:prstGeom>
+            <a:noFill/>
+            <a:extLst>
+              <a:ext uri="{909E8E84-426E-40DD-AFC4-6F175D3DCCD1}">
+                <a14:hiddenFill xmlns:a14="http://schemas.microsoft.com/office/drawing/2010/main">
+                  <a:solidFill>
+                    <a:srgbClr val="FFFFFF"/>
+                  </a:solidFill>
+                </a14:hiddenFill>
+              </a:ext>
+            </a:extLst>
+          </p:spPr>
+        </p:pic>
+        <p:sp>
+          <p:nvSpPr>
+            <p:cNvPr id="8" name="Rectangle 7">
+              <a:extLst>
+                <a:ext uri="{FF2B5EF4-FFF2-40B4-BE49-F238E27FC236}">
+                  <a16:creationId xmlns:a16="http://schemas.microsoft.com/office/drawing/2014/main" id="{60D05DD1-7768-4409-988D-4038DDBC05BD}"/>
+                </a:ext>
+              </a:extLst>
+            </p:cNvPr>
+            <p:cNvSpPr/>
+            <p:nvPr/>
+          </p:nvSpPr>
+          <p:spPr>
+            <a:xfrm>
+              <a:off x="3734873" y="4262907"/>
+              <a:ext cx="4314423" cy="682580"/>
+            </a:xfrm>
+            <a:prstGeom prst="rect">
+              <a:avLst/>
+            </a:prstGeom>
+            <a:solidFill>
+              <a:schemeClr val="bg1"/>
+            </a:solidFill>
+            <a:ln>
+              <a:noFill/>
+            </a:ln>
+          </p:spPr>
+          <p:style>
+            <a:lnRef idx="2">
+              <a:schemeClr val="accent1">
+                <a:shade val="50000"/>
+              </a:schemeClr>
+            </a:lnRef>
+            <a:fillRef idx="1">
+              <a:schemeClr val="accent1"/>
+            </a:fillRef>
+            <a:effectRef idx="0">
+              <a:schemeClr val="accent1"/>
+            </a:effectRef>
+            <a:fontRef idx="minor">
+              <a:schemeClr val="lt1"/>
+            </a:fontRef>
+          </p:style>
+          <p:txBody>
+            <a:bodyPr rtlCol="0" anchor="ctr"/>
+            <a:lstStyle/>
+            <a:p>
+              <a:pPr algn="ctr"/>
+              <a:endParaRPr lang="en-GB"/>
+            </a:p>
+          </p:txBody>
+        </p:sp>
+        <p:sp>
+          <p:nvSpPr>
+            <p:cNvPr id="9" name="Rectangle 8">
+              <a:extLst>
+                <a:ext uri="{FF2B5EF4-FFF2-40B4-BE49-F238E27FC236}">
+                  <a16:creationId xmlns:a16="http://schemas.microsoft.com/office/drawing/2014/main" id="{6A70734D-8715-4A28-8DBF-185E2D49741A}"/>
+                </a:ext>
+              </a:extLst>
+            </p:cNvPr>
+            <p:cNvSpPr/>
+            <p:nvPr/>
+          </p:nvSpPr>
+          <p:spPr>
+            <a:xfrm>
+              <a:off x="4757351" y="3892378"/>
+              <a:ext cx="1433384" cy="370529"/>
+            </a:xfrm>
+            <a:prstGeom prst="rect">
+              <a:avLst/>
+            </a:prstGeom>
+            <a:solidFill>
+              <a:schemeClr val="bg1"/>
+            </a:solidFill>
+            <a:ln>
+              <a:solidFill>
+                <a:schemeClr val="bg1"/>
+              </a:solidFill>
+            </a:ln>
+          </p:spPr>
+          <p:style>
+            <a:lnRef idx="2">
+              <a:schemeClr val="accent1">
+                <a:shade val="50000"/>
+              </a:schemeClr>
+            </a:lnRef>
+            <a:fillRef idx="1">
+              <a:schemeClr val="accent1"/>
+            </a:fillRef>
+            <a:effectRef idx="0">
+              <a:schemeClr val="accent1"/>
+            </a:effectRef>
+            <a:fontRef idx="minor">
+              <a:schemeClr val="lt1"/>
+            </a:fontRef>
+          </p:style>
+          <p:txBody>
+            <a:bodyPr rtlCol="0" anchor="ctr"/>
+            <a:lstStyle/>
+            <a:p>
+              <a:pPr algn="ctr"/>
+              <a:endParaRPr lang="en-GB"/>
+            </a:p>
+          </p:txBody>
+        </p:sp>
+        <p:sp>
+          <p:nvSpPr>
+            <p:cNvPr id="10" name="TextBox 9">
+              <a:extLst>
+                <a:ext uri="{FF2B5EF4-FFF2-40B4-BE49-F238E27FC236}">
+                  <a16:creationId xmlns:a16="http://schemas.microsoft.com/office/drawing/2014/main" id="{E3CC5165-E865-4B91-B545-96FBC6FA51C0}"/>
+                </a:ext>
+              </a:extLst>
+            </p:cNvPr>
+            <p:cNvSpPr txBox="1"/>
+            <p:nvPr/>
+          </p:nvSpPr>
+          <p:spPr>
+            <a:xfrm>
+              <a:off x="4843848" y="3842498"/>
+              <a:ext cx="1260389" cy="840906"/>
+            </a:xfrm>
+            <a:prstGeom prst="rect">
+              <a:avLst/>
+            </a:prstGeom>
+            <a:noFill/>
+          </p:spPr>
+          <p:txBody>
+            <a:bodyPr wrap="square" rtlCol="0">
+              <a:spAutoFit/>
+            </a:bodyPr>
+            <a:lstStyle/>
+            <a:p>
+              <a:r>
+                <a:rPr lang="en-GB" sz="1600" b="1" dirty="0"/>
+                <a:t>gallium</a:t>
+              </a:r>
+            </a:p>
+          </p:txBody>
+        </p:sp>
+      </p:grpSp>
     </p:spTree>
     <p:extLst>
       <p:ext uri="{BB962C8B-B14F-4D97-AF65-F5344CB8AC3E}">
-        <p14:creationId xmlns:p14="http://schemas.microsoft.com/office/powerpoint/2010/main" val="2068788769"/>
+        <p14:creationId xmlns:p14="http://schemas.microsoft.com/office/powerpoint/2010/main" val="3669813147"/>
       </p:ext>
     </p:extLst>
   </p:cSld>
